--- a/kubernetes/k8s001.pptx
+++ b/kubernetes/k8s001.pptx
@@ -208,7 +208,7 @@
           <a:p>
             <a:fld id="{63F136E3-80C6-A842-B275-74FC7A4265FC}" type="datetimeFigureOut">
               <a:rPr kumimoji="1" lang="zh-CN" altLang="en-US" smtClean="0"/>
-              <a:t>2019/6/24</a:t>
+              <a:t>2019/7/23</a:t>
             </a:fld>
             <a:endParaRPr kumimoji="1" lang="zh-CN" altLang="en-US"/>
           </a:p>
@@ -272,38 +272,37 @@
           <a:p>
             <a:pPr lvl="0"/>
             <a:r>
-              <a:rPr kumimoji="1" lang="zh-CN" altLang="en-US" smtClean="0"/>
+              <a:rPr kumimoji="1" lang="zh-CN" altLang="en-US"/>
               <a:t>单击此处编辑母版文本样式</a:t>
             </a:r>
           </a:p>
           <a:p>
             <a:pPr lvl="1"/>
             <a:r>
-              <a:rPr kumimoji="1" lang="zh-CN" altLang="en-US" smtClean="0"/>
+              <a:rPr kumimoji="1" lang="zh-CN" altLang="en-US"/>
               <a:t>二级</a:t>
             </a:r>
           </a:p>
           <a:p>
             <a:pPr lvl="2"/>
             <a:r>
-              <a:rPr kumimoji="1" lang="zh-CN" altLang="en-US" smtClean="0"/>
+              <a:rPr kumimoji="1" lang="zh-CN" altLang="en-US"/>
               <a:t>三级</a:t>
             </a:r>
           </a:p>
           <a:p>
             <a:pPr lvl="3"/>
             <a:r>
-              <a:rPr kumimoji="1" lang="zh-CN" altLang="en-US" smtClean="0"/>
+              <a:rPr kumimoji="1" lang="zh-CN" altLang="en-US"/>
               <a:t>四级</a:t>
             </a:r>
           </a:p>
           <a:p>
             <a:pPr lvl="4"/>
             <a:r>
-              <a:rPr kumimoji="1" lang="zh-CN" altLang="en-US" smtClean="0"/>
+              <a:rPr kumimoji="1" lang="zh-CN" altLang="en-US"/>
               <a:t>五级</a:t>
             </a:r>
-            <a:endParaRPr kumimoji="1" lang="zh-CN" altLang="en-US"/>
           </a:p>
         </p:txBody>
       </p:sp>
@@ -521,101 +520,101 @@
           <a:lstStyle/>
           <a:p>
             <a:r>
-              <a:rPr kumimoji="1" lang="zh-CN" altLang="en-US" dirty="0" smtClean="0"/>
+              <a:rPr kumimoji="1" lang="zh-CN" altLang="en-US" dirty="0"/>
               <a:t>简单回顾下容器，一个容器实际是由</a:t>
             </a:r>
             <a:r>
-              <a:rPr kumimoji="1" lang="en-US" altLang="zh-CN" dirty="0" smtClean="0"/>
+              <a:rPr kumimoji="1" lang="en-US" altLang="zh-CN" dirty="0"/>
               <a:t>namespace</a:t>
             </a:r>
             <a:r>
-              <a:rPr kumimoji="1" lang="zh-CN" altLang="en-US" dirty="0" smtClean="0"/>
+              <a:rPr kumimoji="1" lang="zh-CN" altLang="en-US" dirty="0"/>
               <a:t>，</a:t>
             </a:r>
             <a:r>
-              <a:rPr kumimoji="1" lang="en-US" altLang="zh-CN" dirty="0" err="1" smtClean="0"/>
+              <a:rPr kumimoji="1" lang="en-US" altLang="zh-CN" dirty="0" err="1"/>
               <a:t>cgroup</a:t>
             </a:r>
             <a:r>
-              <a:rPr kumimoji="1" lang="zh-CN" altLang="en-US" dirty="0" smtClean="0"/>
+              <a:rPr kumimoji="1" lang="zh-CN" altLang="en-US" dirty="0"/>
               <a:t>，</a:t>
             </a:r>
             <a:r>
-              <a:rPr kumimoji="1" lang="en-US" altLang="zh-CN" dirty="0" err="1" smtClean="0"/>
+              <a:rPr kumimoji="1" lang="en-US" altLang="zh-CN" dirty="0" err="1"/>
               <a:t>rootfs</a:t>
             </a:r>
             <a:r>
-              <a:rPr kumimoji="1" lang="zh-CN" altLang="en-US" dirty="0" smtClean="0"/>
+              <a:rPr kumimoji="1" lang="zh-CN" altLang="en-US" dirty="0"/>
               <a:t>三大技术构建出来的一个隔离的进程。</a:t>
             </a:r>
             <a:r>
-              <a:rPr kumimoji="1" lang="en-US" altLang="zh-CN" dirty="0" err="1" smtClean="0"/>
+              <a:rPr kumimoji="1" lang="en-US" altLang="zh-CN" dirty="0" err="1"/>
               <a:t>Rootfs</a:t>
             </a:r>
             <a:r>
-              <a:rPr kumimoji="1" lang="zh-CN" altLang="en-US" dirty="0" smtClean="0"/>
+              <a:rPr kumimoji="1" lang="zh-CN" altLang="en-US" dirty="0"/>
               <a:t>对应镜像，是容器的静态视图，</a:t>
             </a:r>
             <a:r>
-              <a:rPr kumimoji="1" lang="en-US" altLang="zh-CN" dirty="0" err="1" smtClean="0"/>
+              <a:rPr kumimoji="1" lang="en-US" altLang="zh-CN" dirty="0" err="1"/>
               <a:t>namespace+cgroup</a:t>
             </a:r>
             <a:r>
-              <a:rPr kumimoji="1" lang="zh-CN" altLang="en-US" dirty="0" smtClean="0"/>
+              <a:rPr kumimoji="1" lang="zh-CN" altLang="en-US" dirty="0"/>
               <a:t>构成的隔离环境，对应容器运行时，是容器的动态视图。</a:t>
             </a:r>
-            <a:endParaRPr kumimoji="1" lang="en-US" altLang="zh-CN" dirty="0" smtClean="0"/>
-          </a:p>
-          <a:p>
-            <a:endParaRPr kumimoji="1" lang="en-US" altLang="zh-CN" dirty="0" smtClean="0"/>
-          </a:p>
-          <a:p>
-            <a:r>
-              <a:rPr kumimoji="1" lang="zh-CN" altLang="en-US" dirty="0" smtClean="0"/>
+            <a:endParaRPr kumimoji="1" lang="en-US" altLang="zh-CN" dirty="0"/>
+          </a:p>
+          <a:p>
+            <a:endParaRPr kumimoji="1" lang="en-US" altLang="zh-CN" dirty="0"/>
+          </a:p>
+          <a:p>
+            <a:r>
+              <a:rPr kumimoji="1" lang="zh-CN" altLang="en-US" dirty="0"/>
               <a:t>而在容器生态中，</a:t>
             </a:r>
             <a:r>
-              <a:rPr kumimoji="1" lang="en-US" altLang="zh-CN" dirty="0" err="1" smtClean="0"/>
+              <a:rPr kumimoji="1" lang="en-US" altLang="zh-CN" dirty="0" err="1"/>
               <a:t>docker</a:t>
             </a:r>
             <a:r>
-              <a:rPr kumimoji="1" lang="zh-CN" altLang="en-US" dirty="0" smtClean="0"/>
+              <a:rPr kumimoji="1" lang="zh-CN" altLang="en-US" dirty="0"/>
               <a:t>是事实标准，向我们之前讲的，</a:t>
             </a:r>
             <a:r>
-              <a:rPr kumimoji="1" lang="en-US" altLang="zh-CN" dirty="0" err="1" smtClean="0"/>
+              <a:rPr kumimoji="1" lang="en-US" altLang="zh-CN" dirty="0" err="1"/>
               <a:t>docker</a:t>
             </a:r>
             <a:r>
-              <a:rPr kumimoji="1" lang="zh-CN" altLang="en-US" dirty="0" smtClean="0"/>
+              <a:rPr kumimoji="1" lang="zh-CN" altLang="en-US" dirty="0"/>
               <a:t>公司凭借这一优势，野心越来越大，开始做起容器编排技术，进军容器云平台领域。在平台层面，谁成为事实标准，谁就能够定义容器的组织和管理规范，这是一个更受到开发者和市场追逐的领域。因此以</a:t>
             </a:r>
             <a:r>
-              <a:rPr kumimoji="1" lang="en-US" altLang="zh-CN" dirty="0" smtClean="0"/>
+              <a:rPr kumimoji="1" lang="en-US" altLang="zh-CN" dirty="0"/>
               <a:t>google</a:t>
             </a:r>
             <a:r>
-              <a:rPr kumimoji="1" lang="zh-CN" altLang="en-US" dirty="0" smtClean="0"/>
+              <a:rPr kumimoji="1" lang="zh-CN" altLang="en-US" dirty="0"/>
               <a:t>、</a:t>
             </a:r>
             <a:r>
-              <a:rPr kumimoji="1" lang="en-US" altLang="zh-CN" dirty="0" err="1" smtClean="0"/>
+              <a:rPr kumimoji="1" lang="en-US" altLang="zh-CN" dirty="0" err="1"/>
               <a:t>redhat</a:t>
             </a:r>
             <a:r>
-              <a:rPr kumimoji="1" lang="zh-CN" altLang="en-US" dirty="0" smtClean="0"/>
+              <a:rPr kumimoji="1" lang="zh-CN" altLang="en-US" dirty="0"/>
               <a:t>为代表的这些在开源基础设施领域有着深厚积累的公司，为了对抗</a:t>
             </a:r>
             <a:r>
-              <a:rPr kumimoji="1" lang="en-US" altLang="zh-CN" dirty="0" err="1" smtClean="0"/>
+              <a:rPr kumimoji="1" lang="en-US" altLang="zh-CN" dirty="0" err="1"/>
               <a:t>docker</a:t>
             </a:r>
             <a:r>
-              <a:rPr kumimoji="1" lang="zh-CN" altLang="en-US" dirty="0" smtClean="0"/>
+              <a:rPr kumimoji="1" lang="zh-CN" altLang="en-US" dirty="0"/>
               <a:t>，共</a:t>
             </a:r>
             <a:r>
-              <a:rPr lang="zh-CN" altLang="en-US" sz="1200" b="0" i="0" kern="1200" dirty="0" smtClean="0">
+              <a:rPr lang="zh-CN" altLang="en-US" sz="1200" b="0" i="0" kern="1200" dirty="0">
                 <a:solidFill>
                   <a:schemeClr val="tx1"/>
                 </a:solidFill>
@@ -627,7 +626,7 @@
               <a:t>同发起了一个名为 </a:t>
             </a:r>
             <a:r>
-              <a:rPr lang="en-US" altLang="zh-CN" sz="1200" b="0" i="0" kern="1200" dirty="0" smtClean="0">
+              <a:rPr lang="en-US" altLang="zh-CN" sz="1200" b="0" i="0" kern="1200" dirty="0">
                 <a:solidFill>
                   <a:schemeClr val="tx1"/>
                 </a:solidFill>
@@ -639,7 +638,7 @@
               <a:t>CNCF</a:t>
             </a:r>
             <a:r>
-              <a:rPr lang="zh-CN" altLang="en-US" sz="1200" b="0" i="0" kern="1200" dirty="0" smtClean="0">
+              <a:rPr lang="zh-CN" altLang="en-US" sz="1200" b="0" i="0" kern="1200" dirty="0">
                 <a:solidFill>
                   <a:schemeClr val="tx1"/>
                 </a:solidFill>
@@ -651,7 +650,7 @@
               <a:t>（</a:t>
             </a:r>
             <a:r>
-              <a:rPr lang="en-US" altLang="zh-CN" sz="1200" b="0" i="0" kern="1200" dirty="0" smtClean="0">
+              <a:rPr lang="en-US" altLang="zh-CN" sz="1200" b="0" i="0" kern="1200" dirty="0">
                 <a:solidFill>
                   <a:schemeClr val="tx1"/>
                 </a:solidFill>
@@ -663,7 +662,7 @@
               <a:t>Cloud Native Computing Foundation</a:t>
             </a:r>
             <a:r>
-              <a:rPr lang="zh-CN" altLang="en-US" sz="1200" b="0" i="0" kern="1200" dirty="0" smtClean="0">
+              <a:rPr lang="zh-CN" altLang="en-US" sz="1200" b="0" i="0" kern="1200" dirty="0">
                 <a:solidFill>
                   <a:schemeClr val="tx1"/>
                 </a:solidFill>
@@ -675,7 +674,7 @@
               <a:t>）的基金会。这个基金会的目的其实很容易理解：它希望，以 </a:t>
             </a:r>
             <a:r>
-              <a:rPr lang="en-US" altLang="zh-CN" sz="1200" b="0" i="0" kern="1200" dirty="0" smtClean="0">
+              <a:rPr lang="en-US" altLang="zh-CN" sz="1200" b="0" i="0" kern="1200" dirty="0">
                 <a:solidFill>
                   <a:schemeClr val="tx1"/>
                 </a:solidFill>
@@ -687,7 +686,7 @@
               <a:t>Kubernetes </a:t>
             </a:r>
             <a:r>
-              <a:rPr lang="zh-CN" altLang="en-US" sz="1200" b="0" i="0" kern="1200" dirty="0" smtClean="0">
+              <a:rPr lang="zh-CN" altLang="en-US" sz="1200" b="0" i="0" kern="1200" dirty="0">
                 <a:solidFill>
                   <a:schemeClr val="tx1"/>
                 </a:solidFill>
@@ -699,7 +698,7 @@
               <a:t>项目为基础，建立一个由开源基础设施领域厂商主导的、按照独立基金会方式运营的平台级社区，来对抗以 </a:t>
             </a:r>
             <a:r>
-              <a:rPr lang="en-US" altLang="zh-CN" sz="1200" b="0" i="0" kern="1200" dirty="0" smtClean="0">
+              <a:rPr lang="en-US" altLang="zh-CN" sz="1200" b="0" i="0" kern="1200" dirty="0">
                 <a:solidFill>
                   <a:schemeClr val="tx1"/>
                 </a:solidFill>
@@ -711,7 +710,7 @@
               <a:t>Docker </a:t>
             </a:r>
             <a:r>
-              <a:rPr lang="zh-CN" altLang="en-US" sz="1200" b="0" i="0" kern="1200" dirty="0" smtClean="0">
+              <a:rPr lang="zh-CN" altLang="en-US" sz="1200" b="0" i="0" kern="1200" dirty="0">
                 <a:solidFill>
                   <a:schemeClr val="tx1"/>
                 </a:solidFill>
@@ -722,7 +721,7 @@
               </a:rPr>
               <a:t>公司为核心的容器商业生态。</a:t>
             </a:r>
-            <a:endParaRPr lang="en-US" altLang="zh-CN" sz="1200" b="0" i="0" kern="1200" dirty="0" smtClean="0">
+            <a:endParaRPr lang="en-US" altLang="zh-CN" sz="1200" b="0" i="0" kern="1200" dirty="0">
               <a:solidFill>
                 <a:schemeClr val="tx1"/>
               </a:solidFill>
@@ -733,7 +732,7 @@
             </a:endParaRPr>
           </a:p>
           <a:p>
-            <a:endParaRPr lang="en-US" altLang="zh-CN" sz="1200" b="0" i="0" kern="1200" dirty="0" smtClean="0">
+            <a:endParaRPr lang="en-US" altLang="zh-CN" sz="1200" b="0" i="0" kern="1200" dirty="0">
               <a:solidFill>
                 <a:schemeClr val="tx1"/>
               </a:solidFill>
@@ -762,7 +761,7 @@
               <a:defRPr/>
             </a:pPr>
             <a:r>
-              <a:rPr lang="en-US" altLang="zh-CN" sz="1200" b="0" i="0" kern="1200" dirty="0" smtClean="0">
+              <a:rPr lang="en-US" altLang="zh-CN" sz="1200" b="0" i="0" kern="1200" dirty="0">
                 <a:solidFill>
                   <a:schemeClr val="tx1"/>
                 </a:solidFill>
@@ -774,7 +773,7 @@
               <a:t>Kubernetes</a:t>
             </a:r>
             <a:r>
-              <a:rPr lang="zh-CN" altLang="en-US" sz="1200" b="0" i="0" kern="1200" dirty="0" smtClean="0">
+              <a:rPr lang="zh-CN" altLang="en-US" sz="1200" b="0" i="0" kern="1200" dirty="0">
                 <a:solidFill>
                   <a:schemeClr val="tx1"/>
                 </a:solidFill>
@@ -786,7 +785,7 @@
               <a:t>源于谷歌内部最核心最底层的</a:t>
             </a:r>
             <a:r>
-              <a:rPr lang="en-US" altLang="zh-CN" sz="1200" b="0" i="0" kern="1200" dirty="0" err="1" smtClean="0">
+              <a:rPr lang="en-US" altLang="zh-CN" sz="1200" b="0" i="0" kern="1200" dirty="0" err="1">
                 <a:solidFill>
                   <a:schemeClr val="tx1"/>
                 </a:solidFill>
@@ -798,7 +797,7 @@
               <a:t>borg</a:t>
             </a:r>
             <a:r>
-              <a:rPr lang="zh-CN" altLang="en-US" sz="1200" b="0" i="0" kern="1200" dirty="0" smtClean="0">
+              <a:rPr lang="zh-CN" altLang="en-US" sz="1200" b="0" i="0" kern="1200" dirty="0">
                 <a:solidFill>
                   <a:schemeClr val="tx1"/>
                 </a:solidFill>
@@ -810,7 +809,7 @@
               <a:t>系统，是谷歌多年在基础设施领域经验的沉淀和升华，可以说从一开始就站在了巨人的肩膀上，</a:t>
             </a:r>
             <a:r>
-              <a:rPr lang="en-US" altLang="zh-CN" sz="1200" b="1" i="0" kern="1200" dirty="0" smtClean="0">
+              <a:rPr lang="en-US" altLang="zh-CN" sz="1200" b="1" i="0" kern="1200" dirty="0">
                 <a:solidFill>
                   <a:schemeClr val="tx1"/>
                 </a:solidFill>
@@ -822,7 +821,7 @@
               <a:t>Kubernetes </a:t>
             </a:r>
             <a:r>
-              <a:rPr lang="zh-CN" altLang="en-US" sz="1200" b="1" i="0" kern="1200" dirty="0" smtClean="0">
+              <a:rPr lang="zh-CN" altLang="en-US" sz="1200" b="1" i="0" kern="1200" dirty="0">
                 <a:solidFill>
                   <a:schemeClr val="tx1"/>
                 </a:solidFill>
@@ -834,7 +833,7 @@
               <a:t>项目就没有像同时期的各种“容器云”项目那样，把 </a:t>
             </a:r>
             <a:r>
-              <a:rPr lang="en-US" altLang="zh-CN" sz="1200" b="1" i="0" kern="1200" dirty="0" smtClean="0">
+              <a:rPr lang="en-US" altLang="zh-CN" sz="1200" b="1" i="0" kern="1200" dirty="0">
                 <a:solidFill>
                   <a:schemeClr val="tx1"/>
                 </a:solidFill>
@@ -846,7 +845,7 @@
               <a:t>Docker </a:t>
             </a:r>
             <a:r>
-              <a:rPr lang="zh-CN" altLang="en-US" sz="1200" b="1" i="0" kern="1200" dirty="0" smtClean="0">
+              <a:rPr lang="zh-CN" altLang="en-US" sz="1200" b="1" i="0" kern="1200" dirty="0">
                 <a:solidFill>
                   <a:schemeClr val="tx1"/>
                 </a:solidFill>
@@ -858,7 +857,7 @@
               <a:t>作为整个架构的核心，而仅仅把它作为最底层的一个容器运行时实现，</a:t>
             </a:r>
             <a:r>
-              <a:rPr lang="zh-CN" altLang="en-US" sz="1200" b="0" i="0" kern="1200" dirty="0" smtClean="0">
+              <a:rPr lang="zh-CN" altLang="en-US" sz="1200" b="0" i="0" kern="1200" dirty="0">
                 <a:solidFill>
                   <a:schemeClr val="tx1"/>
                 </a:solidFill>
@@ -870,7 +869,7 @@
               <a:t>它认为，运行在大规模集群中的各种任务之间的关系的处理，才是作业编排和管理系统最困难的地方。比如，一个 </a:t>
             </a:r>
             <a:r>
-              <a:rPr lang="en-US" altLang="zh-CN" sz="1200" b="0" i="0" kern="1200" dirty="0" smtClean="0">
+              <a:rPr lang="en-US" altLang="zh-CN" sz="1200" b="0" i="0" kern="1200" dirty="0">
                 <a:solidFill>
                   <a:schemeClr val="tx1"/>
                 </a:solidFill>
@@ -882,7 +881,7 @@
               <a:t>Web </a:t>
             </a:r>
             <a:r>
-              <a:rPr lang="zh-CN" altLang="en-US" sz="1200" b="0" i="0" kern="1200" dirty="0" smtClean="0">
+              <a:rPr lang="zh-CN" altLang="en-US" sz="1200" b="0" i="0" kern="1200" dirty="0">
                 <a:solidFill>
                   <a:schemeClr val="tx1"/>
                 </a:solidFill>
@@ -894,7 +893,7 @@
               <a:t>应用与数据库之间的访问关系，一个负载均衡器和它的后端服务之间的代理关系，更进一步地说，同属于一个服务单位的不同功能之间，也完全可能存在这样的关系。比如，一个 </a:t>
             </a:r>
             <a:r>
-              <a:rPr lang="en-US" altLang="zh-CN" sz="1200" b="0" i="0" kern="1200" dirty="0" smtClean="0">
+              <a:rPr lang="en-US" altLang="zh-CN" sz="1200" b="0" i="0" kern="1200" dirty="0">
                 <a:solidFill>
                   <a:schemeClr val="tx1"/>
                 </a:solidFill>
@@ -906,7 +905,7 @@
               <a:t>Web </a:t>
             </a:r>
             <a:r>
-              <a:rPr lang="zh-CN" altLang="en-US" sz="1200" b="0" i="0" kern="1200" dirty="0" smtClean="0">
+              <a:rPr lang="zh-CN" altLang="en-US" sz="1200" b="0" i="0" kern="1200" dirty="0">
                 <a:solidFill>
                   <a:schemeClr val="tx1"/>
                 </a:solidFill>
@@ -918,7 +917,7 @@
               <a:t>应用与日志搜集组件之间的文件交换关系。因此</a:t>
             </a:r>
             <a:r>
-              <a:rPr lang="en-US" altLang="zh-CN" sz="1200" b="0" i="0" kern="1200" dirty="0" smtClean="0">
+              <a:rPr lang="en-US" altLang="zh-CN" sz="1200" b="0" i="0" kern="1200" dirty="0">
                 <a:solidFill>
                   <a:schemeClr val="tx1"/>
                 </a:solidFill>
@@ -930,7 +929,7 @@
               <a:t>Kubernetes</a:t>
             </a:r>
             <a:r>
-              <a:rPr lang="zh-CN" altLang="en-US" sz="1200" b="0" i="0" kern="1200" dirty="0" smtClean="0">
+              <a:rPr lang="zh-CN" altLang="en-US" sz="1200" b="0" i="0" kern="1200" dirty="0">
                 <a:solidFill>
                   <a:schemeClr val="tx1"/>
                 </a:solidFill>
@@ -942,7 +941,7 @@
               <a:t>提出了</a:t>
             </a:r>
             <a:r>
-              <a:rPr lang="en-US" altLang="zh-CN" sz="1200" b="0" i="0" kern="1200" dirty="0" smtClean="0">
+              <a:rPr lang="en-US" altLang="zh-CN" sz="1200" b="0" i="0" kern="1200" dirty="0">
                 <a:solidFill>
                   <a:schemeClr val="tx1"/>
                 </a:solidFill>
@@ -954,7 +953,7 @@
               <a:t>pod</a:t>
             </a:r>
             <a:r>
-              <a:rPr lang="zh-CN" altLang="en-US" sz="1200" b="0" i="0" kern="1200" dirty="0" smtClean="0">
+              <a:rPr lang="zh-CN" altLang="en-US" sz="1200" b="0" i="0" kern="1200" dirty="0">
                 <a:solidFill>
                   <a:schemeClr val="tx1"/>
                 </a:solidFill>
@@ -966,7 +965,7 @@
               <a:t>，</a:t>
             </a:r>
             <a:r>
-              <a:rPr lang="en-US" altLang="zh-CN" sz="1200" b="0" i="0" kern="1200" dirty="0" smtClean="0">
+              <a:rPr lang="en-US" altLang="zh-CN" sz="1200" b="0" i="0" kern="1200" dirty="0">
                 <a:solidFill>
                   <a:schemeClr val="tx1"/>
                 </a:solidFill>
@@ -978,7 +977,7 @@
               <a:t>deployment</a:t>
             </a:r>
             <a:r>
-              <a:rPr lang="zh-CN" altLang="en-US" sz="1200" b="0" i="0" kern="1200" dirty="0" smtClean="0">
+              <a:rPr lang="zh-CN" altLang="en-US" sz="1200" b="0" i="0" kern="1200" dirty="0">
                 <a:solidFill>
                   <a:schemeClr val="tx1"/>
                 </a:solidFill>
@@ -990,7 +989,7 @@
               <a:t>，</a:t>
             </a:r>
             <a:r>
-              <a:rPr lang="en-US" altLang="zh-CN" sz="1200" b="0" i="0" kern="1200" dirty="0" smtClean="0">
+              <a:rPr lang="en-US" altLang="zh-CN" sz="1200" b="0" i="0" kern="1200" dirty="0">
                 <a:solidFill>
                   <a:schemeClr val="tx1"/>
                 </a:solidFill>
@@ -1002,7 +1001,7 @@
               <a:t>service</a:t>
             </a:r>
             <a:r>
-              <a:rPr lang="zh-CN" altLang="en-US" sz="1200" b="0" i="0" kern="1200" dirty="0" smtClean="0">
+              <a:rPr lang="zh-CN" altLang="en-US" sz="1200" b="0" i="0" kern="1200" dirty="0">
                 <a:solidFill>
                   <a:schemeClr val="tx1"/>
                 </a:solidFill>
@@ -1014,19 +1013,19 @@
               <a:t>等一系列编排对象的概念来解决这个问题，</a:t>
             </a:r>
             <a:r>
-              <a:rPr lang="en-US" altLang="zh-CN" dirty="0" smtClean="0">
+              <a:rPr lang="en-US" altLang="zh-CN" dirty="0">
                 <a:effectLst/>
               </a:rPr>
               <a:t>k8s</a:t>
             </a:r>
             <a:r>
-              <a:rPr lang="zh-CN" altLang="en-US" dirty="0" smtClean="0">
+              <a:rPr lang="zh-CN" altLang="en-US" dirty="0">
                 <a:effectLst/>
               </a:rPr>
               <a:t>帮助你轻松快速的不停机发布更新应用。帮助你确保容器化应用在你想要的时间或地方运行，并找到它们需要的资源。另外</a:t>
             </a:r>
             <a:r>
-              <a:rPr lang="zh-CN" altLang="en-US" sz="1200" b="0" i="0" kern="1200" dirty="0" smtClean="0">
+              <a:rPr lang="zh-CN" altLang="en-US" sz="1200" b="0" i="0" kern="1200" dirty="0">
                 <a:solidFill>
                   <a:schemeClr val="tx1"/>
                 </a:solidFill>
@@ -1038,7 +1037,7 @@
               <a:t>再加上</a:t>
             </a:r>
             <a:r>
-              <a:rPr lang="en-US" altLang="zh-CN" sz="1200" b="0" i="0" kern="1200" dirty="0" err="1" smtClean="0">
+              <a:rPr lang="en-US" altLang="zh-CN" sz="1200" b="0" i="0" kern="1200" dirty="0" err="1">
                 <a:solidFill>
                   <a:schemeClr val="tx1"/>
                 </a:solidFill>
@@ -1050,7 +1049,7 @@
               <a:t>redhat</a:t>
             </a:r>
             <a:r>
-              <a:rPr lang="zh-CN" altLang="en-US" sz="1200" b="0" i="0" kern="1200" dirty="0" smtClean="0">
+              <a:rPr lang="zh-CN" altLang="en-US" sz="1200" b="0" i="0" kern="1200" dirty="0">
                 <a:solidFill>
                   <a:schemeClr val="tx1"/>
                 </a:solidFill>
@@ -1062,7 +1061,7 @@
               <a:t>对开源社区运作及开源项目研发方面的积累，双强合作，</a:t>
             </a:r>
             <a:r>
-              <a:rPr lang="en-US" altLang="zh-CN" sz="1200" b="0" i="0" kern="1200" dirty="0" err="1" smtClean="0">
+              <a:rPr lang="en-US" altLang="zh-CN" sz="1200" b="0" i="0" kern="1200" dirty="0" err="1">
                 <a:solidFill>
                   <a:schemeClr val="tx1"/>
                 </a:solidFill>
@@ -1074,7 +1073,7 @@
               <a:t>docker</a:t>
             </a:r>
             <a:r>
-              <a:rPr lang="zh-CN" altLang="en-US" sz="1200" b="0" i="0" kern="1200" dirty="0" smtClean="0">
+              <a:rPr lang="zh-CN" altLang="en-US" sz="1200" b="0" i="0" kern="1200" dirty="0">
                 <a:solidFill>
                   <a:schemeClr val="tx1"/>
                 </a:solidFill>
@@ -1086,7 +1085,7 @@
               <a:t>公司最终在开源平台争夺战中溃败，</a:t>
             </a:r>
             <a:r>
-              <a:rPr lang="en-US" altLang="zh-CN" sz="1200" b="0" i="0" kern="1200" dirty="0" smtClean="0">
+              <a:rPr lang="en-US" altLang="zh-CN" sz="1200" b="0" i="0" kern="1200" dirty="0">
                 <a:solidFill>
                   <a:schemeClr val="tx1"/>
                 </a:solidFill>
@@ -1098,7 +1097,7 @@
               <a:t>2017</a:t>
             </a:r>
             <a:r>
-              <a:rPr lang="zh-CN" altLang="en-US" sz="1200" b="0" i="0" kern="1200" dirty="0" smtClean="0">
+              <a:rPr lang="zh-CN" altLang="en-US" sz="1200" b="0" i="0" kern="1200" dirty="0">
                 <a:solidFill>
                   <a:schemeClr val="tx1"/>
                 </a:solidFill>
@@ -1110,7 +1109,7 @@
               <a:t>年开始转向企业业务。至此，</a:t>
             </a:r>
             <a:r>
-              <a:rPr lang="en-US" altLang="zh-CN" sz="1200" b="0" i="0" kern="1200" dirty="0" smtClean="0">
+              <a:rPr lang="en-US" altLang="zh-CN" sz="1200" b="0" i="0" kern="1200" dirty="0">
                 <a:solidFill>
                   <a:schemeClr val="tx1"/>
                 </a:solidFill>
@@ -1122,7 +1121,7 @@
               <a:t>Kubernetes</a:t>
             </a:r>
             <a:r>
-              <a:rPr lang="zh-CN" altLang="en-US" sz="1200" b="0" i="0" kern="1200" dirty="0" smtClean="0">
+              <a:rPr lang="zh-CN" altLang="en-US" sz="1200" b="0" i="0" kern="1200" dirty="0">
                 <a:solidFill>
                   <a:schemeClr val="tx1"/>
                 </a:solidFill>
@@ -1135,7 +1134,7 @@
             </a:r>
           </a:p>
           <a:p>
-            <a:endParaRPr lang="en-US" altLang="zh-CN" sz="1200" b="0" i="0" kern="1200" dirty="0" smtClean="0">
+            <a:endParaRPr lang="en-US" altLang="zh-CN" sz="1200" b="0" i="0" kern="1200" dirty="0">
               <a:solidFill>
                 <a:schemeClr val="tx1"/>
               </a:solidFill>
@@ -1147,7 +1146,7 @@
           </a:p>
           <a:p>
             <a:r>
-              <a:rPr lang="zh-CN" altLang="en-US" sz="1200" b="0" i="0" kern="1200" dirty="0" smtClean="0">
+              <a:rPr lang="zh-CN" altLang="en-US" sz="1200" b="0" i="0" kern="1200" dirty="0">
                 <a:solidFill>
                   <a:schemeClr val="tx1"/>
                 </a:solidFill>
@@ -1159,7 +1158,7 @@
               <a:t>目前</a:t>
             </a:r>
             <a:r>
-              <a:rPr lang="en-US" altLang="zh-CN" sz="1200" b="0" i="0" kern="1200" dirty="0" smtClean="0">
+              <a:rPr lang="en-US" altLang="zh-CN" sz="1200" b="0" i="0" kern="1200" dirty="0">
                 <a:solidFill>
                   <a:schemeClr val="tx1"/>
                 </a:solidFill>
@@ -1171,7 +1170,7 @@
               <a:t>CNCF</a:t>
             </a:r>
             <a:r>
-              <a:rPr lang="zh-CN" altLang="en-US" sz="1200" b="0" i="0" kern="1200" dirty="0" smtClean="0">
+              <a:rPr lang="zh-CN" altLang="en-US" sz="1200" b="0" i="0" kern="1200" dirty="0">
                 <a:solidFill>
                   <a:schemeClr val="tx1"/>
                 </a:solidFill>
@@ -1183,7 +1182,7 @@
               <a:t>社区以 </a:t>
             </a:r>
             <a:r>
-              <a:rPr lang="en-US" altLang="zh-CN" sz="1200" b="0" i="0" kern="1200" dirty="0" smtClean="0">
+              <a:rPr lang="en-US" altLang="zh-CN" sz="1200" b="0" i="0" kern="1200" dirty="0">
                 <a:solidFill>
                   <a:schemeClr val="tx1"/>
                 </a:solidFill>
@@ -1195,7 +1194,7 @@
               <a:t>Kubernetes </a:t>
             </a:r>
             <a:r>
-              <a:rPr lang="zh-CN" altLang="en-US" sz="1200" b="0" i="0" kern="1200" dirty="0" smtClean="0">
+              <a:rPr lang="zh-CN" altLang="en-US" sz="1200" b="0" i="0" kern="1200" dirty="0">
                 <a:solidFill>
                   <a:schemeClr val="tx1"/>
                 </a:solidFill>
@@ -1208,7 +1207,7 @@
             </a:r>
           </a:p>
           <a:p>
-            <a:endParaRPr lang="zh-CN" altLang="en-US" sz="1200" b="0" i="0" kern="1200" dirty="0" smtClean="0">
+            <a:endParaRPr lang="zh-CN" altLang="en-US" sz="1200" b="0" i="0" kern="1200" dirty="0">
               <a:solidFill>
                 <a:schemeClr val="tx1"/>
               </a:solidFill>
@@ -1219,12 +1218,8 @@
             </a:endParaRPr>
           </a:p>
           <a:p>
-            <a:r>
-              <a:rPr lang="zh-CN" altLang="en-US" dirty="0" smtClean="0"/>
-              <a:t/>
-            </a:r>
             <a:br>
-              <a:rPr lang="zh-CN" altLang="en-US" dirty="0" smtClean="0"/>
+              <a:rPr lang="zh-CN" altLang="en-US" dirty="0"/>
             </a:br>
             <a:endParaRPr kumimoji="1" lang="zh-CN" altLang="en-US" dirty="0"/>
           </a:p>
@@ -1311,7 +1306,7 @@
           <a:lstStyle/>
           <a:p>
             <a:r>
-              <a:rPr lang="en-US" altLang="zh-CN" sz="1200" b="1" kern="1200" dirty="0" err="1" smtClean="0">
+              <a:rPr lang="en-US" altLang="zh-CN" sz="1200" b="1" kern="1200" dirty="0" err="1">
                 <a:solidFill>
                   <a:schemeClr val="tx1"/>
                 </a:solidFill>
@@ -1323,7 +1318,7 @@
               <a:t>kubeadm</a:t>
             </a:r>
             <a:r>
-              <a:rPr lang="en-US" altLang="zh-CN" sz="1200" b="1" kern="1200" dirty="0" smtClean="0">
+              <a:rPr lang="en-US" altLang="zh-CN" sz="1200" b="1" kern="1200" dirty="0">
                 <a:solidFill>
                   <a:schemeClr val="tx1"/>
                 </a:solidFill>
@@ -1335,7 +1330,7 @@
               <a:t> </a:t>
             </a:r>
             <a:r>
-              <a:rPr lang="en-US" altLang="zh-CN" sz="1200" b="1" kern="1200" dirty="0" err="1" smtClean="0">
+              <a:rPr lang="en-US" altLang="zh-CN" sz="1200" b="1" kern="1200" dirty="0" err="1">
                 <a:solidFill>
                   <a:schemeClr val="tx1"/>
                 </a:solidFill>
@@ -1347,7 +1342,7 @@
               <a:t>init</a:t>
             </a:r>
             <a:r>
-              <a:rPr lang="en-US" altLang="zh-CN" sz="1200" b="1" kern="1200" dirty="0" smtClean="0">
+              <a:rPr lang="en-US" altLang="zh-CN" sz="1200" b="1" kern="1200" dirty="0">
                 <a:solidFill>
                   <a:schemeClr val="tx1"/>
                 </a:solidFill>
@@ -1359,7 +1354,7 @@
               <a:t> </a:t>
             </a:r>
             <a:r>
-              <a:rPr lang="zh-CN" altLang="en-US" sz="1200" b="1" kern="1200" dirty="0" smtClean="0">
+              <a:rPr lang="zh-CN" altLang="en-US" sz="1200" b="1" kern="1200" dirty="0">
                 <a:solidFill>
                   <a:schemeClr val="tx1"/>
                 </a:solidFill>
@@ -1370,90 +1365,90 @@
               </a:rPr>
               <a:t>的工作流程</a:t>
             </a:r>
-            <a:endParaRPr lang="zh-CN" altLang="en-US" dirty="0" smtClean="0">
+            <a:endParaRPr lang="zh-CN" altLang="en-US" dirty="0">
               <a:effectLst/>
             </a:endParaRPr>
           </a:p>
           <a:p>
             <a:r>
-              <a:rPr lang="en-US" altLang="zh-CN" b="1" dirty="0" err="1" smtClean="0">
+              <a:rPr lang="en-US" altLang="zh-CN" b="1" dirty="0" err="1">
                 <a:effectLst/>
               </a:rPr>
               <a:t>kubeadm</a:t>
             </a:r>
             <a:r>
-              <a:rPr lang="en-US" altLang="zh-CN" b="1" dirty="0" smtClean="0">
+              <a:rPr lang="en-US" altLang="zh-CN" b="1" dirty="0">
                 <a:effectLst/>
               </a:rPr>
               <a:t> </a:t>
             </a:r>
             <a:r>
-              <a:rPr lang="zh-CN" altLang="en-US" b="1" dirty="0" smtClean="0">
+              <a:rPr lang="zh-CN" altLang="en-US" b="1" dirty="0">
                 <a:effectLst/>
               </a:rPr>
               <a:t>首先要做的，是一系列的检查工作，以确定这台机器可以用来部署 </a:t>
             </a:r>
             <a:r>
-              <a:rPr lang="en-US" altLang="zh-CN" b="1" dirty="0" smtClean="0">
+              <a:rPr lang="en-US" altLang="zh-CN" b="1" dirty="0">
                 <a:effectLst/>
               </a:rPr>
               <a:t>Kubernetes</a:t>
             </a:r>
-            <a:endParaRPr lang="zh-CN" altLang="en-US" dirty="0" smtClean="0">
+            <a:endParaRPr lang="zh-CN" altLang="en-US" dirty="0">
               <a:effectLst/>
             </a:endParaRPr>
           </a:p>
           <a:p>
             <a:r>
-              <a:rPr lang="zh-CN" altLang="en-US" b="1" dirty="0" smtClean="0">
+              <a:rPr lang="zh-CN" altLang="en-US" b="1" dirty="0">
                 <a:effectLst/>
               </a:rPr>
               <a:t>在通过了 </a:t>
             </a:r>
             <a:r>
-              <a:rPr lang="en-US" altLang="zh-CN" b="1" dirty="0" smtClean="0">
+              <a:rPr lang="en-US" altLang="zh-CN" b="1" dirty="0">
                 <a:effectLst/>
               </a:rPr>
               <a:t>Preflight Checks </a:t>
             </a:r>
             <a:r>
-              <a:rPr lang="zh-CN" altLang="en-US" b="1" dirty="0" smtClean="0">
+              <a:rPr lang="zh-CN" altLang="en-US" b="1" dirty="0">
                 <a:effectLst/>
               </a:rPr>
               <a:t>之后，</a:t>
             </a:r>
             <a:r>
-              <a:rPr lang="en-US" altLang="zh-CN" b="1" dirty="0" err="1" smtClean="0">
+              <a:rPr lang="en-US" altLang="zh-CN" b="1" dirty="0" err="1">
                 <a:effectLst/>
               </a:rPr>
               <a:t>kubeadm</a:t>
             </a:r>
             <a:r>
-              <a:rPr lang="en-US" altLang="zh-CN" b="1" dirty="0" smtClean="0">
+              <a:rPr lang="en-US" altLang="zh-CN" b="1" dirty="0">
                 <a:effectLst/>
               </a:rPr>
               <a:t> </a:t>
             </a:r>
             <a:r>
-              <a:rPr lang="zh-CN" altLang="en-US" b="1" dirty="0" smtClean="0">
+              <a:rPr lang="zh-CN" altLang="en-US" b="1" dirty="0">
                 <a:effectLst/>
               </a:rPr>
               <a:t>要为你做的，是生成 </a:t>
             </a:r>
             <a:r>
-              <a:rPr lang="en-US" altLang="zh-CN" b="1" dirty="0" smtClean="0">
+              <a:rPr lang="en-US" altLang="zh-CN" b="1" dirty="0">
                 <a:effectLst/>
               </a:rPr>
               <a:t>Kubernetes </a:t>
             </a:r>
             <a:r>
-              <a:rPr lang="zh-CN" altLang="en-US" b="1" dirty="0" smtClean="0">
+              <a:rPr lang="zh-CN" altLang="en-US" b="1" dirty="0">
                 <a:effectLst/>
               </a:rPr>
               <a:t>对外提供服务所需的各种证书和对应的目录。</a:t>
             </a:r>
             <a:r>
-              <a:rPr lang="en-US" altLang="zh-CN" sz="1200" kern="1200" dirty="0" smtClean="0">
+              <a:rPr lang="en-US" altLang="zh-CN" sz="1200" kern="1200" dirty="0">
                 <a:solidFill>
                   <a:schemeClr val="tx1"/>
                 </a:solidFill>
@@ -1465,7 +1460,7 @@
               <a:t>/</a:t>
             </a:r>
             <a:r>
-              <a:rPr lang="en-US" altLang="zh-CN" sz="1200" kern="1200" dirty="0" err="1" smtClean="0">
+              <a:rPr lang="en-US" altLang="zh-CN" sz="1200" kern="1200" dirty="0" err="1">
                 <a:solidFill>
                   <a:schemeClr val="tx1"/>
                 </a:solidFill>
@@ -1477,7 +1472,7 @@
               <a:t>etc</a:t>
             </a:r>
             <a:r>
-              <a:rPr lang="en-US" altLang="zh-CN" sz="1200" kern="1200" dirty="0" smtClean="0">
+              <a:rPr lang="en-US" altLang="zh-CN" sz="1200" kern="1200" dirty="0">
                 <a:solidFill>
                   <a:schemeClr val="tx1"/>
                 </a:solidFill>
@@ -1489,7 +1484,7 @@
               <a:t>/</a:t>
             </a:r>
             <a:r>
-              <a:rPr lang="en-US" altLang="zh-CN" sz="1200" kern="1200" dirty="0" err="1" smtClean="0">
+              <a:rPr lang="en-US" altLang="zh-CN" sz="1200" kern="1200" dirty="0" err="1">
                 <a:solidFill>
                   <a:schemeClr val="tx1"/>
                 </a:solidFill>
@@ -1501,7 +1496,7 @@
               <a:t>kubernetes</a:t>
             </a:r>
             <a:r>
-              <a:rPr lang="en-US" altLang="zh-CN" sz="1200" kern="1200" dirty="0" smtClean="0">
+              <a:rPr lang="en-US" altLang="zh-CN" sz="1200" kern="1200" dirty="0">
                 <a:solidFill>
                   <a:schemeClr val="tx1"/>
                 </a:solidFill>
@@ -1513,7 +1508,7 @@
               <a:t>/</a:t>
             </a:r>
             <a:r>
-              <a:rPr lang="en-US" altLang="zh-CN" sz="1200" kern="1200" dirty="0" err="1" smtClean="0">
+              <a:rPr lang="en-US" altLang="zh-CN" sz="1200" kern="1200" dirty="0" err="1">
                 <a:solidFill>
                   <a:schemeClr val="tx1"/>
                 </a:solidFill>
@@ -1525,7 +1520,7 @@
               <a:t>pki</a:t>
             </a:r>
             <a:r>
-              <a:rPr lang="en-US" altLang="zh-CN" sz="1200" kern="1200" dirty="0" smtClean="0">
+              <a:rPr lang="en-US" altLang="zh-CN" sz="1200" kern="1200" dirty="0">
                 <a:solidFill>
                   <a:schemeClr val="tx1"/>
                 </a:solidFill>
@@ -1537,7 +1532,7 @@
               <a:t> </a:t>
             </a:r>
             <a:r>
-              <a:rPr lang="zh-CN" altLang="en-US" sz="1200" kern="1200" dirty="0" smtClean="0">
+              <a:rPr lang="zh-CN" altLang="en-US" sz="1200" kern="1200" dirty="0">
                 <a:solidFill>
                   <a:schemeClr val="tx1"/>
                 </a:solidFill>
@@ -1548,55 +1543,55 @@
               </a:rPr>
               <a:t>目录下</a:t>
             </a:r>
-            <a:endParaRPr lang="zh-CN" altLang="en-US" dirty="0" smtClean="0">
+            <a:endParaRPr lang="zh-CN" altLang="en-US" dirty="0">
               <a:effectLst/>
             </a:endParaRPr>
           </a:p>
           <a:p>
             <a:r>
-              <a:rPr lang="zh-CN" altLang="en-US" b="1" dirty="0" smtClean="0">
+              <a:rPr lang="zh-CN" altLang="en-US" b="1" dirty="0">
                 <a:effectLst/>
               </a:rPr>
               <a:t>证书生成后，</a:t>
             </a:r>
             <a:r>
-              <a:rPr lang="en-US" altLang="zh-CN" b="1" dirty="0" err="1" smtClean="0">
+              <a:rPr lang="en-US" altLang="zh-CN" b="1" dirty="0" err="1">
                 <a:effectLst/>
               </a:rPr>
               <a:t>kubeadm</a:t>
             </a:r>
             <a:r>
-              <a:rPr lang="en-US" altLang="zh-CN" b="1" dirty="0" smtClean="0">
+              <a:rPr lang="en-US" altLang="zh-CN" b="1" dirty="0">
                 <a:effectLst/>
               </a:rPr>
               <a:t> </a:t>
             </a:r>
             <a:r>
-              <a:rPr lang="zh-CN" altLang="en-US" b="1" dirty="0" smtClean="0">
+              <a:rPr lang="zh-CN" altLang="en-US" b="1" dirty="0">
                 <a:effectLst/>
               </a:rPr>
               <a:t>接下来会为其他组件生成访问 </a:t>
             </a:r>
             <a:r>
-              <a:rPr lang="en-US" altLang="zh-CN" b="1" dirty="0" err="1" smtClean="0">
+              <a:rPr lang="en-US" altLang="zh-CN" b="1" dirty="0" err="1">
                 <a:effectLst/>
               </a:rPr>
               <a:t>kube-apiserver</a:t>
             </a:r>
             <a:r>
-              <a:rPr lang="en-US" altLang="zh-CN" b="1" dirty="0" smtClean="0">
+              <a:rPr lang="en-US" altLang="zh-CN" b="1" dirty="0">
                 <a:effectLst/>
               </a:rPr>
               <a:t> </a:t>
             </a:r>
             <a:r>
-              <a:rPr lang="zh-CN" altLang="en-US" b="1" dirty="0" smtClean="0">
+              <a:rPr lang="zh-CN" altLang="en-US" b="1" dirty="0">
                 <a:effectLst/>
               </a:rPr>
               <a:t>所需的配置文件</a:t>
             </a:r>
             <a:r>
-              <a:rPr lang="zh-CN" altLang="en-US" sz="1200" kern="1200" dirty="0" smtClean="0">
+              <a:rPr lang="zh-CN" altLang="en-US" sz="1200" kern="1200" dirty="0">
                 <a:solidFill>
                   <a:schemeClr val="tx1"/>
                 </a:solidFill>
@@ -1608,7 +1603,7 @@
               <a:t>。这些文件的路径是：</a:t>
             </a:r>
             <a:r>
-              <a:rPr lang="en-US" altLang="zh-CN" sz="1200" kern="1200" dirty="0" smtClean="0">
+              <a:rPr lang="en-US" altLang="zh-CN" sz="1200" kern="1200" dirty="0">
                 <a:solidFill>
                   <a:schemeClr val="tx1"/>
                 </a:solidFill>
@@ -1620,7 +1615,7 @@
               <a:t>/</a:t>
             </a:r>
             <a:r>
-              <a:rPr lang="en-US" altLang="zh-CN" sz="1200" kern="1200" dirty="0" err="1" smtClean="0">
+              <a:rPr lang="en-US" altLang="zh-CN" sz="1200" kern="1200" dirty="0" err="1">
                 <a:solidFill>
                   <a:schemeClr val="tx1"/>
                 </a:solidFill>
@@ -1632,7 +1627,7 @@
               <a:t>etc</a:t>
             </a:r>
             <a:r>
-              <a:rPr lang="en-US" altLang="zh-CN" sz="1200" kern="1200" dirty="0" smtClean="0">
+              <a:rPr lang="en-US" altLang="zh-CN" sz="1200" kern="1200" dirty="0">
                 <a:solidFill>
                   <a:schemeClr val="tx1"/>
                 </a:solidFill>
@@ -1644,7 +1639,7 @@
               <a:t>/</a:t>
             </a:r>
             <a:r>
-              <a:rPr lang="en-US" altLang="zh-CN" sz="1200" kern="1200" dirty="0" err="1" smtClean="0">
+              <a:rPr lang="en-US" altLang="zh-CN" sz="1200" kern="1200" dirty="0" err="1">
                 <a:solidFill>
                   <a:schemeClr val="tx1"/>
                 </a:solidFill>
@@ -1656,7 +1651,7 @@
               <a:t>kubernetes</a:t>
             </a:r>
             <a:r>
-              <a:rPr lang="en-US" altLang="zh-CN" sz="1200" kern="1200" dirty="0" smtClean="0">
+              <a:rPr lang="en-US" altLang="zh-CN" sz="1200" kern="1200" dirty="0">
                 <a:solidFill>
                   <a:schemeClr val="tx1"/>
                 </a:solidFill>
@@ -1668,7 +1663,7 @@
               <a:t>/</a:t>
             </a:r>
             <a:r>
-              <a:rPr lang="en-US" altLang="zh-CN" sz="1200" kern="1200" dirty="0" err="1" smtClean="0">
+              <a:rPr lang="en-US" altLang="zh-CN" sz="1200" kern="1200" dirty="0" err="1">
                 <a:solidFill>
                   <a:schemeClr val="tx1"/>
                 </a:solidFill>
@@ -1680,7 +1675,7 @@
               <a:t>xxx.conf</a:t>
             </a:r>
             <a:r>
-              <a:rPr lang="zh-CN" altLang="en-US" sz="1200" kern="1200" dirty="0" smtClean="0">
+              <a:rPr lang="zh-CN" altLang="en-US" sz="1200" kern="1200" dirty="0">
                 <a:solidFill>
                   <a:schemeClr val="tx1"/>
                 </a:solidFill>
@@ -1691,61 +1686,61 @@
               </a:rPr>
               <a:t>：</a:t>
             </a:r>
-            <a:endParaRPr lang="zh-CN" altLang="en-US" dirty="0" smtClean="0">
+            <a:endParaRPr lang="zh-CN" altLang="en-US" dirty="0">
               <a:effectLst/>
             </a:endParaRPr>
           </a:p>
           <a:p>
             <a:r>
-              <a:rPr lang="zh-CN" altLang="en-US" b="1" dirty="0" smtClean="0">
+              <a:rPr lang="zh-CN" altLang="en-US" b="1" dirty="0">
                 <a:effectLst/>
               </a:rPr>
               <a:t>接下来，</a:t>
             </a:r>
             <a:r>
-              <a:rPr lang="en-US" altLang="zh-CN" b="1" dirty="0" err="1" smtClean="0">
+              <a:rPr lang="en-US" altLang="zh-CN" b="1" dirty="0" err="1">
                 <a:effectLst/>
               </a:rPr>
               <a:t>kubeadm</a:t>
             </a:r>
             <a:r>
-              <a:rPr lang="en-US" altLang="zh-CN" b="1" dirty="0" smtClean="0">
+              <a:rPr lang="en-US" altLang="zh-CN" b="1" dirty="0">
                 <a:effectLst/>
               </a:rPr>
               <a:t> </a:t>
             </a:r>
             <a:r>
-              <a:rPr lang="zh-CN" altLang="en-US" b="1" dirty="0" smtClean="0">
+              <a:rPr lang="zh-CN" altLang="en-US" b="1" dirty="0">
                 <a:effectLst/>
               </a:rPr>
               <a:t>会为 </a:t>
             </a:r>
             <a:r>
-              <a:rPr lang="en-US" altLang="zh-CN" b="1" dirty="0" smtClean="0">
+              <a:rPr lang="en-US" altLang="zh-CN" b="1" dirty="0">
                 <a:effectLst/>
               </a:rPr>
               <a:t>Master </a:t>
             </a:r>
             <a:r>
-              <a:rPr lang="zh-CN" altLang="en-US" b="1" dirty="0" smtClean="0">
+              <a:rPr lang="zh-CN" altLang="en-US" b="1" dirty="0">
                 <a:effectLst/>
               </a:rPr>
               <a:t>组件生成 </a:t>
             </a:r>
             <a:r>
-              <a:rPr lang="en-US" altLang="zh-CN" b="1" dirty="0" smtClean="0">
+              <a:rPr lang="en-US" altLang="zh-CN" b="1" dirty="0">
                 <a:effectLst/>
               </a:rPr>
               <a:t>Pod </a:t>
             </a:r>
             <a:r>
-              <a:rPr lang="zh-CN" altLang="en-US" b="1" dirty="0" smtClean="0">
+              <a:rPr lang="zh-CN" altLang="en-US" b="1" dirty="0">
                 <a:effectLst/>
               </a:rPr>
               <a:t>配置文件</a:t>
             </a:r>
             <a:r>
-              <a:rPr lang="zh-CN" altLang="en-US" sz="1200" kern="1200" dirty="0" smtClean="0">
+              <a:rPr lang="zh-CN" altLang="en-US" sz="1200" kern="1200" dirty="0">
                 <a:solidFill>
                   <a:schemeClr val="tx1"/>
                 </a:solidFill>
@@ -1757,7 +1752,7 @@
               <a:t>。</a:t>
             </a:r>
             <a:r>
-              <a:rPr lang="en-US" altLang="zh-CN" sz="1200" kern="1200" dirty="0" smtClean="0">
+              <a:rPr lang="en-US" altLang="zh-CN" sz="1200" kern="1200" dirty="0">
                 <a:solidFill>
                   <a:schemeClr val="tx1"/>
                 </a:solidFill>
@@ -1769,7 +1764,7 @@
               <a:t>Master </a:t>
             </a:r>
             <a:r>
-              <a:rPr lang="zh-CN" altLang="en-US" sz="1200" kern="1200" dirty="0" smtClean="0">
+              <a:rPr lang="zh-CN" altLang="en-US" sz="1200" kern="1200" dirty="0">
                 <a:solidFill>
                   <a:schemeClr val="tx1"/>
                 </a:solidFill>
@@ -1781,7 +1776,7 @@
               <a:t>组件的 </a:t>
             </a:r>
             <a:r>
-              <a:rPr lang="en-US" altLang="zh-CN" sz="1200" kern="1200" dirty="0" smtClean="0">
+              <a:rPr lang="en-US" altLang="zh-CN" sz="1200" kern="1200" dirty="0">
                 <a:solidFill>
                   <a:schemeClr val="tx1"/>
                 </a:solidFill>
@@ -1793,7 +1788,7 @@
               <a:t>YAML </a:t>
             </a:r>
             <a:r>
-              <a:rPr lang="zh-CN" altLang="en-US" sz="1200" kern="1200" dirty="0" smtClean="0">
+              <a:rPr lang="zh-CN" altLang="en-US" sz="1200" kern="1200" dirty="0">
                 <a:solidFill>
                   <a:schemeClr val="tx1"/>
                 </a:solidFill>
@@ -1805,7 +1800,7 @@
               <a:t>文件会被生成在 </a:t>
             </a:r>
             <a:r>
-              <a:rPr lang="en-US" altLang="zh-CN" sz="1200" kern="1200" dirty="0" smtClean="0">
+              <a:rPr lang="en-US" altLang="zh-CN" sz="1200" kern="1200" dirty="0">
                 <a:solidFill>
                   <a:schemeClr val="tx1"/>
                 </a:solidFill>
@@ -1817,7 +1812,7 @@
               <a:t>/</a:t>
             </a:r>
             <a:r>
-              <a:rPr lang="en-US" altLang="zh-CN" sz="1200" kern="1200" dirty="0" err="1" smtClean="0">
+              <a:rPr lang="en-US" altLang="zh-CN" sz="1200" kern="1200" dirty="0" err="1">
                 <a:solidFill>
                   <a:schemeClr val="tx1"/>
                 </a:solidFill>
@@ -1829,7 +1824,7 @@
               <a:t>etc</a:t>
             </a:r>
             <a:r>
-              <a:rPr lang="en-US" altLang="zh-CN" sz="1200" kern="1200" dirty="0" smtClean="0">
+              <a:rPr lang="en-US" altLang="zh-CN" sz="1200" kern="1200" dirty="0">
                 <a:solidFill>
                   <a:schemeClr val="tx1"/>
                 </a:solidFill>
@@ -1841,7 +1836,7 @@
               <a:t>/</a:t>
             </a:r>
             <a:r>
-              <a:rPr lang="en-US" altLang="zh-CN" sz="1200" kern="1200" dirty="0" err="1" smtClean="0">
+              <a:rPr lang="en-US" altLang="zh-CN" sz="1200" kern="1200" dirty="0" err="1">
                 <a:solidFill>
                   <a:schemeClr val="tx1"/>
                 </a:solidFill>
@@ -1853,7 +1848,7 @@
               <a:t>kubernetes</a:t>
             </a:r>
             <a:r>
-              <a:rPr lang="en-US" altLang="zh-CN" sz="1200" kern="1200" dirty="0" smtClean="0">
+              <a:rPr lang="en-US" altLang="zh-CN" sz="1200" kern="1200" dirty="0">
                 <a:solidFill>
                   <a:schemeClr val="tx1"/>
                 </a:solidFill>
@@ -1865,7 +1860,7 @@
               <a:t>/manifests </a:t>
             </a:r>
             <a:r>
-              <a:rPr lang="zh-CN" altLang="en-US" sz="1200" kern="1200" dirty="0" smtClean="0">
+              <a:rPr lang="zh-CN" altLang="en-US" sz="1200" kern="1200" dirty="0">
                 <a:solidFill>
                   <a:schemeClr val="tx1"/>
                 </a:solidFill>
@@ -1877,7 +1872,7 @@
               <a:t>路径下。比如，</a:t>
             </a:r>
             <a:r>
-              <a:rPr lang="en-US" altLang="zh-CN" sz="1200" kern="1200" dirty="0" err="1" smtClean="0">
+              <a:rPr lang="en-US" altLang="zh-CN" sz="1200" kern="1200" dirty="0" err="1">
                 <a:solidFill>
                   <a:schemeClr val="tx1"/>
                 </a:solidFill>
@@ -1888,43 +1883,43 @@
               </a:rPr>
               <a:t>kube-apiserver.yaml</a:t>
             </a:r>
-            <a:endParaRPr lang="zh-CN" altLang="en-US" dirty="0" smtClean="0">
+            <a:endParaRPr lang="zh-CN" altLang="en-US" dirty="0">
               <a:effectLst/>
             </a:endParaRPr>
           </a:p>
           <a:p>
             <a:r>
-              <a:rPr lang="zh-CN" altLang="en-US" b="1" dirty="0" smtClean="0">
+              <a:rPr lang="zh-CN" altLang="en-US" b="1" dirty="0">
                 <a:effectLst/>
               </a:rPr>
               <a:t>然后，</a:t>
             </a:r>
             <a:r>
-              <a:rPr lang="en-US" altLang="zh-CN" b="1" dirty="0" err="1" smtClean="0">
+              <a:rPr lang="en-US" altLang="zh-CN" b="1" dirty="0" err="1">
                 <a:effectLst/>
               </a:rPr>
               <a:t>kubeadm</a:t>
             </a:r>
             <a:r>
-              <a:rPr lang="en-US" altLang="zh-CN" b="1" dirty="0" smtClean="0">
+              <a:rPr lang="en-US" altLang="zh-CN" b="1" dirty="0">
                 <a:effectLst/>
               </a:rPr>
               <a:t> </a:t>
             </a:r>
             <a:r>
-              <a:rPr lang="zh-CN" altLang="en-US" b="1" dirty="0" smtClean="0">
+              <a:rPr lang="zh-CN" altLang="en-US" b="1" dirty="0">
                 <a:effectLst/>
               </a:rPr>
               <a:t>就会为集群生成一个 </a:t>
             </a:r>
             <a:r>
-              <a:rPr lang="en-US" altLang="zh-CN" b="1" dirty="0" smtClean="0">
+              <a:rPr lang="en-US" altLang="zh-CN" b="1" dirty="0">
                 <a:effectLst/>
               </a:rPr>
               <a:t>bootstrap token</a:t>
             </a:r>
             <a:r>
-              <a:rPr lang="zh-CN" altLang="en-US" sz="1200" kern="1200" dirty="0" smtClean="0">
+              <a:rPr lang="zh-CN" altLang="en-US" sz="1200" kern="1200" dirty="0">
                 <a:solidFill>
                   <a:schemeClr val="tx1"/>
                 </a:solidFill>
@@ -1936,7 +1931,7 @@
               <a:t>。在后面，只要持有这个 </a:t>
             </a:r>
             <a:r>
-              <a:rPr lang="en-US" altLang="zh-CN" sz="1200" kern="1200" dirty="0" smtClean="0">
+              <a:rPr lang="en-US" altLang="zh-CN" sz="1200" kern="1200" dirty="0">
                 <a:solidFill>
                   <a:schemeClr val="tx1"/>
                 </a:solidFill>
@@ -1948,7 +1943,7 @@
               <a:t>token</a:t>
             </a:r>
             <a:r>
-              <a:rPr lang="zh-CN" altLang="en-US" sz="1200" kern="1200" dirty="0" smtClean="0">
+              <a:rPr lang="zh-CN" altLang="en-US" sz="1200" kern="1200" dirty="0">
                 <a:solidFill>
                   <a:schemeClr val="tx1"/>
                 </a:solidFill>
@@ -1960,7 +1955,7 @@
               <a:t>，任何一个安装了 </a:t>
             </a:r>
             <a:r>
-              <a:rPr lang="en-US" altLang="zh-CN" sz="1200" kern="1200" dirty="0" err="1" smtClean="0">
+              <a:rPr lang="en-US" altLang="zh-CN" sz="1200" kern="1200" dirty="0" err="1">
                 <a:solidFill>
                   <a:schemeClr val="tx1"/>
                 </a:solidFill>
@@ -1972,7 +1967,7 @@
               <a:t>kubelet</a:t>
             </a:r>
             <a:r>
-              <a:rPr lang="en-US" altLang="zh-CN" sz="1200" kern="1200" dirty="0" smtClean="0">
+              <a:rPr lang="en-US" altLang="zh-CN" sz="1200" kern="1200" dirty="0">
                 <a:solidFill>
                   <a:schemeClr val="tx1"/>
                 </a:solidFill>
@@ -1984,7 +1979,7 @@
               <a:t> </a:t>
             </a:r>
             <a:r>
-              <a:rPr lang="zh-CN" altLang="en-US" sz="1200" kern="1200" dirty="0" smtClean="0">
+              <a:rPr lang="zh-CN" altLang="en-US" sz="1200" kern="1200" dirty="0">
                 <a:solidFill>
                   <a:schemeClr val="tx1"/>
                 </a:solidFill>
@@ -1996,7 +1991,7 @@
               <a:t>和 </a:t>
             </a:r>
             <a:r>
-              <a:rPr lang="en-US" altLang="zh-CN" sz="1200" kern="1200" dirty="0" err="1" smtClean="0">
+              <a:rPr lang="en-US" altLang="zh-CN" sz="1200" kern="1200" dirty="0" err="1">
                 <a:solidFill>
                   <a:schemeClr val="tx1"/>
                 </a:solidFill>
@@ -2008,7 +2003,7 @@
               <a:t>kubadm</a:t>
             </a:r>
             <a:r>
-              <a:rPr lang="en-US" altLang="zh-CN" sz="1200" kern="1200" dirty="0" smtClean="0">
+              <a:rPr lang="en-US" altLang="zh-CN" sz="1200" kern="1200" dirty="0">
                 <a:solidFill>
                   <a:schemeClr val="tx1"/>
                 </a:solidFill>
@@ -2020,7 +2015,7 @@
               <a:t> </a:t>
             </a:r>
             <a:r>
-              <a:rPr lang="zh-CN" altLang="en-US" sz="1200" kern="1200" dirty="0" smtClean="0">
+              <a:rPr lang="zh-CN" altLang="en-US" sz="1200" kern="1200" dirty="0">
                 <a:solidFill>
                   <a:schemeClr val="tx1"/>
                 </a:solidFill>
@@ -2032,7 +2027,7 @@
               <a:t>的节点，都可以通过 </a:t>
             </a:r>
             <a:r>
-              <a:rPr lang="en-US" altLang="zh-CN" sz="1200" kern="1200" dirty="0" err="1" smtClean="0">
+              <a:rPr lang="en-US" altLang="zh-CN" sz="1200" kern="1200" dirty="0" err="1">
                 <a:solidFill>
                   <a:schemeClr val="tx1"/>
                 </a:solidFill>
@@ -2044,7 +2039,7 @@
               <a:t>kubeadm</a:t>
             </a:r>
             <a:r>
-              <a:rPr lang="en-US" altLang="zh-CN" sz="1200" kern="1200" dirty="0" smtClean="0">
+              <a:rPr lang="en-US" altLang="zh-CN" sz="1200" kern="1200" dirty="0">
                 <a:solidFill>
                   <a:schemeClr val="tx1"/>
                 </a:solidFill>
@@ -2056,7 +2051,7 @@
               <a:t> join </a:t>
             </a:r>
             <a:r>
-              <a:rPr lang="zh-CN" altLang="en-US" sz="1200" kern="1200" dirty="0" smtClean="0">
+              <a:rPr lang="zh-CN" altLang="en-US" sz="1200" kern="1200" dirty="0">
                 <a:solidFill>
                   <a:schemeClr val="tx1"/>
                 </a:solidFill>
@@ -2067,7 +2062,7 @@
               </a:rPr>
               <a:t>加入到这个集群当中</a:t>
             </a:r>
-            <a:endParaRPr lang="zh-CN" altLang="en-US" dirty="0" smtClean="0">
+            <a:endParaRPr lang="zh-CN" altLang="en-US" dirty="0">
               <a:effectLst/>
             </a:endParaRPr>
           </a:p>
@@ -2157,261 +2152,843 @@
           <a:lstStyle/>
           <a:p>
             <a:r>
-              <a:rPr kumimoji="1" lang="zh-CN" altLang="en-US" dirty="0" smtClean="0"/>
+              <a:rPr kumimoji="1" lang="zh-CN" altLang="en-US" dirty="0"/>
               <a:t>容器化：</a:t>
             </a:r>
             <a:r>
-              <a:rPr kumimoji="1" lang="en-US" altLang="zh-CN" dirty="0" err="1" smtClean="0"/>
+              <a:rPr kumimoji="1" lang="en-US" altLang="zh-CN" dirty="0" err="1"/>
               <a:t>docker</a:t>
             </a:r>
-            <a:endParaRPr kumimoji="1" lang="en-US" altLang="zh-CN" dirty="0" smtClean="0"/>
-          </a:p>
-          <a:p>
-            <a:r>
-              <a:rPr kumimoji="1" lang="en-US" altLang="zh-CN" dirty="0" smtClean="0"/>
+            <a:endParaRPr kumimoji="1" lang="en-US" altLang="zh-CN" dirty="0"/>
+          </a:p>
+          <a:p>
+            <a:r>
+              <a:rPr kumimoji="1" lang="en-US" altLang="zh-CN" dirty="0"/>
               <a:t>CI/CD</a:t>
             </a:r>
             <a:r>
-              <a:rPr kumimoji="1" lang="zh-CN" altLang="en-US" dirty="0" smtClean="0"/>
+              <a:rPr kumimoji="1" lang="zh-CN" altLang="en-US" dirty="0"/>
               <a:t>：</a:t>
             </a:r>
-            <a:endParaRPr kumimoji="1" lang="en-US" altLang="zh-CN" dirty="0" smtClean="0"/>
-          </a:p>
-          <a:p>
-            <a:r>
-              <a:rPr kumimoji="1" lang="zh-CN" altLang="en-US" dirty="0" smtClean="0"/>
+            <a:endParaRPr kumimoji="1" lang="en-US" altLang="zh-CN" dirty="0"/>
+          </a:p>
+          <a:p>
+            <a:r>
+              <a:rPr kumimoji="1" lang="zh-CN" altLang="en-US" dirty="0"/>
               <a:t>编排</a:t>
             </a:r>
             <a:r>
-              <a:rPr kumimoji="1" lang="en-US" altLang="zh-CN" smtClean="0"/>
+              <a:rPr kumimoji="1" lang="en-US" altLang="zh-CN" dirty="0"/>
               <a:t>&amp;</a:t>
             </a:r>
             <a:r>
-              <a:rPr kumimoji="1" lang="zh-CN" altLang="en-US" smtClean="0"/>
+              <a:rPr kumimoji="1" lang="zh-CN" altLang="en-US" dirty="0"/>
               <a:t>应用定义：</a:t>
             </a:r>
             <a:r>
-              <a:rPr kumimoji="1" lang="en-US" altLang="zh-CN" dirty="0" err="1" smtClean="0"/>
+              <a:rPr kumimoji="1" lang="en-US" altLang="zh-CN" dirty="0" err="1"/>
               <a:t>kubernetes</a:t>
             </a:r>
             <a:r>
-              <a:rPr kumimoji="1" lang="zh-CN" altLang="en-US" dirty="0" smtClean="0"/>
+              <a:rPr kumimoji="1" lang="zh-CN" altLang="en-US" dirty="0"/>
               <a:t>，</a:t>
             </a:r>
             <a:r>
-              <a:rPr kumimoji="1" lang="en-US" altLang="zh-CN" dirty="0" smtClean="0"/>
+              <a:rPr kumimoji="1" lang="en-US" altLang="zh-CN" dirty="0"/>
               <a:t>helm</a:t>
             </a:r>
           </a:p>
           <a:p>
             <a:r>
-              <a:rPr kumimoji="1" lang="zh-CN" altLang="en-US" dirty="0" smtClean="0"/>
+              <a:rPr kumimoji="1" lang="zh-CN" altLang="en-US" dirty="0"/>
               <a:t>监控：</a:t>
             </a:r>
             <a:r>
-              <a:rPr kumimoji="1" lang="en-US" altLang="zh-CN" dirty="0" err="1" smtClean="0"/>
+              <a:rPr kumimoji="1" lang="en-US" altLang="zh-CN" dirty="0" err="1"/>
               <a:t>prometheus</a:t>
             </a:r>
             <a:r>
-              <a:rPr kumimoji="1" lang="zh-CN" altLang="en-US" dirty="0" smtClean="0"/>
+              <a:rPr kumimoji="1" lang="zh-CN" altLang="en-US" dirty="0"/>
               <a:t>，</a:t>
             </a:r>
             <a:r>
-              <a:rPr kumimoji="1" lang="en-US" altLang="zh-CN" dirty="0" err="1" smtClean="0"/>
+              <a:rPr kumimoji="1" lang="en-US" altLang="zh-CN" dirty="0" err="1"/>
               <a:t>fluntd</a:t>
             </a:r>
             <a:r>
-              <a:rPr kumimoji="1" lang="zh-CN" altLang="en-US" dirty="0" smtClean="0"/>
+              <a:rPr kumimoji="1" lang="zh-CN" altLang="en-US" dirty="0"/>
               <a:t>，</a:t>
             </a:r>
             <a:r>
-              <a:rPr kumimoji="1" lang="en-US" altLang="zh-CN" dirty="0" err="1" smtClean="0"/>
+              <a:rPr kumimoji="1" lang="en-US" altLang="zh-CN" dirty="0" err="1"/>
               <a:t>opentracing</a:t>
             </a:r>
             <a:r>
-              <a:rPr kumimoji="1" lang="zh-CN" altLang="en-US" dirty="0" smtClean="0"/>
+              <a:rPr kumimoji="1" lang="zh-CN" altLang="en-US" dirty="0"/>
               <a:t>，</a:t>
             </a:r>
             <a:r>
-              <a:rPr kumimoji="1" lang="en-US" altLang="zh-CN" dirty="0" smtClean="0"/>
+              <a:rPr kumimoji="1" lang="en-US" altLang="zh-CN" dirty="0"/>
               <a:t>jaeger</a:t>
             </a:r>
           </a:p>
           <a:p>
             <a:r>
-              <a:rPr kumimoji="1" lang="zh-CN" altLang="en-US" dirty="0" smtClean="0"/>
+              <a:rPr kumimoji="1" lang="zh-CN" altLang="en-US" dirty="0"/>
               <a:t>服务代理</a:t>
             </a:r>
             <a:r>
-              <a:rPr kumimoji="1" lang="en-US" altLang="zh-CN" dirty="0" smtClean="0"/>
+              <a:rPr kumimoji="1" lang="en-US" altLang="zh-CN" dirty="0"/>
               <a:t>&amp;</a:t>
             </a:r>
             <a:r>
-              <a:rPr kumimoji="1" lang="zh-CN" altLang="en-US" dirty="0" smtClean="0"/>
+              <a:rPr kumimoji="1" lang="zh-CN" altLang="en-US" dirty="0"/>
               <a:t>发现</a:t>
             </a:r>
             <a:r>
-              <a:rPr kumimoji="1" lang="en-US" altLang="zh-CN" dirty="0" smtClean="0"/>
+              <a:rPr kumimoji="1" lang="en-US" altLang="zh-CN" dirty="0"/>
               <a:t>&amp;</a:t>
             </a:r>
             <a:r>
-              <a:rPr kumimoji="1" lang="zh-CN" altLang="en-US" dirty="0" smtClean="0"/>
+              <a:rPr kumimoji="1" lang="zh-CN" altLang="en-US" dirty="0"/>
               <a:t>网格：</a:t>
             </a:r>
             <a:r>
-              <a:rPr kumimoji="1" lang="en-US" altLang="zh-CN" dirty="0" err="1" smtClean="0"/>
+              <a:rPr kumimoji="1" lang="en-US" altLang="zh-CN" dirty="0" err="1"/>
               <a:t>enovy</a:t>
             </a:r>
             <a:r>
-              <a:rPr kumimoji="1" lang="zh-CN" altLang="en-US" dirty="0" smtClean="0"/>
+              <a:rPr kumimoji="1" lang="zh-CN" altLang="en-US" dirty="0"/>
               <a:t>，</a:t>
             </a:r>
             <a:r>
-              <a:rPr kumimoji="1" lang="en-US" altLang="zh-CN" dirty="0" err="1" smtClean="0"/>
+              <a:rPr kumimoji="1" lang="en-US" altLang="zh-CN" dirty="0" err="1"/>
               <a:t>coredns</a:t>
             </a:r>
             <a:r>
-              <a:rPr kumimoji="1" lang="zh-CN" altLang="en-US" dirty="0" smtClean="0"/>
+              <a:rPr kumimoji="1" lang="zh-CN" altLang="en-US" dirty="0"/>
               <a:t>，</a:t>
             </a:r>
             <a:r>
-              <a:rPr kumimoji="1" lang="en-US" altLang="zh-CN" dirty="0" err="1" smtClean="0"/>
+              <a:rPr kumimoji="1" lang="en-US" altLang="zh-CN" dirty="0" err="1"/>
               <a:t>linkerd</a:t>
             </a:r>
-            <a:endParaRPr kumimoji="1" lang="en-US" altLang="zh-CN" dirty="0" smtClean="0"/>
-          </a:p>
-          <a:p>
-            <a:r>
-              <a:rPr kumimoji="1" lang="zh-CN" altLang="en-US" dirty="0" smtClean="0"/>
+            <a:endParaRPr kumimoji="1" lang="en-US" altLang="zh-CN" dirty="0"/>
+          </a:p>
+          <a:p>
+            <a:r>
+              <a:rPr kumimoji="1" lang="zh-CN" altLang="en-US" dirty="0"/>
               <a:t>网络：</a:t>
             </a:r>
             <a:r>
-              <a:rPr kumimoji="1" lang="en-US" altLang="zh-CN" dirty="0" smtClean="0"/>
+              <a:rPr kumimoji="1" lang="en-US" altLang="zh-CN" dirty="0"/>
               <a:t>CNI</a:t>
             </a:r>
             <a:r>
-              <a:rPr kumimoji="1" lang="zh-CN" altLang="en-US" dirty="0" smtClean="0"/>
+              <a:rPr kumimoji="1" lang="zh-CN" altLang="en-US" dirty="0"/>
               <a:t>，</a:t>
             </a:r>
             <a:r>
-              <a:rPr kumimoji="1" lang="en-US" altLang="zh-CN" dirty="0" err="1" smtClean="0"/>
+              <a:rPr kumimoji="1" lang="en-US" altLang="zh-CN" dirty="0" err="1"/>
               <a:t>OpenPolicyAgent</a:t>
             </a:r>
-            <a:endParaRPr kumimoji="1" lang="en-US" altLang="zh-CN" dirty="0" smtClean="0"/>
-          </a:p>
-          <a:p>
-            <a:r>
-              <a:rPr kumimoji="1" lang="zh-CN" altLang="en-US" dirty="0" smtClean="0"/>
+            <a:endParaRPr kumimoji="1" lang="en-US" altLang="zh-CN" dirty="0"/>
+          </a:p>
+          <a:p>
+            <a:r>
+              <a:rPr kumimoji="1" lang="zh-CN" altLang="en-US" dirty="0"/>
               <a:t>分布式存储：</a:t>
             </a:r>
             <a:r>
-              <a:rPr kumimoji="1" lang="en-US" altLang="zh-CN" dirty="0" err="1" smtClean="0"/>
+              <a:rPr kumimoji="1" lang="en-US" altLang="zh-CN" dirty="0" err="1"/>
               <a:t>vitess</a:t>
             </a:r>
             <a:r>
-              <a:rPr kumimoji="1" lang="zh-CN" altLang="en-US" dirty="0" smtClean="0"/>
+              <a:rPr kumimoji="1" lang="zh-CN" altLang="en-US" dirty="0"/>
               <a:t>，</a:t>
             </a:r>
             <a:r>
-              <a:rPr kumimoji="1" lang="en-US" altLang="zh-CN" dirty="0" smtClean="0"/>
+              <a:rPr kumimoji="1" lang="en-US" altLang="zh-CN" dirty="0"/>
               <a:t>rook</a:t>
             </a:r>
             <a:r>
-              <a:rPr kumimoji="1" lang="zh-CN" altLang="en-US" dirty="0" smtClean="0"/>
+              <a:rPr kumimoji="1" lang="zh-CN" altLang="en-US" dirty="0"/>
               <a:t>，</a:t>
             </a:r>
             <a:r>
-              <a:rPr kumimoji="1" lang="en-US" altLang="zh-CN" dirty="0" err="1" smtClean="0"/>
+              <a:rPr kumimoji="1" lang="en-US" altLang="zh-CN" dirty="0" err="1"/>
               <a:t>etcd</a:t>
             </a:r>
             <a:r>
-              <a:rPr kumimoji="1" lang="zh-CN" altLang="en-US" dirty="0" smtClean="0"/>
+              <a:rPr kumimoji="1" lang="zh-CN" altLang="en-US" dirty="0"/>
               <a:t>，</a:t>
             </a:r>
             <a:r>
-              <a:rPr kumimoji="1" lang="en-US" altLang="zh-CN" dirty="0" err="1" smtClean="0"/>
+              <a:rPr kumimoji="1" lang="en-US" altLang="zh-CN" dirty="0" err="1"/>
               <a:t>tikv</a:t>
             </a:r>
-            <a:endParaRPr kumimoji="1" lang="en-US" altLang="zh-CN" dirty="0" smtClean="0"/>
-          </a:p>
-          <a:p>
-            <a:r>
-              <a:rPr kumimoji="1" lang="zh-CN" altLang="en-US" dirty="0" smtClean="0"/>
+            <a:endParaRPr kumimoji="1" lang="en-US" altLang="zh-CN" dirty="0"/>
+          </a:p>
+          <a:p>
+            <a:r>
+              <a:rPr kumimoji="1" lang="zh-CN" altLang="en-US" dirty="0"/>
               <a:t>通信：</a:t>
             </a:r>
             <a:r>
-              <a:rPr kumimoji="1" lang="en-US" altLang="zh-CN" dirty="0" err="1" smtClean="0"/>
+              <a:rPr kumimoji="1" lang="en-US" altLang="zh-CN" dirty="0" err="1"/>
               <a:t>Grpc</a:t>
             </a:r>
             <a:r>
-              <a:rPr kumimoji="1" lang="zh-CN" altLang="en-US" dirty="0" smtClean="0"/>
+              <a:rPr kumimoji="1" lang="zh-CN" altLang="en-US" dirty="0"/>
               <a:t>，</a:t>
             </a:r>
             <a:r>
-              <a:rPr kumimoji="1" lang="en-US" altLang="zh-CN" dirty="0" err="1" smtClean="0"/>
+              <a:rPr kumimoji="1" lang="en-US" altLang="zh-CN" dirty="0" err="1"/>
               <a:t>nats</a:t>
             </a:r>
-            <a:endParaRPr kumimoji="1" lang="en-US" altLang="zh-CN" dirty="0" smtClean="0"/>
-          </a:p>
-          <a:p>
-            <a:r>
-              <a:rPr kumimoji="1" lang="zh-CN" altLang="en-US" dirty="0" smtClean="0"/>
+            <a:endParaRPr kumimoji="1" lang="en-US" altLang="zh-CN" dirty="0"/>
+          </a:p>
+          <a:p>
+            <a:r>
+              <a:rPr kumimoji="1" lang="zh-CN" altLang="en-US" dirty="0"/>
               <a:t>容器注册</a:t>
             </a:r>
             <a:r>
-              <a:rPr kumimoji="1" lang="en-US" altLang="zh-CN" dirty="0" smtClean="0"/>
+              <a:rPr kumimoji="1" lang="en-US" altLang="zh-CN" dirty="0"/>
               <a:t>&amp;</a:t>
             </a:r>
             <a:r>
-              <a:rPr kumimoji="1" lang="zh-CN" altLang="en-US" dirty="0" smtClean="0"/>
+              <a:rPr kumimoji="1" lang="zh-CN" altLang="en-US" dirty="0"/>
               <a:t>运行时：</a:t>
             </a:r>
             <a:r>
-              <a:rPr kumimoji="1" lang="en-US" altLang="zh-CN" dirty="0" err="1" smtClean="0"/>
+              <a:rPr kumimoji="1" lang="en-US" altLang="zh-CN" dirty="0" err="1"/>
               <a:t>containerd</a:t>
             </a:r>
             <a:r>
-              <a:rPr kumimoji="1" lang="zh-CN" altLang="en-US" dirty="0" smtClean="0"/>
+              <a:rPr kumimoji="1" lang="zh-CN" altLang="en-US" dirty="0"/>
               <a:t>，</a:t>
             </a:r>
             <a:r>
-              <a:rPr kumimoji="1" lang="en-US" altLang="zh-CN" dirty="0" smtClean="0"/>
+              <a:rPr kumimoji="1" lang="en-US" altLang="zh-CN" dirty="0"/>
               <a:t>harbor</a:t>
             </a:r>
             <a:r>
-              <a:rPr kumimoji="1" lang="zh-CN" altLang="en-US" dirty="0" smtClean="0"/>
+              <a:rPr kumimoji="1" lang="zh-CN" altLang="en-US" dirty="0"/>
               <a:t>，</a:t>
             </a:r>
             <a:r>
-              <a:rPr kumimoji="1" lang="en-US" altLang="zh-CN" dirty="0" err="1" smtClean="0"/>
+              <a:rPr kumimoji="1" lang="en-US" altLang="zh-CN" dirty="0" err="1"/>
               <a:t>rkt</a:t>
             </a:r>
             <a:r>
-              <a:rPr kumimoji="1" lang="zh-CN" altLang="en-US" dirty="0" smtClean="0"/>
+              <a:rPr kumimoji="1" lang="zh-CN" altLang="en-US" dirty="0"/>
               <a:t>，</a:t>
             </a:r>
             <a:r>
-              <a:rPr kumimoji="1" lang="en-US" altLang="zh-CN" dirty="0" smtClean="0"/>
+              <a:rPr kumimoji="1" lang="en-US" altLang="zh-CN" dirty="0"/>
               <a:t>cri-o</a:t>
             </a:r>
           </a:p>
           <a:p>
             <a:r>
-              <a:rPr kumimoji="1" lang="zh-CN" altLang="en-US" dirty="0" smtClean="0"/>
+              <a:rPr kumimoji="1" lang="zh-CN" altLang="en-US" dirty="0"/>
               <a:t>软件分发：</a:t>
             </a:r>
             <a:r>
-              <a:rPr kumimoji="1" lang="en-US" altLang="zh-CN" dirty="0" err="1" smtClean="0"/>
+              <a:rPr kumimoji="1" lang="en-US" altLang="zh-CN" dirty="0" err="1"/>
               <a:t>natary</a:t>
             </a:r>
             <a:r>
-              <a:rPr kumimoji="1" lang="zh-CN" altLang="en-US" dirty="0" smtClean="0"/>
+              <a:rPr kumimoji="1" lang="zh-CN" altLang="en-US" dirty="0"/>
               <a:t>，</a:t>
             </a:r>
             <a:r>
-              <a:rPr kumimoji="1" lang="en-US" altLang="zh-CN" dirty="0" err="1" smtClean="0"/>
+              <a:rPr kumimoji="1" lang="en-US" altLang="zh-CN" dirty="0" err="1"/>
               <a:t>tuf</a:t>
             </a:r>
+            <a:endParaRPr kumimoji="1" lang="en-US" altLang="zh-CN" dirty="0"/>
+          </a:p>
+          <a:p>
+            <a:endParaRPr kumimoji="1" lang="en-US" altLang="zh-CN" dirty="0"/>
+          </a:p>
+          <a:p>
+            <a:r>
+              <a:rPr lang="en" altLang="zh-CN" sz="1200" b="0" i="0" kern="1200" dirty="0">
+                <a:solidFill>
+                  <a:schemeClr val="tx1"/>
+                </a:solidFill>
+                <a:effectLst/>
+                <a:latin typeface="+mn-lt"/>
+                <a:ea typeface="+mn-ea"/>
+                <a:cs typeface="+mn-cs"/>
+                <a:hlinkClick r:id="rId3"/>
+              </a:rPr>
+              <a:t>Helm</a:t>
+            </a:r>
+            <a:r>
+              <a:rPr lang="zh-CN" altLang="en-US" sz="1200" b="0" i="0" kern="1200" dirty="0">
+                <a:solidFill>
+                  <a:schemeClr val="tx1"/>
+                </a:solidFill>
+                <a:effectLst/>
+                <a:latin typeface="+mn-lt"/>
+                <a:ea typeface="+mn-ea"/>
+                <a:cs typeface="+mn-cs"/>
+              </a:rPr>
+              <a:t>是</a:t>
+            </a:r>
+            <a:r>
+              <a:rPr lang="en" altLang="zh-CN" sz="1200" b="0" i="0" kern="1200" dirty="0">
+                <a:solidFill>
+                  <a:schemeClr val="tx1"/>
+                </a:solidFill>
+                <a:effectLst/>
+                <a:latin typeface="+mn-lt"/>
+                <a:ea typeface="+mn-ea"/>
+                <a:cs typeface="+mn-cs"/>
+              </a:rPr>
+              <a:t>Kubernetes</a:t>
+            </a:r>
+            <a:r>
+              <a:rPr lang="zh-CN" altLang="en-US" sz="1200" b="0" i="0" kern="1200" dirty="0">
+                <a:solidFill>
+                  <a:schemeClr val="tx1"/>
+                </a:solidFill>
+                <a:effectLst/>
+                <a:latin typeface="+mn-lt"/>
+                <a:ea typeface="+mn-ea"/>
+                <a:cs typeface="+mn-cs"/>
+              </a:rPr>
+              <a:t>的一个包管理工具，用来简化</a:t>
+            </a:r>
+            <a:r>
+              <a:rPr lang="en" altLang="zh-CN" sz="1200" b="0" i="0" kern="1200" dirty="0">
+                <a:solidFill>
+                  <a:schemeClr val="tx1"/>
+                </a:solidFill>
+                <a:effectLst/>
+                <a:latin typeface="+mn-lt"/>
+                <a:ea typeface="+mn-ea"/>
+                <a:cs typeface="+mn-cs"/>
+              </a:rPr>
+              <a:t>Kubernetes</a:t>
+            </a:r>
+            <a:r>
+              <a:rPr lang="zh-CN" altLang="en-US" sz="1200" b="0" i="0" kern="1200" dirty="0">
+                <a:solidFill>
+                  <a:schemeClr val="tx1"/>
+                </a:solidFill>
+                <a:effectLst/>
+                <a:latin typeface="+mn-lt"/>
+                <a:ea typeface="+mn-ea"/>
+                <a:cs typeface="+mn-cs"/>
+              </a:rPr>
+              <a:t>应用的部署和管理。可以把</a:t>
+            </a:r>
+            <a:r>
+              <a:rPr lang="en" altLang="zh-CN" sz="1200" b="0" i="0" kern="1200" dirty="0">
+                <a:solidFill>
+                  <a:schemeClr val="tx1"/>
+                </a:solidFill>
+                <a:effectLst/>
+                <a:latin typeface="+mn-lt"/>
+                <a:ea typeface="+mn-ea"/>
+                <a:cs typeface="+mn-cs"/>
+              </a:rPr>
+              <a:t>Helm</a:t>
+            </a:r>
+            <a:r>
+              <a:rPr lang="zh-CN" altLang="en-US" sz="1200" b="0" i="0" kern="1200" dirty="0">
+                <a:solidFill>
+                  <a:schemeClr val="tx1"/>
+                </a:solidFill>
+                <a:effectLst/>
+                <a:latin typeface="+mn-lt"/>
+                <a:ea typeface="+mn-ea"/>
+                <a:cs typeface="+mn-cs"/>
+              </a:rPr>
+              <a:t>比作</a:t>
+            </a:r>
+            <a:r>
+              <a:rPr lang="en" altLang="zh-CN" sz="1200" b="0" i="0" kern="1200" dirty="0">
+                <a:solidFill>
+                  <a:schemeClr val="tx1"/>
+                </a:solidFill>
+                <a:effectLst/>
+                <a:latin typeface="+mn-lt"/>
+                <a:ea typeface="+mn-ea"/>
+                <a:cs typeface="+mn-cs"/>
+              </a:rPr>
+              <a:t>CentOS</a:t>
+            </a:r>
+            <a:r>
+              <a:rPr lang="zh-CN" altLang="en-US" sz="1200" b="0" i="0" kern="1200" dirty="0">
+                <a:solidFill>
+                  <a:schemeClr val="tx1"/>
+                </a:solidFill>
+                <a:effectLst/>
+                <a:latin typeface="+mn-lt"/>
+                <a:ea typeface="+mn-ea"/>
+                <a:cs typeface="+mn-cs"/>
+              </a:rPr>
+              <a:t>的</a:t>
+            </a:r>
+            <a:r>
+              <a:rPr lang="en" altLang="zh-CN" sz="1200" b="0" i="0" kern="1200" dirty="0">
+                <a:solidFill>
+                  <a:schemeClr val="tx1"/>
+                </a:solidFill>
+                <a:effectLst/>
+                <a:latin typeface="+mn-lt"/>
+                <a:ea typeface="+mn-ea"/>
+                <a:cs typeface="+mn-cs"/>
+              </a:rPr>
+              <a:t>yum</a:t>
+            </a:r>
+            <a:r>
+              <a:rPr lang="zh-CN" altLang="en-US" sz="1200" b="0" i="0" kern="1200" dirty="0">
+                <a:solidFill>
+                  <a:schemeClr val="tx1"/>
+                </a:solidFill>
+                <a:effectLst/>
+                <a:latin typeface="+mn-lt"/>
+                <a:ea typeface="+mn-ea"/>
+                <a:cs typeface="+mn-cs"/>
+              </a:rPr>
+              <a:t>工具。</a:t>
+            </a:r>
+            <a:endParaRPr lang="en-US" altLang="zh-CN" sz="1200" b="0" i="0" kern="1200" dirty="0">
+              <a:solidFill>
+                <a:schemeClr val="tx1"/>
+              </a:solidFill>
+              <a:effectLst/>
+              <a:latin typeface="+mn-lt"/>
+              <a:ea typeface="+mn-ea"/>
+              <a:cs typeface="+mn-cs"/>
+            </a:endParaRPr>
+          </a:p>
+          <a:p>
+            <a:endParaRPr lang="en-US" altLang="zh-CN" sz="1200" b="0" i="0" kern="1200" dirty="0">
+              <a:solidFill>
+                <a:schemeClr val="tx1"/>
+              </a:solidFill>
+              <a:effectLst/>
+              <a:latin typeface="+mn-lt"/>
+              <a:ea typeface="+mn-ea"/>
+              <a:cs typeface="+mn-cs"/>
+            </a:endParaRPr>
+          </a:p>
+          <a:p>
+            <a:pPr marL="0" marR="0" lvl="0" indent="0" algn="l" defTabSz="914400" rtl="0" eaLnBrk="1" fontAlgn="auto" latinLnBrk="0" hangingPunct="1">
+              <a:lnSpc>
+                <a:spcPct val="100000"/>
+              </a:lnSpc>
+              <a:spcBef>
+                <a:spcPts val="0"/>
+              </a:spcBef>
+              <a:spcAft>
+                <a:spcPts val="0"/>
+              </a:spcAft>
+              <a:buClrTx/>
+              <a:buSzTx/>
+              <a:buFontTx/>
+              <a:buNone/>
+              <a:tabLst/>
+              <a:defRPr/>
+            </a:pPr>
+            <a:r>
+              <a:rPr lang="en" altLang="zh-CN" sz="1200" b="1" i="0" kern="1200" dirty="0" err="1">
+                <a:solidFill>
+                  <a:schemeClr val="tx1"/>
+                </a:solidFill>
+                <a:effectLst/>
+                <a:latin typeface="+mn-lt"/>
+                <a:ea typeface="+mn-ea"/>
+                <a:cs typeface="+mn-cs"/>
+              </a:rPr>
+              <a:t>Prometheus:</a:t>
+            </a:r>
+            <a:r>
+              <a:rPr lang="en" altLang="zh-CN" sz="1200" b="0" i="0" kern="1200" dirty="0" err="1">
+                <a:solidFill>
+                  <a:schemeClr val="tx1"/>
+                </a:solidFill>
+                <a:effectLst/>
+                <a:latin typeface="+mn-lt"/>
+                <a:ea typeface="+mn-ea"/>
+                <a:cs typeface="+mn-cs"/>
+              </a:rPr>
+              <a:t>Prometheus</a:t>
+            </a:r>
+            <a:r>
+              <a:rPr lang="zh-CN" altLang="en-US" sz="1200" b="0" i="0" kern="1200" dirty="0">
+                <a:solidFill>
+                  <a:schemeClr val="tx1"/>
+                </a:solidFill>
+                <a:effectLst/>
+                <a:latin typeface="+mn-lt"/>
+                <a:ea typeface="+mn-ea"/>
+                <a:cs typeface="+mn-cs"/>
+              </a:rPr>
+              <a:t>是由</a:t>
+            </a:r>
+            <a:r>
+              <a:rPr lang="en" altLang="zh-CN" sz="1200" b="0" i="0" kern="1200" dirty="0">
+                <a:solidFill>
+                  <a:schemeClr val="tx1"/>
+                </a:solidFill>
+                <a:effectLst/>
+                <a:latin typeface="+mn-lt"/>
+                <a:ea typeface="+mn-ea"/>
+                <a:cs typeface="+mn-cs"/>
+              </a:rPr>
+              <a:t>SoundCloud</a:t>
+            </a:r>
+            <a:r>
+              <a:rPr lang="zh-CN" altLang="en-US" sz="1200" b="0" i="0" kern="1200" dirty="0">
+                <a:solidFill>
+                  <a:schemeClr val="tx1"/>
+                </a:solidFill>
+                <a:effectLst/>
+                <a:latin typeface="+mn-lt"/>
+                <a:ea typeface="+mn-ea"/>
+                <a:cs typeface="+mn-cs"/>
+              </a:rPr>
+              <a:t>开发的开源监控报警系统和时序列数据库</a:t>
+            </a:r>
+            <a:r>
+              <a:rPr lang="en-US" altLang="zh-CN" sz="1200" b="0" i="0" kern="1200" dirty="0">
+                <a:solidFill>
+                  <a:schemeClr val="tx1"/>
+                </a:solidFill>
+                <a:effectLst/>
+                <a:latin typeface="+mn-lt"/>
+                <a:ea typeface="+mn-ea"/>
+                <a:cs typeface="+mn-cs"/>
+              </a:rPr>
+              <a:t>(</a:t>
+            </a:r>
+            <a:r>
+              <a:rPr lang="en" altLang="zh-CN" sz="1200" b="0" i="0" kern="1200" dirty="0">
+                <a:solidFill>
+                  <a:schemeClr val="tx1"/>
+                </a:solidFill>
+                <a:effectLst/>
+                <a:latin typeface="+mn-lt"/>
+                <a:ea typeface="+mn-ea"/>
+                <a:cs typeface="+mn-cs"/>
+              </a:rPr>
+              <a:t>TSDB)</a:t>
+            </a:r>
+            <a:r>
+              <a:rPr lang="zh-CN" altLang="en" sz="1200" b="0" i="0" kern="1200" dirty="0">
+                <a:solidFill>
+                  <a:schemeClr val="tx1"/>
+                </a:solidFill>
+                <a:effectLst/>
+                <a:latin typeface="+mn-lt"/>
+                <a:ea typeface="+mn-ea"/>
+                <a:cs typeface="+mn-cs"/>
+              </a:rPr>
+              <a:t>。</a:t>
+            </a:r>
+            <a:r>
+              <a:rPr lang="en" altLang="zh-CN" sz="1200" b="0" i="0" kern="1200" dirty="0">
+                <a:solidFill>
+                  <a:schemeClr val="tx1"/>
+                </a:solidFill>
+                <a:effectLst/>
+                <a:latin typeface="+mn-lt"/>
+                <a:ea typeface="+mn-ea"/>
+                <a:cs typeface="+mn-cs"/>
+              </a:rPr>
+              <a:t>Prometheus</a:t>
+            </a:r>
+            <a:r>
+              <a:rPr lang="zh-CN" altLang="en-US" sz="1200" b="0" i="0" kern="1200" dirty="0">
+                <a:solidFill>
+                  <a:schemeClr val="tx1"/>
+                </a:solidFill>
+                <a:effectLst/>
+                <a:latin typeface="+mn-lt"/>
+                <a:ea typeface="+mn-ea"/>
+                <a:cs typeface="+mn-cs"/>
+              </a:rPr>
+              <a:t>使用</a:t>
+            </a:r>
+            <a:r>
+              <a:rPr lang="en" altLang="zh-CN" sz="1200" b="0" i="0" kern="1200" dirty="0">
+                <a:solidFill>
+                  <a:schemeClr val="tx1"/>
+                </a:solidFill>
+                <a:effectLst/>
+                <a:latin typeface="+mn-lt"/>
+                <a:ea typeface="+mn-ea"/>
+                <a:cs typeface="+mn-cs"/>
+              </a:rPr>
+              <a:t>Go</a:t>
+            </a:r>
+            <a:r>
+              <a:rPr lang="zh-CN" altLang="en-US" sz="1200" b="0" i="0" kern="1200" dirty="0">
+                <a:solidFill>
+                  <a:schemeClr val="tx1"/>
+                </a:solidFill>
+                <a:effectLst/>
+                <a:latin typeface="+mn-lt"/>
+                <a:ea typeface="+mn-ea"/>
+                <a:cs typeface="+mn-cs"/>
+              </a:rPr>
+              <a:t>语言开发，是</a:t>
+            </a:r>
+            <a:r>
+              <a:rPr lang="en" altLang="zh-CN" sz="1200" b="0" i="0" kern="1200" dirty="0">
+                <a:solidFill>
+                  <a:schemeClr val="tx1"/>
+                </a:solidFill>
+                <a:effectLst/>
+                <a:latin typeface="+mn-lt"/>
+                <a:ea typeface="+mn-ea"/>
+                <a:cs typeface="+mn-cs"/>
+              </a:rPr>
+              <a:t>Google </a:t>
+            </a:r>
+            <a:r>
+              <a:rPr lang="en" altLang="zh-CN" sz="1200" b="0" i="0" kern="1200" dirty="0" err="1">
+                <a:solidFill>
+                  <a:schemeClr val="tx1"/>
+                </a:solidFill>
+                <a:effectLst/>
+                <a:latin typeface="+mn-lt"/>
+                <a:ea typeface="+mn-ea"/>
+                <a:cs typeface="+mn-cs"/>
+              </a:rPr>
+              <a:t>BorgMon</a:t>
+            </a:r>
+            <a:r>
+              <a:rPr lang="zh-CN" altLang="en-US" sz="1200" b="0" i="0" kern="1200" dirty="0">
+                <a:solidFill>
+                  <a:schemeClr val="tx1"/>
+                </a:solidFill>
+                <a:effectLst/>
+                <a:latin typeface="+mn-lt"/>
+                <a:ea typeface="+mn-ea"/>
+                <a:cs typeface="+mn-cs"/>
+              </a:rPr>
+              <a:t>监控系统的开源版本。</a:t>
+            </a:r>
+            <a:endParaRPr lang="en-US" altLang="zh-CN" sz="1200" b="0" i="0" kern="1200" dirty="0">
+              <a:solidFill>
+                <a:schemeClr val="tx1"/>
+              </a:solidFill>
+              <a:effectLst/>
+              <a:latin typeface="+mn-lt"/>
+              <a:ea typeface="+mn-ea"/>
+              <a:cs typeface="+mn-cs"/>
+            </a:endParaRPr>
+          </a:p>
+          <a:p>
+            <a:pPr marL="0" marR="0" lvl="0" indent="0" algn="l" defTabSz="914400" rtl="0" eaLnBrk="1" fontAlgn="auto" latinLnBrk="0" hangingPunct="1">
+              <a:lnSpc>
+                <a:spcPct val="100000"/>
+              </a:lnSpc>
+              <a:spcBef>
+                <a:spcPts val="0"/>
+              </a:spcBef>
+              <a:spcAft>
+                <a:spcPts val="0"/>
+              </a:spcAft>
+              <a:buClrTx/>
+              <a:buSzTx/>
+              <a:buFontTx/>
+              <a:buNone/>
+              <a:tabLst/>
+              <a:defRPr/>
+            </a:pPr>
+            <a:r>
+              <a:rPr lang="en" altLang="zh-CN" sz="1200" b="1" i="0" kern="1200" dirty="0">
+                <a:solidFill>
+                  <a:schemeClr val="tx1"/>
+                </a:solidFill>
+                <a:effectLst/>
+                <a:latin typeface="+mn-lt"/>
+                <a:ea typeface="+mn-ea"/>
+                <a:cs typeface="+mn-cs"/>
+              </a:rPr>
+              <a:t> </a:t>
+            </a:r>
+            <a:r>
+              <a:rPr lang="en" altLang="zh-CN" dirty="0">
+                <a:hlinkClick r:id="rId4"/>
+              </a:rPr>
+              <a:t>https://www.cnblogs.com/chenqionghe/p/10494868.html</a:t>
+            </a:r>
+            <a:endParaRPr lang="en" altLang="zh-CN" dirty="0"/>
+          </a:p>
+          <a:p>
+            <a:pPr marL="0" marR="0" lvl="0" indent="0" algn="l" defTabSz="914400" rtl="0" eaLnBrk="1" fontAlgn="auto" latinLnBrk="0" hangingPunct="1">
+              <a:lnSpc>
+                <a:spcPct val="100000"/>
+              </a:lnSpc>
+              <a:spcBef>
+                <a:spcPts val="0"/>
+              </a:spcBef>
+              <a:spcAft>
+                <a:spcPts val="0"/>
+              </a:spcAft>
+              <a:buClrTx/>
+              <a:buSzTx/>
+              <a:buFontTx/>
+              <a:buNone/>
+              <a:tabLst/>
+              <a:defRPr/>
+            </a:pPr>
+            <a:endParaRPr kumimoji="1" lang="en" altLang="zh-CN" dirty="0"/>
+          </a:p>
+          <a:p>
+            <a:pPr marL="0" marR="0" lvl="0" indent="0" algn="l" defTabSz="914400" rtl="0" eaLnBrk="1" fontAlgn="auto" latinLnBrk="0" hangingPunct="1">
+              <a:lnSpc>
+                <a:spcPct val="100000"/>
+              </a:lnSpc>
+              <a:spcBef>
+                <a:spcPts val="0"/>
+              </a:spcBef>
+              <a:spcAft>
+                <a:spcPts val="0"/>
+              </a:spcAft>
+              <a:buClrTx/>
+              <a:buSzTx/>
+              <a:buFontTx/>
+              <a:buNone/>
+              <a:tabLst/>
+              <a:defRPr/>
+            </a:pPr>
+            <a:r>
+              <a:rPr kumimoji="1" lang="en" altLang="zh-CN" dirty="0" err="1"/>
+              <a:t>Fluntd</a:t>
+            </a:r>
+            <a:r>
+              <a:rPr kumimoji="1" lang="en" altLang="zh-CN" dirty="0"/>
+              <a:t>: </a:t>
+            </a:r>
+            <a:r>
+              <a:rPr lang="en" altLang="zh-CN" sz="1200" b="0" i="0" kern="1200" dirty="0" err="1">
+                <a:solidFill>
+                  <a:schemeClr val="tx1"/>
+                </a:solidFill>
+                <a:effectLst/>
+                <a:latin typeface="+mn-lt"/>
+                <a:ea typeface="+mn-ea"/>
+                <a:cs typeface="+mn-cs"/>
+              </a:rPr>
+              <a:t>Fluentd</a:t>
+            </a:r>
+            <a:r>
+              <a:rPr lang="zh-CN" altLang="en-US" sz="1200" b="0" i="0" kern="1200" dirty="0">
+                <a:solidFill>
+                  <a:schemeClr val="tx1"/>
+                </a:solidFill>
+                <a:effectLst/>
+                <a:latin typeface="+mn-lt"/>
+                <a:ea typeface="+mn-ea"/>
+                <a:cs typeface="+mn-cs"/>
+              </a:rPr>
+              <a:t>是一个开源的数据收集器，专为处理数据流设计</a:t>
+            </a:r>
+            <a:endParaRPr lang="en-US" altLang="zh-CN" sz="1200" b="0" i="0" kern="1200" dirty="0">
+              <a:solidFill>
+                <a:schemeClr val="tx1"/>
+              </a:solidFill>
+              <a:effectLst/>
+              <a:latin typeface="+mn-lt"/>
+              <a:ea typeface="+mn-ea"/>
+              <a:cs typeface="+mn-cs"/>
+            </a:endParaRPr>
+          </a:p>
+          <a:p>
+            <a:pPr marL="0" marR="0" lvl="0" indent="0" algn="l" defTabSz="914400" rtl="0" eaLnBrk="1" fontAlgn="auto" latinLnBrk="0" hangingPunct="1">
+              <a:lnSpc>
+                <a:spcPct val="100000"/>
+              </a:lnSpc>
+              <a:spcBef>
+                <a:spcPts val="0"/>
+              </a:spcBef>
+              <a:spcAft>
+                <a:spcPts val="0"/>
+              </a:spcAft>
+              <a:buClrTx/>
+              <a:buSzTx/>
+              <a:buFontTx/>
+              <a:buNone/>
+              <a:tabLst/>
+              <a:defRPr/>
+            </a:pPr>
+            <a:r>
+              <a:rPr lang="en" altLang="zh-CN" dirty="0">
+                <a:hlinkClick r:id="rId5"/>
+              </a:rPr>
+              <a:t>https://zhuanlan.zhihu.com/p/31448192</a:t>
+            </a:r>
+            <a:endParaRPr lang="en" altLang="zh-CN" dirty="0"/>
+          </a:p>
+          <a:p>
+            <a:pPr marL="0" marR="0" lvl="0" indent="0" algn="l" defTabSz="914400" rtl="0" eaLnBrk="1" fontAlgn="auto" latinLnBrk="0" hangingPunct="1">
+              <a:lnSpc>
+                <a:spcPct val="100000"/>
+              </a:lnSpc>
+              <a:spcBef>
+                <a:spcPts val="0"/>
+              </a:spcBef>
+              <a:spcAft>
+                <a:spcPts val="0"/>
+              </a:spcAft>
+              <a:buClrTx/>
+              <a:buSzTx/>
+              <a:buFontTx/>
+              <a:buNone/>
+              <a:tabLst/>
+              <a:defRPr/>
+            </a:pPr>
+            <a:endParaRPr kumimoji="1" lang="en" altLang="zh-CN"/>
+          </a:p>
+          <a:p>
+            <a:pPr marL="0" marR="0" lvl="0" indent="0" algn="l" defTabSz="914400" rtl="0" eaLnBrk="1" fontAlgn="auto" latinLnBrk="0" hangingPunct="1">
+              <a:lnSpc>
+                <a:spcPct val="100000"/>
+              </a:lnSpc>
+              <a:spcBef>
+                <a:spcPts val="0"/>
+              </a:spcBef>
+              <a:spcAft>
+                <a:spcPts val="0"/>
+              </a:spcAft>
+              <a:buClrTx/>
+              <a:buSzTx/>
+              <a:buFontTx/>
+              <a:buNone/>
+              <a:tabLst/>
+              <a:defRPr/>
+            </a:pPr>
+            <a:endParaRPr kumimoji="1" lang="en" altLang="zh-CN" dirty="0"/>
+          </a:p>
+          <a:p>
+            <a:pPr marL="0" marR="0" lvl="0" indent="0" algn="l" defTabSz="914400" rtl="0" eaLnBrk="1" fontAlgn="auto" latinLnBrk="0" hangingPunct="1">
+              <a:lnSpc>
+                <a:spcPct val="100000"/>
+              </a:lnSpc>
+              <a:spcBef>
+                <a:spcPts val="0"/>
+              </a:spcBef>
+              <a:spcAft>
+                <a:spcPts val="0"/>
+              </a:spcAft>
+              <a:buClrTx/>
+              <a:buSzTx/>
+              <a:buFontTx/>
+              <a:buNone/>
+              <a:tabLst/>
+              <a:defRPr/>
+            </a:pPr>
             <a:endParaRPr kumimoji="1" lang="zh-CN" altLang="en-US" dirty="0"/>
           </a:p>
         </p:txBody>
@@ -2497,7 +3074,7 @@
           <a:lstStyle/>
           <a:p>
             <a:r>
-              <a:rPr lang="zh-CN" altLang="en-US" dirty="0" smtClean="0">
+              <a:rPr lang="zh-CN" altLang="en-US" dirty="0">
                 <a:effectLst/>
               </a:rPr>
               <a:t>服务发现和负载均衡</a:t>
@@ -2505,7 +3082,7 @@
           </a:p>
           <a:p>
             <a:r>
-              <a:rPr lang="zh-CN" altLang="en-US" dirty="0" smtClean="0">
+              <a:rPr lang="zh-CN" altLang="en-US" dirty="0">
                 <a:effectLst/>
               </a:rPr>
               <a:t>存储抽象</a:t>
@@ -2513,7 +3090,7 @@
           </a:p>
           <a:p>
             <a:r>
-              <a:rPr lang="zh-CN" altLang="en-US" dirty="0" smtClean="0">
+              <a:rPr lang="zh-CN" altLang="en-US" dirty="0">
                 <a:effectLst/>
               </a:rPr>
               <a:t>自动滚动更新和回滚</a:t>
@@ -2521,7 +3098,7 @@
           </a:p>
           <a:p>
             <a:r>
-              <a:rPr lang="zh-CN" altLang="en-US" dirty="0" smtClean="0">
+              <a:rPr lang="zh-CN" altLang="en-US" dirty="0">
                 <a:effectLst/>
               </a:rPr>
               <a:t>限制资源</a:t>
@@ -2529,7 +3106,7 @@
           </a:p>
           <a:p>
             <a:r>
-              <a:rPr lang="zh-CN" altLang="en-US" dirty="0" smtClean="0">
+              <a:rPr lang="zh-CN" altLang="en-US" dirty="0">
                 <a:effectLst/>
               </a:rPr>
               <a:t>自我恢复</a:t>
@@ -2537,7 +3114,7 @@
           </a:p>
           <a:p>
             <a:r>
-              <a:rPr lang="zh-CN" altLang="en-US" dirty="0" smtClean="0">
+              <a:rPr lang="zh-CN" altLang="en-US" dirty="0">
                 <a:effectLst/>
               </a:rPr>
               <a:t>秘钥和配置管理</a:t>
@@ -2865,84 +3442,84 @@
               <a:defRPr/>
             </a:pPr>
             <a:r>
-              <a:rPr lang="zh-CN" altLang="en-US" dirty="0" smtClean="0">
+              <a:rPr lang="zh-CN" altLang="en-US" dirty="0">
                 <a:effectLst/>
               </a:rPr>
               <a:t>使用</a:t>
             </a:r>
             <a:r>
-              <a:rPr lang="en-US" altLang="zh-CN" dirty="0" err="1" smtClean="0">
+              <a:rPr lang="en-US" altLang="zh-CN" dirty="0" err="1">
                 <a:effectLst/>
               </a:rPr>
               <a:t>kubectl</a:t>
             </a:r>
             <a:r>
-              <a:rPr lang="zh-CN" altLang="en-US" dirty="0" smtClean="0">
+              <a:rPr lang="zh-CN" altLang="en-US" dirty="0">
                 <a:effectLst/>
               </a:rPr>
               <a:t>跟</a:t>
             </a:r>
             <a:r>
-              <a:rPr lang="en-US" altLang="zh-CN" dirty="0" smtClean="0">
+              <a:rPr lang="en-US" altLang="zh-CN" dirty="0">
                 <a:effectLst/>
               </a:rPr>
               <a:t>master</a:t>
             </a:r>
             <a:r>
-              <a:rPr lang="zh-CN" altLang="en-US" dirty="0" smtClean="0">
+              <a:rPr lang="zh-CN" altLang="en-US" dirty="0">
                 <a:effectLst/>
               </a:rPr>
               <a:t>交互，创建</a:t>
             </a:r>
             <a:r>
-              <a:rPr lang="en-US" altLang="zh-CN" dirty="0" smtClean="0">
+              <a:rPr lang="en-US" altLang="zh-CN" dirty="0">
                 <a:effectLst/>
               </a:rPr>
               <a:t>k8s</a:t>
             </a:r>
             <a:r>
-              <a:rPr lang="zh-CN" altLang="en-US" dirty="0" smtClean="0">
+              <a:rPr lang="zh-CN" altLang="en-US" dirty="0">
                 <a:effectLst/>
               </a:rPr>
               <a:t>的</a:t>
             </a:r>
             <a:r>
-              <a:rPr lang="en-US" altLang="zh-CN" dirty="0" err="1" smtClean="0">
+              <a:rPr lang="en-US" altLang="zh-CN" dirty="0" err="1">
                 <a:effectLst/>
               </a:rPr>
               <a:t>api</a:t>
             </a:r>
             <a:r>
-              <a:rPr lang="zh-CN" altLang="en-US" dirty="0" smtClean="0">
+              <a:rPr lang="zh-CN" altLang="en-US" dirty="0">
                 <a:effectLst/>
               </a:rPr>
               <a:t>对象描述你期望的状态，</a:t>
             </a:r>
             <a:r>
-              <a:rPr lang="en-US" altLang="zh-CN" dirty="0" smtClean="0">
+              <a:rPr lang="en-US" altLang="zh-CN" dirty="0">
                 <a:effectLst/>
               </a:rPr>
               <a:t>k8s</a:t>
             </a:r>
             <a:r>
-              <a:rPr lang="zh-CN" altLang="en-US" dirty="0" smtClean="0">
+              <a:rPr lang="zh-CN" altLang="en-US" dirty="0">
                 <a:effectLst/>
               </a:rPr>
               <a:t>控制面板确保当前状态匹配你的期望状态</a:t>
             </a:r>
-            <a:endParaRPr lang="en-US" altLang="zh-CN" dirty="0" smtClean="0">
+            <a:endParaRPr lang="en-US" altLang="zh-CN" dirty="0">
               <a:effectLst/>
             </a:endParaRPr>
           </a:p>
           <a:p>
             <a:r>
-              <a:rPr lang="en-US" altLang="zh-CN" dirty="0" err="1" smtClean="0">
+              <a:rPr lang="en-US" altLang="zh-CN" dirty="0" err="1">
                 <a:effectLst/>
               </a:rPr>
               <a:t>kubernetes</a:t>
             </a:r>
             <a:r>
-              <a:rPr lang="en-US" altLang="zh-CN" dirty="0" smtClean="0">
+              <a:rPr lang="en-US" altLang="zh-CN" dirty="0">
                 <a:effectLst/>
               </a:rPr>
               <a:t> master</a:t>
@@ -2954,7 +3531,7 @@
               <a:buChar char="•"/>
             </a:pPr>
             <a:r>
-              <a:rPr lang="en-US" altLang="zh-CN" sz="1200" b="0" i="0" u="none" strike="noStrike" kern="1200" dirty="0" err="1" smtClean="0">
+              <a:rPr lang="en-US" altLang="zh-CN" sz="1200" b="0" i="0" u="none" strike="noStrike" kern="1200" dirty="0" err="1">
                 <a:solidFill>
                   <a:schemeClr val="tx1"/>
                 </a:solidFill>
@@ -2966,7 +3543,7 @@
               <a:t>kube-apiserver</a:t>
             </a:r>
             <a:r>
-              <a:rPr lang="zh-CN" altLang="en-US" sz="1200" b="0" i="0" u="none" strike="noStrike" kern="1200" dirty="0" smtClean="0">
+              <a:rPr lang="zh-CN" altLang="en-US" sz="1200" b="0" i="0" u="none" strike="noStrike" kern="1200" dirty="0">
                 <a:solidFill>
                   <a:schemeClr val="tx1"/>
                 </a:solidFill>
@@ -2978,26 +3555,26 @@
               <a:t>：提供资源操作的唯一入口，认证授权等。</a:t>
             </a:r>
             <a:r>
-              <a:rPr lang="zh-CN" altLang="en-US" b="1" dirty="0" smtClean="0"/>
+              <a:rPr lang="zh-CN" altLang="en-US" b="1" dirty="0"/>
               <a:t>创建更新删除</a:t>
             </a:r>
             <a:r>
-              <a:rPr lang="en-US" altLang="zh-CN" b="1" dirty="0" err="1" smtClean="0"/>
+              <a:rPr lang="en-US" altLang="zh-CN" b="1" dirty="0" err="1"/>
               <a:t>APIObject</a:t>
             </a:r>
             <a:r>
-              <a:rPr lang="zh-CN" altLang="en-US" b="1" dirty="0" smtClean="0"/>
+              <a:rPr lang="zh-CN" altLang="en-US" b="1" dirty="0"/>
               <a:t>，对象被维护在</a:t>
             </a:r>
             <a:r>
-              <a:rPr lang="en-US" altLang="zh-CN" b="1" dirty="0" err="1" smtClean="0"/>
+              <a:rPr lang="en-US" altLang="zh-CN" b="1" dirty="0" err="1"/>
               <a:t>etcd</a:t>
             </a:r>
             <a:r>
-              <a:rPr lang="zh-CN" altLang="en-US" b="1" dirty="0" smtClean="0"/>
+              <a:rPr lang="zh-CN" altLang="en-US" b="1" dirty="0"/>
               <a:t>中</a:t>
             </a:r>
-            <a:endParaRPr lang="zh-CN" altLang="en-US" sz="1200" b="1" i="0" u="none" strike="noStrike" kern="1200" dirty="0" smtClean="0">
+            <a:endParaRPr lang="zh-CN" altLang="en-US" sz="1200" b="1" i="0" u="none" strike="noStrike" kern="1200" dirty="0">
               <a:solidFill>
                 <a:schemeClr val="tx1"/>
               </a:solidFill>
@@ -3013,7 +3590,7 @@
               <a:buChar char="•"/>
             </a:pPr>
             <a:r>
-              <a:rPr lang="en-US" altLang="zh-CN" sz="1200" b="0" i="0" u="none" strike="noStrike" kern="1200" dirty="0" err="1" smtClean="0">
+              <a:rPr lang="en-US" altLang="zh-CN" sz="1200" b="0" i="0" u="none" strike="noStrike" kern="1200" dirty="0" err="1">
                 <a:solidFill>
                   <a:schemeClr val="tx1"/>
                 </a:solidFill>
@@ -3025,7 +3602,7 @@
               <a:t>kube</a:t>
             </a:r>
             <a:r>
-              <a:rPr lang="en-US" altLang="zh-CN" sz="1200" b="0" i="0" u="none" strike="noStrike" kern="1200" dirty="0" smtClean="0">
+              <a:rPr lang="en-US" altLang="zh-CN" sz="1200" b="0" i="0" u="none" strike="noStrike" kern="1200" dirty="0">
                 <a:solidFill>
                   <a:schemeClr val="tx1"/>
                 </a:solidFill>
@@ -3037,7 +3614,7 @@
               <a:t>-controller-manager</a:t>
             </a:r>
             <a:r>
-              <a:rPr lang="zh-CN" altLang="en-US" sz="1200" b="0" i="0" u="none" strike="noStrike" kern="1200" dirty="0" smtClean="0">
+              <a:rPr lang="zh-CN" altLang="en-US" sz="1200" b="0" i="0" u="none" strike="noStrike" kern="1200" dirty="0">
                 <a:solidFill>
                   <a:schemeClr val="tx1"/>
                 </a:solidFill>
@@ -3049,7 +3626,7 @@
               <a:t>：管理和编排</a:t>
             </a:r>
             <a:r>
-              <a:rPr lang="en-US" altLang="zh-CN" sz="1200" b="0" i="0" u="none" strike="noStrike" kern="1200" dirty="0" err="1" smtClean="0">
+              <a:rPr lang="en-US" altLang="zh-CN" sz="1200" b="0" i="0" u="none" strike="noStrike" kern="1200" dirty="0" err="1">
                 <a:solidFill>
                   <a:schemeClr val="tx1"/>
                 </a:solidFill>
@@ -3061,7 +3638,7 @@
               <a:t>node,pod,deployment</a:t>
             </a:r>
             <a:r>
-              <a:rPr lang="zh-CN" altLang="en-US" sz="1200" b="0" i="0" u="none" strike="noStrike" kern="1200" dirty="0" smtClean="0">
+              <a:rPr lang="zh-CN" altLang="en-US" sz="1200" b="0" i="0" u="none" strike="noStrike" kern="1200" dirty="0">
                 <a:solidFill>
                   <a:schemeClr val="tx1"/>
                 </a:solidFill>
@@ -3073,39 +3650,39 @@
               <a:t>等，包括故障检测、自动扩展、滚动更新等操作。</a:t>
             </a:r>
             <a:r>
-              <a:rPr lang="zh-CN" altLang="en-US" b="1" dirty="0" smtClean="0"/>
+              <a:rPr lang="zh-CN" altLang="en-US" b="1" dirty="0"/>
               <a:t>监听各种控制器</a:t>
             </a:r>
             <a:r>
-              <a:rPr lang="en-US" altLang="zh-CN" b="1" dirty="0" smtClean="0"/>
+              <a:rPr lang="en-US" altLang="zh-CN" b="1" dirty="0"/>
               <a:t>(</a:t>
             </a:r>
             <a:r>
-              <a:rPr lang="zh-CN" altLang="en-US" b="1" dirty="0" smtClean="0"/>
+              <a:rPr lang="zh-CN" altLang="en-US" b="1" dirty="0"/>
               <a:t>控制</a:t>
             </a:r>
             <a:r>
-              <a:rPr lang="en-US" altLang="zh-CN" b="1" dirty="0" smtClean="0"/>
+              <a:rPr lang="en-US" altLang="zh-CN" b="1" dirty="0"/>
               <a:t>pod</a:t>
             </a:r>
             <a:r>
-              <a:rPr lang="zh-CN" altLang="en-US" b="1" dirty="0" smtClean="0"/>
+              <a:rPr lang="zh-CN" altLang="en-US" b="1" dirty="0"/>
               <a:t>的对象</a:t>
             </a:r>
             <a:r>
-              <a:rPr lang="en-US" altLang="zh-CN" b="1" dirty="0" smtClean="0"/>
+              <a:rPr lang="en-US" altLang="zh-CN" b="1" dirty="0"/>
               <a:t>)</a:t>
             </a:r>
             <a:r>
-              <a:rPr lang="zh-CN" altLang="en-US" b="1" dirty="0" smtClean="0"/>
+              <a:rPr lang="zh-CN" altLang="en-US" b="1" dirty="0"/>
               <a:t>的变化，保证其到达预期状态</a:t>
             </a:r>
             <a:r>
-              <a:rPr lang="zh-CN" altLang="en-US" dirty="0" smtClean="0"/>
+              <a:rPr lang="zh-CN" altLang="en-US" dirty="0"/>
               <a:t>。</a:t>
             </a:r>
             <a:r>
-              <a:rPr lang="en-US" altLang="zh-CN" sz="1200" b="0" i="0" u="none" strike="noStrike" kern="1200" dirty="0" smtClean="0">
+              <a:rPr lang="en-US" altLang="zh-CN" sz="1200" b="0" i="0" u="none" strike="noStrike" kern="1200" dirty="0">
                 <a:solidFill>
                   <a:schemeClr val="tx1"/>
                 </a:solidFill>
@@ -3117,7 +3694,7 @@
               <a:t>cloud-controller-manager</a:t>
             </a:r>
             <a:r>
-              <a:rPr lang="zh-CN" altLang="en-US" sz="1200" b="0" i="0" u="none" strike="noStrike" kern="1200" dirty="0" smtClean="0">
+              <a:rPr lang="zh-CN" altLang="en-US" sz="1200" b="0" i="0" u="none" strike="noStrike" kern="1200" dirty="0">
                 <a:solidFill>
                   <a:schemeClr val="tx1"/>
                 </a:solidFill>
@@ -3135,7 +3712,7 @@
               <a:buChar char="•"/>
             </a:pPr>
             <a:r>
-              <a:rPr lang="en-US" altLang="zh-CN" sz="1200" b="0" i="0" u="none" strike="noStrike" kern="1200" dirty="0" err="1" smtClean="0">
+              <a:rPr lang="en-US" altLang="zh-CN" sz="1200" b="0" i="0" u="none" strike="noStrike" kern="1200" dirty="0" err="1">
                 <a:solidFill>
                   <a:schemeClr val="tx1"/>
                 </a:solidFill>
@@ -3147,7 +3724,7 @@
               <a:t>kube</a:t>
             </a:r>
             <a:r>
-              <a:rPr lang="en-US" altLang="zh-CN" sz="1200" b="0" i="0" u="none" strike="noStrike" kern="1200" dirty="0" smtClean="0">
+              <a:rPr lang="en-US" altLang="zh-CN" sz="1200" b="0" i="0" u="none" strike="noStrike" kern="1200" dirty="0">
                 <a:solidFill>
                   <a:schemeClr val="tx1"/>
                 </a:solidFill>
@@ -3159,7 +3736,7 @@
               <a:t>-scheduler</a:t>
             </a:r>
             <a:r>
-              <a:rPr lang="zh-CN" altLang="en-US" sz="1200" b="0" i="0" u="none" strike="noStrike" kern="1200" dirty="0" smtClean="0">
+              <a:rPr lang="zh-CN" altLang="en-US" sz="1200" b="0" i="0" u="none" strike="noStrike" kern="1200" dirty="0">
                 <a:solidFill>
                   <a:schemeClr val="tx1"/>
                 </a:solidFill>
@@ -3171,7 +3748,7 @@
               <a:t>：调度</a:t>
             </a:r>
             <a:r>
-              <a:rPr lang="en-US" altLang="zh-CN" sz="1200" b="0" i="0" u="none" strike="noStrike" kern="1200" dirty="0" smtClean="0">
+              <a:rPr lang="en-US" altLang="zh-CN" sz="1200" b="0" i="0" u="none" strike="noStrike" kern="1200" dirty="0">
                 <a:solidFill>
                   <a:schemeClr val="tx1"/>
                 </a:solidFill>
@@ -3183,7 +3760,7 @@
               <a:t>pod</a:t>
             </a:r>
             <a:r>
-              <a:rPr lang="zh-CN" altLang="en-US" sz="1200" b="0" i="0" u="none" strike="noStrike" kern="1200" dirty="0" smtClean="0">
+              <a:rPr lang="zh-CN" altLang="en-US" sz="1200" b="0" i="0" u="none" strike="noStrike" kern="1200" dirty="0">
                 <a:solidFill>
                   <a:schemeClr val="tx1"/>
                 </a:solidFill>
@@ -3195,42 +3772,42 @@
               <a:t>到相应的机器。</a:t>
             </a:r>
             <a:r>
-              <a:rPr lang="zh-CN" altLang="en-US" b="1" dirty="0" smtClean="0"/>
+              <a:rPr lang="zh-CN" altLang="en-US" b="1" dirty="0"/>
               <a:t>监听</a:t>
             </a:r>
             <a:r>
-              <a:rPr lang="en-US" altLang="zh-CN" b="1" dirty="0" smtClean="0"/>
+              <a:rPr lang="en-US" altLang="zh-CN" b="1" dirty="0"/>
               <a:t>pod</a:t>
             </a:r>
             <a:r>
-              <a:rPr lang="zh-CN" altLang="en-US" b="1" dirty="0" smtClean="0"/>
+              <a:rPr lang="zh-CN" altLang="en-US" b="1" dirty="0"/>
               <a:t>对象，为其分配</a:t>
             </a:r>
             <a:r>
-              <a:rPr lang="en-US" altLang="zh-CN" b="1" dirty="0" smtClean="0"/>
+              <a:rPr lang="en-US" altLang="zh-CN" b="1" dirty="0"/>
               <a:t>node</a:t>
             </a:r>
             <a:r>
-              <a:rPr lang="zh-CN" altLang="en-US" b="1" dirty="0" smtClean="0"/>
+              <a:rPr lang="zh-CN" altLang="en-US" b="1" dirty="0"/>
               <a:t>，然后调用</a:t>
             </a:r>
             <a:r>
-              <a:rPr lang="en-US" altLang="zh-CN" b="1" dirty="0" err="1" smtClean="0"/>
+              <a:rPr lang="en-US" altLang="zh-CN" b="1" dirty="0" err="1"/>
               <a:t>APIServer</a:t>
             </a:r>
             <a:r>
-              <a:rPr lang="zh-CN" altLang="en-US" b="1" dirty="0" smtClean="0"/>
+              <a:rPr lang="zh-CN" altLang="en-US" b="1" dirty="0"/>
               <a:t>更新</a:t>
             </a:r>
             <a:r>
-              <a:rPr lang="en-US" altLang="zh-CN" b="1" dirty="0" smtClean="0"/>
+              <a:rPr lang="en-US" altLang="zh-CN" b="1" dirty="0"/>
               <a:t>pod</a:t>
             </a:r>
             <a:r>
-              <a:rPr lang="zh-CN" altLang="en-US" b="1" dirty="0" smtClean="0"/>
+              <a:rPr lang="zh-CN" altLang="en-US" b="1" dirty="0"/>
               <a:t>对象</a:t>
             </a:r>
-            <a:endParaRPr lang="en-US" altLang="zh-CN" sz="1200" b="1" i="0" u="none" strike="noStrike" kern="1200" dirty="0" smtClean="0">
+            <a:endParaRPr lang="en-US" altLang="zh-CN" sz="1200" b="1" i="0" u="none" strike="noStrike" kern="1200" dirty="0">
               <a:solidFill>
                 <a:schemeClr val="tx1"/>
               </a:solidFill>
@@ -3259,7 +3836,7 @@
               <a:defRPr/>
             </a:pPr>
             <a:r>
-              <a:rPr lang="en-US" altLang="zh-CN" sz="1200" b="0" i="0" u="none" strike="noStrike" kern="1200" dirty="0" err="1" smtClean="0">
+              <a:rPr lang="en-US" altLang="zh-CN" sz="1200" b="0" i="0" u="none" strike="noStrike" kern="1200" dirty="0" err="1">
                 <a:solidFill>
                   <a:schemeClr val="tx1"/>
                 </a:solidFill>
@@ -3271,7 +3848,7 @@
               <a:t>etcd</a:t>
             </a:r>
             <a:r>
-              <a:rPr lang="zh-CN" altLang="en-US" sz="1200" b="0" i="0" u="none" strike="noStrike" kern="1200" dirty="0" smtClean="0">
+              <a:rPr lang="zh-CN" altLang="en-US" sz="1200" b="0" i="0" u="none" strike="noStrike" kern="1200" dirty="0">
                 <a:solidFill>
                   <a:schemeClr val="tx1"/>
                 </a:solidFill>
@@ -3285,13 +3862,13 @@
           </a:p>
           <a:p>
             <a:r>
-              <a:rPr lang="en-US" altLang="zh-CN" dirty="0" err="1" smtClean="0">
+              <a:rPr lang="en-US" altLang="zh-CN" dirty="0" err="1">
                 <a:effectLst/>
               </a:rPr>
               <a:t>kubernetes</a:t>
             </a:r>
             <a:r>
-              <a:rPr lang="en-US" altLang="zh-CN" dirty="0" smtClean="0">
+              <a:rPr lang="en-US" altLang="zh-CN" dirty="0">
                 <a:effectLst/>
               </a:rPr>
               <a:t> nodes</a:t>
@@ -3303,7 +3880,7 @@
               <a:buChar char="•"/>
             </a:pPr>
             <a:r>
-              <a:rPr lang="en-US" altLang="zh-CN" sz="1200" b="0" i="0" u="none" strike="noStrike" kern="1200" dirty="0" err="1" smtClean="0">
+              <a:rPr lang="en-US" altLang="zh-CN" sz="1200" b="0" i="0" u="none" strike="noStrike" kern="1200" dirty="0" err="1">
                 <a:solidFill>
                   <a:schemeClr val="tx1"/>
                 </a:solidFill>
@@ -3315,7 +3892,7 @@
               <a:t>kubelet</a:t>
             </a:r>
             <a:r>
-              <a:rPr lang="zh-CN" altLang="en-US" sz="1200" b="0" i="0" u="none" strike="noStrike" kern="1200" dirty="0" smtClean="0">
+              <a:rPr lang="zh-CN" altLang="en-US" sz="1200" b="0" i="0" u="none" strike="noStrike" kern="1200" dirty="0">
                 <a:solidFill>
                   <a:schemeClr val="tx1"/>
                 </a:solidFill>
@@ -3327,18 +3904,18 @@
               <a:t>：维护容器的生命周期，也管理容器存储和网络接口。</a:t>
             </a:r>
             <a:r>
-              <a:rPr lang="zh-CN" altLang="en-US" b="1" dirty="0" smtClean="0"/>
+              <a:rPr lang="zh-CN" altLang="en-US" b="1" dirty="0"/>
               <a:t>提供了对单个节点上的对象的操作接口，供</a:t>
             </a:r>
             <a:r>
-              <a:rPr lang="en-US" altLang="zh-CN" b="1" dirty="0" err="1" smtClean="0"/>
+              <a:rPr lang="en-US" altLang="zh-CN" b="1" dirty="0" err="1"/>
               <a:t>APIServer</a:t>
             </a:r>
             <a:r>
-              <a:rPr lang="zh-CN" altLang="en-US" b="1" dirty="0" smtClean="0"/>
+              <a:rPr lang="zh-CN" altLang="en-US" b="1" dirty="0"/>
               <a:t>等使用</a:t>
             </a:r>
-            <a:endParaRPr lang="zh-CN" altLang="en-US" sz="1200" b="1" i="0" u="none" strike="noStrike" kern="1200" dirty="0" smtClean="0">
+            <a:endParaRPr lang="zh-CN" altLang="en-US" sz="1200" b="1" i="0" u="none" strike="noStrike" kern="1200" dirty="0">
               <a:solidFill>
                 <a:schemeClr val="tx1"/>
               </a:solidFill>
@@ -3354,7 +3931,7 @@
               <a:buChar char="•"/>
             </a:pPr>
             <a:r>
-              <a:rPr lang="en-US" altLang="zh-CN" sz="1200" b="0" i="0" u="none" strike="noStrike" kern="1200" dirty="0" err="1" smtClean="0">
+              <a:rPr lang="en-US" altLang="zh-CN" sz="1200" b="0" i="0" u="none" strike="noStrike" kern="1200" dirty="0" err="1">
                 <a:solidFill>
                   <a:schemeClr val="tx1"/>
                 </a:solidFill>
@@ -3366,7 +3943,7 @@
               <a:t>kube</a:t>
             </a:r>
             <a:r>
-              <a:rPr lang="en-US" altLang="zh-CN" sz="1200" b="0" i="0" u="none" strike="noStrike" kern="1200" dirty="0" smtClean="0">
+              <a:rPr lang="en-US" altLang="zh-CN" sz="1200" b="0" i="0" u="none" strike="noStrike" kern="1200" dirty="0">
                 <a:solidFill>
                   <a:schemeClr val="tx1"/>
                 </a:solidFill>
@@ -3378,7 +3955,7 @@
               <a:t>-proxy</a:t>
             </a:r>
             <a:r>
-              <a:rPr lang="zh-CN" altLang="en-US" sz="1200" b="0" i="0" u="none" strike="noStrike" kern="1200" dirty="0" smtClean="0">
+              <a:rPr lang="zh-CN" altLang="en-US" sz="1200" b="0" i="0" u="none" strike="noStrike" kern="1200" dirty="0">
                 <a:solidFill>
                   <a:schemeClr val="tx1"/>
                 </a:solidFill>
@@ -3396,7 +3973,7 @@
               <a:buChar char="•"/>
             </a:pPr>
             <a:r>
-              <a:rPr lang="en-US" altLang="zh-CN" sz="1200" b="0" i="0" u="none" strike="noStrike" kern="1200" dirty="0" smtClean="0">
+              <a:rPr lang="en-US" altLang="zh-CN" sz="1200" b="0" i="0" u="none" strike="noStrike" kern="1200" dirty="0">
                 <a:solidFill>
                   <a:schemeClr val="tx1"/>
                 </a:solidFill>
@@ -3408,7 +3985,7 @@
               <a:t>CRI</a:t>
             </a:r>
             <a:r>
-              <a:rPr lang="zh-CN" altLang="en-US" sz="1200" b="0" i="0" u="none" strike="noStrike" kern="1200" dirty="0" smtClean="0">
+              <a:rPr lang="zh-CN" altLang="en-US" sz="1200" b="0" i="0" u="none" strike="noStrike" kern="1200" dirty="0">
                 <a:solidFill>
                   <a:schemeClr val="tx1"/>
                 </a:solidFill>
@@ -3420,31 +3997,31 @@
               <a:t>：</a:t>
             </a:r>
             <a:r>
-              <a:rPr lang="en-US" altLang="zh-CN" dirty="0" err="1" smtClean="0"/>
+              <a:rPr lang="en-US" altLang="zh-CN" dirty="0" err="1"/>
               <a:t>dockershim</a:t>
             </a:r>
             <a:r>
-              <a:rPr lang="zh-CN" altLang="en-US" dirty="0" smtClean="0"/>
+              <a:rPr lang="zh-CN" altLang="en-US" dirty="0"/>
               <a:t>，</a:t>
             </a:r>
             <a:r>
-              <a:rPr lang="en-US" altLang="zh-CN" dirty="0" err="1" smtClean="0"/>
+              <a:rPr lang="en-US" altLang="zh-CN" dirty="0" err="1"/>
               <a:t>containerd</a:t>
             </a:r>
             <a:r>
-              <a:rPr lang="zh-CN" altLang="en-US" dirty="0" smtClean="0"/>
+              <a:rPr lang="zh-CN" altLang="en-US" dirty="0"/>
               <a:t>，</a:t>
             </a:r>
             <a:r>
-              <a:rPr lang="en-US" altLang="zh-CN" dirty="0" err="1" smtClean="0"/>
+              <a:rPr lang="en-US" altLang="zh-CN" dirty="0" err="1"/>
               <a:t>rktlet</a:t>
             </a:r>
             <a:r>
-              <a:rPr lang="zh-CN" altLang="en-US" dirty="0" smtClean="0"/>
+              <a:rPr lang="zh-CN" altLang="en-US" dirty="0"/>
               <a:t>，</a:t>
             </a:r>
             <a:r>
-              <a:rPr lang="zh-CN" altLang="en-US" sz="1200" b="0" i="0" u="none" strike="noStrike" kern="1200" dirty="0" smtClean="0">
+              <a:rPr lang="zh-CN" altLang="en-US" sz="1200" b="0" i="0" u="none" strike="noStrike" kern="1200" dirty="0">
                 <a:solidFill>
                   <a:schemeClr val="tx1"/>
                 </a:solidFill>
@@ -3462,7 +4039,7 @@
               <a:buChar char="•"/>
             </a:pPr>
             <a:r>
-              <a:rPr lang="en-US" altLang="zh-CN" sz="1200" b="0" i="0" u="none" strike="noStrike" kern="1200" dirty="0" smtClean="0">
+              <a:rPr lang="en-US" altLang="zh-CN" sz="1200" b="0" i="0" u="none" strike="noStrike" kern="1200" dirty="0">
                 <a:solidFill>
                   <a:schemeClr val="tx1"/>
                 </a:solidFill>
@@ -3474,7 +4051,7 @@
               <a:t>Flannel</a:t>
             </a:r>
             <a:r>
-              <a:rPr lang="zh-CN" altLang="en-US" sz="1200" b="0" i="0" u="none" strike="noStrike" kern="1200" dirty="0" smtClean="0">
+              <a:rPr lang="zh-CN" altLang="en-US" sz="1200" b="0" i="0" u="none" strike="noStrike" kern="1200" dirty="0">
                 <a:solidFill>
                   <a:schemeClr val="tx1"/>
                 </a:solidFill>
@@ -3486,7 +4063,7 @@
               <a:t>：实现容器网络接口</a:t>
             </a:r>
             <a:r>
-              <a:rPr lang="en-US" altLang="zh-CN" sz="1200" b="0" i="0" u="none" strike="noStrike" kern="1200" dirty="0" smtClean="0">
+              <a:rPr lang="en-US" altLang="zh-CN" sz="1200" b="0" i="0" u="none" strike="noStrike" kern="1200" dirty="0">
                 <a:solidFill>
                   <a:schemeClr val="tx1"/>
                 </a:solidFill>
@@ -3500,12 +4077,12 @@
           </a:p>
           <a:p>
             <a:r>
-              <a:rPr lang="en-US" altLang="zh-CN" dirty="0" err="1" smtClean="0">
+              <a:rPr lang="en-US" altLang="zh-CN" dirty="0" err="1">
                 <a:effectLst/>
               </a:rPr>
               <a:t>Addons</a:t>
             </a:r>
-            <a:endParaRPr lang="en-US" altLang="zh-CN" dirty="0" smtClean="0">
+            <a:endParaRPr lang="en-US" altLang="zh-CN" dirty="0">
               <a:effectLst/>
             </a:endParaRPr>
           </a:p>
@@ -3515,7 +4092,7 @@
               <a:buChar char="•"/>
             </a:pPr>
             <a:r>
-              <a:rPr lang="en-US" altLang="zh-CN" sz="1200" b="0" i="0" u="none" strike="noStrike" kern="1200" dirty="0" err="1" smtClean="0">
+              <a:rPr lang="en-US" altLang="zh-CN" sz="1200" b="0" i="0" u="none" strike="noStrike" kern="1200" dirty="0" err="1">
                 <a:solidFill>
                   <a:schemeClr val="tx1"/>
                 </a:solidFill>
@@ -3527,7 +4104,7 @@
               <a:t>CoreDNS</a:t>
             </a:r>
             <a:r>
-              <a:rPr lang="zh-CN" altLang="en-US" sz="1200" b="0" i="0" u="none" strike="noStrike" kern="1200" dirty="0" smtClean="0">
+              <a:rPr lang="zh-CN" altLang="en-US" sz="1200" b="0" i="0" u="none" strike="noStrike" kern="1200" dirty="0">
                 <a:solidFill>
                   <a:schemeClr val="tx1"/>
                 </a:solidFill>
@@ -3539,7 +4116,7 @@
               <a:t>：整个集群的</a:t>
             </a:r>
             <a:r>
-              <a:rPr lang="en-US" altLang="zh-CN" sz="1200" b="0" i="0" u="none" strike="noStrike" kern="1200" dirty="0" err="1" smtClean="0">
+              <a:rPr lang="en-US" altLang="zh-CN" sz="1200" b="0" i="0" u="none" strike="noStrike" kern="1200" dirty="0" err="1">
                 <a:solidFill>
                   <a:schemeClr val="tx1"/>
                 </a:solidFill>
@@ -3551,7 +4128,7 @@
               <a:t>dns</a:t>
             </a:r>
             <a:r>
-              <a:rPr lang="zh-CN" altLang="en-US" sz="1200" b="0" i="0" u="none" strike="noStrike" kern="1200" dirty="0" smtClean="0">
+              <a:rPr lang="zh-CN" altLang="en-US" sz="1200" b="0" i="0" u="none" strike="noStrike" kern="1200" dirty="0">
                 <a:solidFill>
                   <a:schemeClr val="tx1"/>
                 </a:solidFill>
@@ -3569,7 +4146,7 @@
               <a:buChar char="•"/>
             </a:pPr>
             <a:r>
-              <a:rPr lang="en-US" altLang="zh-CN" sz="1200" b="0" i="0" u="none" strike="noStrike" kern="1200" dirty="0" smtClean="0">
+              <a:rPr lang="en-US" altLang="zh-CN" sz="1200" b="0" i="0" u="none" strike="noStrike" kern="1200" dirty="0">
                 <a:solidFill>
                   <a:schemeClr val="tx1"/>
                 </a:solidFill>
@@ -3581,7 +4158,7 @@
               <a:t>Dashboard</a:t>
             </a:r>
             <a:r>
-              <a:rPr lang="zh-CN" altLang="en-US" sz="1200" b="0" i="0" u="none" strike="noStrike" kern="1200" dirty="0" smtClean="0">
+              <a:rPr lang="zh-CN" altLang="en-US" sz="1200" b="0" i="0" u="none" strike="noStrike" kern="1200" dirty="0">
                 <a:solidFill>
                   <a:schemeClr val="tx1"/>
                 </a:solidFill>
@@ -3593,7 +4170,7 @@
               <a:t>：提供管理和监控</a:t>
             </a:r>
             <a:r>
-              <a:rPr lang="en-US" altLang="zh-CN" sz="1200" b="0" i="0" u="none" strike="noStrike" kern="1200" dirty="0" smtClean="0">
+              <a:rPr lang="en-US" altLang="zh-CN" sz="1200" b="0" i="0" u="none" strike="noStrike" kern="1200" dirty="0">
                 <a:solidFill>
                   <a:schemeClr val="tx1"/>
                 </a:solidFill>
@@ -3611,7 +4188,7 @@
               <a:buChar char="•"/>
             </a:pPr>
             <a:r>
-              <a:rPr lang="en-US" altLang="zh-CN" sz="1200" b="0" i="0" u="none" strike="noStrike" kern="1200" dirty="0" smtClean="0">
+              <a:rPr lang="en-US" altLang="zh-CN" sz="1200" b="0" i="0" u="none" strike="noStrike" kern="1200" dirty="0">
                 <a:solidFill>
                   <a:schemeClr val="tx1"/>
                 </a:solidFill>
@@ -3623,7 +4200,7 @@
               <a:t>Prometheus</a:t>
             </a:r>
             <a:r>
-              <a:rPr lang="zh-CN" altLang="en-US" sz="1200" b="0" i="0" u="none" strike="noStrike" kern="1200" dirty="0" smtClean="0">
+              <a:rPr lang="zh-CN" altLang="en-US" sz="1200" b="0" i="0" u="none" strike="noStrike" kern="1200" dirty="0">
                 <a:solidFill>
                   <a:schemeClr val="tx1"/>
                 </a:solidFill>
@@ -3641,7 +4218,7 @@
               <a:buChar char="•"/>
             </a:pPr>
             <a:r>
-              <a:rPr lang="en-US" altLang="zh-CN" sz="1200" b="0" i="0" u="none" strike="noStrike" kern="1200" dirty="0" smtClean="0">
+              <a:rPr lang="en-US" altLang="zh-CN" sz="1200" b="0" i="0" u="none" strike="noStrike" kern="1200" dirty="0">
                 <a:solidFill>
                   <a:schemeClr val="tx1"/>
                 </a:solidFill>
@@ -3653,7 +4230,7 @@
               <a:t>Ingress Controller</a:t>
             </a:r>
             <a:r>
-              <a:rPr lang="zh-CN" altLang="en-US" sz="1200" b="0" i="0" u="none" strike="noStrike" kern="1200" dirty="0" smtClean="0">
+              <a:rPr lang="zh-CN" altLang="en-US" sz="1200" b="0" i="0" u="none" strike="noStrike" kern="1200" dirty="0">
                 <a:solidFill>
                   <a:schemeClr val="tx1"/>
                 </a:solidFill>
@@ -3751,60 +4328,60 @@
           <a:lstStyle/>
           <a:p>
             <a:r>
-              <a:rPr lang="en-US" altLang="zh-CN" dirty="0" smtClean="0">
+              <a:rPr lang="en-US" altLang="zh-CN" dirty="0">
                 <a:effectLst/>
               </a:rPr>
               <a:t>cat &lt;&lt;EOF &gt; /</a:t>
             </a:r>
             <a:r>
-              <a:rPr lang="en-US" altLang="zh-CN" dirty="0" err="1" smtClean="0">
+              <a:rPr lang="en-US" altLang="zh-CN" dirty="0" err="1">
                 <a:effectLst/>
               </a:rPr>
               <a:t>etc</a:t>
             </a:r>
             <a:r>
-              <a:rPr lang="en-US" altLang="zh-CN" dirty="0" smtClean="0">
+              <a:rPr lang="en-US" altLang="zh-CN" dirty="0">
                 <a:effectLst/>
               </a:rPr>
               <a:t>/</a:t>
             </a:r>
             <a:r>
-              <a:rPr lang="en-US" altLang="zh-CN" dirty="0" err="1" smtClean="0">
+              <a:rPr lang="en-US" altLang="zh-CN" dirty="0" err="1">
                 <a:effectLst/>
               </a:rPr>
               <a:t>yum.repos.d</a:t>
             </a:r>
             <a:r>
-              <a:rPr lang="en-US" altLang="zh-CN" dirty="0" smtClean="0">
+              <a:rPr lang="en-US" altLang="zh-CN" dirty="0">
                 <a:effectLst/>
               </a:rPr>
               <a:t>/</a:t>
             </a:r>
             <a:r>
-              <a:rPr lang="en-US" altLang="zh-CN" dirty="0" err="1" smtClean="0">
+              <a:rPr lang="en-US" altLang="zh-CN" dirty="0" err="1">
                 <a:effectLst/>
               </a:rPr>
               <a:t>kubernetes.repo</a:t>
             </a:r>
-            <a:endParaRPr lang="en-US" altLang="zh-CN" dirty="0" smtClean="0">
+            <a:endParaRPr lang="en-US" altLang="zh-CN" dirty="0">
               <a:effectLst/>
             </a:endParaRPr>
           </a:p>
           <a:p>
             <a:r>
-              <a:rPr lang="en-US" altLang="zh-CN" dirty="0" smtClean="0">
+              <a:rPr lang="en-US" altLang="zh-CN" dirty="0">
                 <a:effectLst/>
               </a:rPr>
               <a:t>[</a:t>
             </a:r>
             <a:r>
-              <a:rPr lang="en-US" altLang="zh-CN" dirty="0" err="1" smtClean="0">
+              <a:rPr lang="en-US" altLang="zh-CN" dirty="0" err="1">
                 <a:effectLst/>
               </a:rPr>
               <a:t>kubernetes</a:t>
             </a:r>
             <a:r>
-              <a:rPr lang="en-US" altLang="zh-CN" dirty="0" smtClean="0">
+              <a:rPr lang="en-US" altLang="zh-CN" dirty="0">
                 <a:effectLst/>
               </a:rPr>
               <a:t>] </a:t>
@@ -3812,7 +4389,7 @@
           </a:p>
           <a:p>
             <a:r>
-              <a:rPr lang="en-US" altLang="zh-CN" sz="1200" b="1" kern="1200" dirty="0" smtClean="0">
+              <a:rPr lang="en-US" altLang="zh-CN" sz="1200" b="1" kern="1200" dirty="0">
                 <a:solidFill>
                   <a:schemeClr val="tx1"/>
                 </a:solidFill>
@@ -3826,7 +4403,7 @@
           </a:p>
           <a:p>
             <a:r>
-              <a:rPr lang="en-US" altLang="zh-CN" sz="1200" b="1" kern="1200" dirty="0" err="1" smtClean="0">
+              <a:rPr lang="en-US" altLang="zh-CN" sz="1200" b="1" kern="1200" dirty="0" err="1">
                 <a:solidFill>
                   <a:schemeClr val="tx1"/>
                 </a:solidFill>
@@ -3838,7 +4415,7 @@
               <a:t>baseurl</a:t>
             </a:r>
             <a:r>
-              <a:rPr lang="en-US" altLang="zh-CN" sz="1200" b="1" kern="1200" dirty="0" smtClean="0">
+              <a:rPr lang="en-US" altLang="zh-CN" sz="1200" b="1" kern="1200" dirty="0">
                 <a:solidFill>
                   <a:schemeClr val="tx1"/>
                 </a:solidFill>
@@ -3850,7 +4427,7 @@
               <a:t>=</a:t>
             </a:r>
             <a:r>
-              <a:rPr lang="en-US" altLang="zh-CN" sz="1200" kern="1200" dirty="0" smtClean="0">
+              <a:rPr lang="en-US" altLang="zh-CN" sz="1200" kern="1200" dirty="0">
                 <a:solidFill>
                   <a:schemeClr val="tx1"/>
                 </a:solidFill>
@@ -3862,7 +4439,7 @@
               <a:t>http://</a:t>
             </a:r>
             <a:r>
-              <a:rPr lang="en-US" altLang="zh-CN" sz="1200" kern="1200" dirty="0" err="1" smtClean="0">
+              <a:rPr lang="en-US" altLang="zh-CN" sz="1200" kern="1200" dirty="0" err="1">
                 <a:solidFill>
                   <a:schemeClr val="tx1"/>
                 </a:solidFill>
@@ -3874,7 +4451,7 @@
               <a:t>mirrors.aliyun.com</a:t>
             </a:r>
             <a:r>
-              <a:rPr lang="en-US" altLang="zh-CN" sz="1200" kern="1200" dirty="0" smtClean="0">
+              <a:rPr lang="en-US" altLang="zh-CN" sz="1200" kern="1200" dirty="0">
                 <a:solidFill>
                   <a:schemeClr val="tx1"/>
                 </a:solidFill>
@@ -3886,7 +4463,7 @@
               <a:t>/</a:t>
             </a:r>
             <a:r>
-              <a:rPr lang="en-US" altLang="zh-CN" sz="1200" kern="1200" dirty="0" err="1" smtClean="0">
+              <a:rPr lang="en-US" altLang="zh-CN" sz="1200" kern="1200" dirty="0" err="1">
                 <a:solidFill>
                   <a:schemeClr val="tx1"/>
                 </a:solidFill>
@@ -3898,7 +4475,7 @@
               <a:t>kubernetes</a:t>
             </a:r>
             <a:r>
-              <a:rPr lang="en-US" altLang="zh-CN" sz="1200" kern="1200" dirty="0" smtClean="0">
+              <a:rPr lang="en-US" altLang="zh-CN" sz="1200" kern="1200" dirty="0">
                 <a:solidFill>
                   <a:schemeClr val="tx1"/>
                 </a:solidFill>
@@ -3910,7 +4487,7 @@
               <a:t>/yum/repos/</a:t>
             </a:r>
             <a:r>
-              <a:rPr lang="en-US" altLang="zh-CN" sz="1200" b="1" kern="1200" dirty="0" smtClean="0">
+              <a:rPr lang="en-US" altLang="zh-CN" sz="1200" b="1" kern="1200" dirty="0">
                 <a:solidFill>
                   <a:schemeClr val="tx1"/>
                 </a:solidFill>
@@ -3924,7 +4501,7 @@
           </a:p>
           <a:p>
             <a:r>
-              <a:rPr lang="en-US" altLang="zh-CN" sz="1200" b="1" kern="1200" dirty="0" smtClean="0">
+              <a:rPr lang="en-US" altLang="zh-CN" sz="1200" b="1" kern="1200" dirty="0">
                 <a:solidFill>
                   <a:schemeClr val="tx1"/>
                 </a:solidFill>
@@ -3938,7 +4515,7 @@
           </a:p>
           <a:p>
             <a:r>
-              <a:rPr lang="en-US" altLang="zh-CN" sz="1200" b="1" kern="1200" dirty="0" err="1" smtClean="0">
+              <a:rPr lang="en-US" altLang="zh-CN" sz="1200" b="1" kern="1200" dirty="0" err="1">
                 <a:solidFill>
                   <a:schemeClr val="tx1"/>
                 </a:solidFill>
@@ -3950,7 +4527,7 @@
               <a:t>gpgcheck</a:t>
             </a:r>
             <a:r>
-              <a:rPr lang="en-US" altLang="zh-CN" sz="1200" b="1" kern="1200" dirty="0" smtClean="0">
+              <a:rPr lang="en-US" altLang="zh-CN" sz="1200" b="1" kern="1200" dirty="0">
                 <a:solidFill>
                   <a:schemeClr val="tx1"/>
                 </a:solidFill>
@@ -3964,7 +4541,7 @@
           </a:p>
           <a:p>
             <a:r>
-              <a:rPr lang="en-US" altLang="zh-CN" sz="1200" b="1" kern="1200" dirty="0" err="1" smtClean="0">
+              <a:rPr lang="en-US" altLang="zh-CN" sz="1200" b="1" kern="1200" dirty="0" err="1">
                 <a:solidFill>
                   <a:schemeClr val="tx1"/>
                 </a:solidFill>
@@ -3976,7 +4553,7 @@
               <a:t>repo_gpgcheck</a:t>
             </a:r>
             <a:r>
-              <a:rPr lang="en-US" altLang="zh-CN" sz="1200" b="1" kern="1200" dirty="0" smtClean="0">
+              <a:rPr lang="en-US" altLang="zh-CN" sz="1200" b="1" kern="1200" dirty="0">
                 <a:solidFill>
                   <a:schemeClr val="tx1"/>
                 </a:solidFill>
@@ -3990,7 +4567,7 @@
           </a:p>
           <a:p>
             <a:r>
-              <a:rPr lang="en-US" altLang="zh-CN" sz="1200" b="1" kern="1200" dirty="0" err="1" smtClean="0">
+              <a:rPr lang="en-US" altLang="zh-CN" sz="1200" b="1" kern="1200" dirty="0" err="1">
                 <a:solidFill>
                   <a:schemeClr val="tx1"/>
                 </a:solidFill>
@@ -4002,7 +4579,7 @@
               <a:t>gpgkey</a:t>
             </a:r>
             <a:r>
-              <a:rPr lang="en-US" altLang="zh-CN" sz="1200" b="1" kern="1200" dirty="0" smtClean="0">
+              <a:rPr lang="en-US" altLang="zh-CN" sz="1200" b="1" kern="1200" dirty="0">
                 <a:solidFill>
                   <a:schemeClr val="tx1"/>
                 </a:solidFill>
@@ -4014,7 +4591,7 @@
               <a:t>=</a:t>
             </a:r>
             <a:r>
-              <a:rPr lang="en-US" altLang="zh-CN" sz="1200" kern="1200" dirty="0" smtClean="0">
+              <a:rPr lang="en-US" altLang="zh-CN" sz="1200" kern="1200" dirty="0">
                 <a:solidFill>
                   <a:schemeClr val="tx1"/>
                 </a:solidFill>
@@ -4026,7 +4603,7 @@
               <a:t>http://</a:t>
             </a:r>
             <a:r>
-              <a:rPr lang="en-US" altLang="zh-CN" sz="1200" kern="1200" dirty="0" err="1" smtClean="0">
+              <a:rPr lang="en-US" altLang="zh-CN" sz="1200" kern="1200" dirty="0" err="1">
                 <a:solidFill>
                   <a:schemeClr val="tx1"/>
                 </a:solidFill>
@@ -4038,7 +4615,7 @@
               <a:t>mirrors.aliyun.com</a:t>
             </a:r>
             <a:r>
-              <a:rPr lang="en-US" altLang="zh-CN" sz="1200" kern="1200" dirty="0" smtClean="0">
+              <a:rPr lang="en-US" altLang="zh-CN" sz="1200" kern="1200" dirty="0">
                 <a:solidFill>
                   <a:schemeClr val="tx1"/>
                 </a:solidFill>
@@ -4050,7 +4627,7 @@
               <a:t>/</a:t>
             </a:r>
             <a:r>
-              <a:rPr lang="en-US" altLang="zh-CN" sz="1200" kern="1200" dirty="0" err="1" smtClean="0">
+              <a:rPr lang="en-US" altLang="zh-CN" sz="1200" kern="1200" dirty="0" err="1">
                 <a:solidFill>
                   <a:schemeClr val="tx1"/>
                 </a:solidFill>
@@ -4062,7 +4639,7 @@
               <a:t>kubernetes</a:t>
             </a:r>
             <a:r>
-              <a:rPr lang="en-US" altLang="zh-CN" sz="1200" kern="1200" dirty="0" smtClean="0">
+              <a:rPr lang="en-US" altLang="zh-CN" sz="1200" kern="1200" dirty="0">
                 <a:solidFill>
                   <a:schemeClr val="tx1"/>
                 </a:solidFill>
@@ -4074,7 +4651,7 @@
               <a:t>/yum/doc/yum-</a:t>
             </a:r>
             <a:r>
-              <a:rPr lang="en-US" altLang="zh-CN" sz="1200" kern="1200" dirty="0" err="1" smtClean="0">
+              <a:rPr lang="en-US" altLang="zh-CN" sz="1200" kern="1200" dirty="0" err="1">
                 <a:solidFill>
                   <a:schemeClr val="tx1"/>
                 </a:solidFill>
@@ -4086,7 +4663,7 @@
               <a:t>key.gpg</a:t>
             </a:r>
             <a:r>
-              <a:rPr lang="zh-CN" altLang="en-US" sz="1200" kern="1200" baseline="0" dirty="0" smtClean="0">
+              <a:rPr lang="zh-CN" altLang="en-US" sz="1200" kern="1200" baseline="0" dirty="0">
                 <a:solidFill>
                   <a:schemeClr val="tx1"/>
                 </a:solidFill>
@@ -4098,7 +4675,7 @@
               <a:t> </a:t>
             </a:r>
             <a:r>
-              <a:rPr lang="en-US" altLang="zh-CN" sz="1200" kern="1200" dirty="0" smtClean="0">
+              <a:rPr lang="en-US" altLang="zh-CN" sz="1200" kern="1200" dirty="0">
                 <a:solidFill>
                   <a:schemeClr val="tx1"/>
                 </a:solidFill>
@@ -4110,7 +4687,7 @@
               <a:t>http://</a:t>
             </a:r>
             <a:r>
-              <a:rPr lang="en-US" altLang="zh-CN" sz="1200" kern="1200" dirty="0" err="1" smtClean="0">
+              <a:rPr lang="en-US" altLang="zh-CN" sz="1200" kern="1200" dirty="0" err="1">
                 <a:solidFill>
                   <a:schemeClr val="tx1"/>
                 </a:solidFill>
@@ -4122,7 +4699,7 @@
               <a:t>mirrors.aliyun.com</a:t>
             </a:r>
             <a:r>
-              <a:rPr lang="en-US" altLang="zh-CN" sz="1200" kern="1200" dirty="0" smtClean="0">
+              <a:rPr lang="en-US" altLang="zh-CN" sz="1200" kern="1200" dirty="0">
                 <a:solidFill>
                   <a:schemeClr val="tx1"/>
                 </a:solidFill>
@@ -4134,7 +4711,7 @@
               <a:t>/</a:t>
             </a:r>
             <a:r>
-              <a:rPr lang="en-US" altLang="zh-CN" sz="1200" kern="1200" dirty="0" err="1" smtClean="0">
+              <a:rPr lang="en-US" altLang="zh-CN" sz="1200" kern="1200" dirty="0" err="1">
                 <a:solidFill>
                   <a:schemeClr val="tx1"/>
                 </a:solidFill>
@@ -4146,7 +4723,7 @@
               <a:t>kubernetes</a:t>
             </a:r>
             <a:r>
-              <a:rPr lang="en-US" altLang="zh-CN" sz="1200" kern="1200" dirty="0" smtClean="0">
+              <a:rPr lang="en-US" altLang="zh-CN" sz="1200" kern="1200" dirty="0">
                 <a:solidFill>
                   <a:schemeClr val="tx1"/>
                 </a:solidFill>
@@ -4158,7 +4735,7 @@
               <a:t>/yum/doc/rpm-package-</a:t>
             </a:r>
             <a:r>
-              <a:rPr lang="en-US" altLang="zh-CN" sz="1200" kern="1200" dirty="0" err="1" smtClean="0">
+              <a:rPr lang="en-US" altLang="zh-CN" sz="1200" kern="1200" dirty="0" err="1">
                 <a:solidFill>
                   <a:schemeClr val="tx1"/>
                 </a:solidFill>
@@ -4170,7 +4747,7 @@
               <a:t>key.gpg</a:t>
             </a:r>
             <a:r>
-              <a:rPr lang="en-US" altLang="zh-CN" sz="1200" b="1" kern="1200" dirty="0" smtClean="0">
+              <a:rPr lang="en-US" altLang="zh-CN" sz="1200" b="1" kern="1200" dirty="0">
                 <a:solidFill>
                   <a:schemeClr val="tx1"/>
                 </a:solidFill>
@@ -4184,7 +4761,7 @@
           </a:p>
           <a:p>
             <a:r>
-              <a:rPr lang="en-US" altLang="zh-CN" sz="1200" b="1" kern="1200" dirty="0" smtClean="0">
+              <a:rPr lang="en-US" altLang="zh-CN" sz="1200" b="1" kern="1200" dirty="0">
                 <a:solidFill>
                   <a:schemeClr val="tx1"/>
                 </a:solidFill>
@@ -4196,7 +4773,7 @@
               <a:t>exclude=</a:t>
             </a:r>
             <a:r>
-              <a:rPr lang="en-US" altLang="zh-CN" sz="1200" b="1" kern="1200" dirty="0" err="1" smtClean="0">
+              <a:rPr lang="en-US" altLang="zh-CN" sz="1200" b="1" kern="1200" dirty="0" err="1">
                 <a:solidFill>
                   <a:schemeClr val="tx1"/>
                 </a:solidFill>
@@ -4208,7 +4785,7 @@
               <a:t>kube</a:t>
             </a:r>
             <a:r>
-              <a:rPr lang="en-US" altLang="zh-CN" sz="1200" b="1" kern="1200" dirty="0" smtClean="0">
+              <a:rPr lang="en-US" altLang="zh-CN" sz="1200" b="1" kern="1200" dirty="0">
                 <a:solidFill>
                   <a:schemeClr val="tx1"/>
                 </a:solidFill>
@@ -4222,7 +4799,7 @@
           </a:p>
           <a:p>
             <a:r>
-              <a:rPr lang="en-US" altLang="zh-CN" sz="1200" b="1" kern="1200" dirty="0" smtClean="0">
+              <a:rPr lang="en-US" altLang="zh-CN" sz="1200" b="1" kern="1200" dirty="0">
                 <a:solidFill>
                   <a:schemeClr val="tx1"/>
                 </a:solidFill>
@@ -4233,130 +4810,130 @@
               </a:rPr>
               <a:t>EOF</a:t>
             </a:r>
-            <a:endParaRPr lang="en-US" altLang="zh-CN" dirty="0" smtClean="0">
+            <a:endParaRPr lang="en-US" altLang="zh-CN" dirty="0">
               <a:effectLst/>
             </a:endParaRPr>
           </a:p>
           <a:p>
             <a:r>
-              <a:rPr lang="en-US" altLang="zh-CN" dirty="0" smtClean="0">
+              <a:rPr lang="en-US" altLang="zh-CN" dirty="0">
                 <a:effectLst/>
               </a:rPr>
               <a:t>yum install -y </a:t>
             </a:r>
             <a:r>
-              <a:rPr lang="en-US" altLang="zh-CN" dirty="0" err="1" smtClean="0">
+              <a:rPr lang="en-US" altLang="zh-CN" dirty="0" err="1">
                 <a:effectLst/>
               </a:rPr>
               <a:t>kubelet</a:t>
             </a:r>
             <a:r>
-              <a:rPr lang="en-US" altLang="zh-CN" dirty="0" smtClean="0">
+              <a:rPr lang="en-US" altLang="zh-CN" dirty="0">
                 <a:effectLst/>
               </a:rPr>
               <a:t> </a:t>
             </a:r>
             <a:r>
-              <a:rPr lang="en-US" altLang="zh-CN" dirty="0" err="1" smtClean="0">
+              <a:rPr lang="en-US" altLang="zh-CN" dirty="0" err="1">
                 <a:effectLst/>
               </a:rPr>
               <a:t>kubeadm</a:t>
             </a:r>
             <a:r>
-              <a:rPr lang="en-US" altLang="zh-CN" dirty="0" smtClean="0">
+              <a:rPr lang="en-US" altLang="zh-CN" dirty="0">
                 <a:effectLst/>
               </a:rPr>
               <a:t> </a:t>
             </a:r>
             <a:r>
-              <a:rPr lang="en-US" altLang="zh-CN" dirty="0" err="1" smtClean="0">
+              <a:rPr lang="en-US" altLang="zh-CN" dirty="0" err="1">
                 <a:effectLst/>
               </a:rPr>
               <a:t>kubectl</a:t>
             </a:r>
             <a:r>
-              <a:rPr lang="en-US" altLang="zh-CN" dirty="0" smtClean="0">
+              <a:rPr lang="en-US" altLang="zh-CN" dirty="0">
                 <a:effectLst/>
               </a:rPr>
               <a:t> --</a:t>
             </a:r>
             <a:r>
-              <a:rPr lang="en-US" altLang="zh-CN" dirty="0" err="1" smtClean="0">
+              <a:rPr lang="en-US" altLang="zh-CN" dirty="0" err="1">
                 <a:effectLst/>
               </a:rPr>
               <a:t>disableexcludes</a:t>
             </a:r>
             <a:r>
-              <a:rPr lang="en-US" altLang="zh-CN" dirty="0" smtClean="0">
+              <a:rPr lang="en-US" altLang="zh-CN" dirty="0">
                 <a:effectLst/>
               </a:rPr>
               <a:t>=</a:t>
             </a:r>
             <a:r>
-              <a:rPr lang="en-US" altLang="zh-CN" dirty="0" err="1" smtClean="0">
+              <a:rPr lang="en-US" altLang="zh-CN" dirty="0" err="1">
                 <a:effectLst/>
               </a:rPr>
               <a:t>kubernetes</a:t>
             </a:r>
-            <a:endParaRPr lang="en-US" altLang="zh-CN" dirty="0" smtClean="0">
+            <a:endParaRPr lang="en-US" altLang="zh-CN" dirty="0">
               <a:effectLst/>
             </a:endParaRPr>
           </a:p>
           <a:p>
             <a:r>
-              <a:rPr lang="en-US" altLang="zh-CN" dirty="0" err="1" smtClean="0">
+              <a:rPr lang="en-US" altLang="zh-CN" dirty="0" err="1">
                 <a:effectLst/>
               </a:rPr>
               <a:t>systemctl</a:t>
             </a:r>
             <a:r>
-              <a:rPr lang="en-US" altLang="zh-CN" dirty="0" smtClean="0">
+              <a:rPr lang="en-US" altLang="zh-CN" dirty="0">
                 <a:effectLst/>
               </a:rPr>
               <a:t> enable --now </a:t>
             </a:r>
             <a:r>
-              <a:rPr lang="en-US" altLang="zh-CN" dirty="0" err="1" smtClean="0">
+              <a:rPr lang="en-US" altLang="zh-CN" dirty="0" err="1">
                 <a:effectLst/>
               </a:rPr>
               <a:t>kubelet</a:t>
             </a:r>
-            <a:endParaRPr lang="en-US" altLang="zh-CN" dirty="0" smtClean="0">
+            <a:endParaRPr lang="en-US" altLang="zh-CN" dirty="0">
               <a:effectLst/>
             </a:endParaRPr>
           </a:p>
           <a:p>
-            <a:endParaRPr lang="en-US" altLang="zh-CN" dirty="0" smtClean="0">
+            <a:endParaRPr lang="en-US" altLang="zh-CN" dirty="0">
               <a:effectLst/>
             </a:endParaRPr>
           </a:p>
           <a:p>
             <a:r>
-              <a:rPr lang="en-US" altLang="zh-CN" dirty="0" smtClean="0">
+              <a:rPr lang="en-US" altLang="zh-CN" dirty="0">
                 <a:effectLst/>
               </a:rPr>
               <a:t>cat &lt;&lt;EOF &gt; /</a:t>
             </a:r>
             <a:r>
-              <a:rPr lang="en-US" altLang="zh-CN" dirty="0" err="1" smtClean="0">
+              <a:rPr lang="en-US" altLang="zh-CN" dirty="0" err="1">
                 <a:effectLst/>
               </a:rPr>
               <a:t>etc</a:t>
             </a:r>
             <a:r>
-              <a:rPr lang="en-US" altLang="zh-CN" dirty="0" smtClean="0">
+              <a:rPr lang="en-US" altLang="zh-CN" dirty="0">
                 <a:effectLst/>
               </a:rPr>
               <a:t>/</a:t>
             </a:r>
             <a:r>
-              <a:rPr lang="en-US" altLang="zh-CN" dirty="0" err="1" smtClean="0">
+              <a:rPr lang="en-US" altLang="zh-CN" dirty="0" err="1">
                 <a:effectLst/>
               </a:rPr>
               <a:t>sysctl.d</a:t>
             </a:r>
             <a:r>
-              <a:rPr lang="en-US" altLang="zh-CN" dirty="0" smtClean="0">
+              <a:rPr lang="en-US" altLang="zh-CN" dirty="0">
                 <a:effectLst/>
               </a:rPr>
               <a:t>/k8s.conf</a:t>
@@ -4364,7 +4941,7 @@
           </a:p>
           <a:p>
             <a:r>
-              <a:rPr lang="en-US" altLang="zh-CN" dirty="0" smtClean="0">
+              <a:rPr lang="en-US" altLang="zh-CN" dirty="0">
                 <a:effectLst/>
               </a:rPr>
               <a:t>net.bridge.bridge-nf-call-ip6tables = 1 </a:t>
@@ -4372,37 +4949,37 @@
           </a:p>
           <a:p>
             <a:r>
-              <a:rPr lang="en-US" altLang="zh-CN" dirty="0" err="1" smtClean="0">
+              <a:rPr lang="en-US" altLang="zh-CN" dirty="0" err="1">
                 <a:effectLst/>
               </a:rPr>
               <a:t>net.bridge.bridge</a:t>
             </a:r>
             <a:r>
-              <a:rPr lang="en-US" altLang="zh-CN" dirty="0" smtClean="0">
+              <a:rPr lang="en-US" altLang="zh-CN" dirty="0">
                 <a:effectLst/>
               </a:rPr>
               <a:t>-</a:t>
             </a:r>
             <a:r>
-              <a:rPr lang="en-US" altLang="zh-CN" dirty="0" err="1" smtClean="0">
+              <a:rPr lang="en-US" altLang="zh-CN" dirty="0" err="1">
                 <a:effectLst/>
               </a:rPr>
               <a:t>nf</a:t>
             </a:r>
             <a:r>
-              <a:rPr lang="en-US" altLang="zh-CN" dirty="0" smtClean="0">
+              <a:rPr lang="en-US" altLang="zh-CN" dirty="0">
                 <a:effectLst/>
               </a:rPr>
               <a:t>-call-</a:t>
             </a:r>
             <a:r>
-              <a:rPr lang="en-US" altLang="zh-CN" dirty="0" err="1" smtClean="0">
+              <a:rPr lang="en-US" altLang="zh-CN" dirty="0" err="1">
                 <a:effectLst/>
               </a:rPr>
               <a:t>iptables</a:t>
             </a:r>
             <a:r>
-              <a:rPr lang="en-US" altLang="zh-CN" dirty="0" smtClean="0">
+              <a:rPr lang="en-US" altLang="zh-CN" dirty="0">
                 <a:effectLst/>
               </a:rPr>
               <a:t> = 1</a:t>
@@ -4410,7 +4987,7 @@
           </a:p>
           <a:p>
             <a:r>
-              <a:rPr lang="en-US" altLang="zh-CN" dirty="0" smtClean="0">
+              <a:rPr lang="en-US" altLang="zh-CN" dirty="0">
                 <a:effectLst/>
               </a:rPr>
               <a:t>net.ipv4.ip_forward = 1 </a:t>
@@ -4418,7 +4995,7 @@
           </a:p>
           <a:p>
             <a:r>
-              <a:rPr lang="en-US" altLang="zh-CN" dirty="0" smtClean="0">
+              <a:rPr lang="en-US" altLang="zh-CN" dirty="0">
                 <a:effectLst/>
               </a:rPr>
               <a:t>EOF</a:t>
@@ -4426,85 +5003,85 @@
           </a:p>
           <a:p>
             <a:r>
-              <a:rPr lang="en-US" altLang="zh-CN" dirty="0" err="1" smtClean="0">
+              <a:rPr lang="en-US" altLang="zh-CN" dirty="0" err="1">
                 <a:effectLst/>
               </a:rPr>
               <a:t>modprobe</a:t>
             </a:r>
             <a:r>
-              <a:rPr lang="en-US" altLang="zh-CN" dirty="0" smtClean="0">
+              <a:rPr lang="en-US" altLang="zh-CN" dirty="0">
                 <a:effectLst/>
               </a:rPr>
               <a:t> </a:t>
             </a:r>
             <a:r>
-              <a:rPr lang="en-US" altLang="zh-CN" dirty="0" err="1" smtClean="0">
+              <a:rPr lang="en-US" altLang="zh-CN" dirty="0" err="1">
                 <a:effectLst/>
               </a:rPr>
               <a:t>br_netfilter</a:t>
             </a:r>
-            <a:endParaRPr lang="en-US" altLang="zh-CN" dirty="0" smtClean="0">
+            <a:endParaRPr lang="en-US" altLang="zh-CN" dirty="0">
               <a:effectLst/>
             </a:endParaRPr>
           </a:p>
           <a:p>
             <a:r>
-              <a:rPr lang="en-US" altLang="zh-CN" dirty="0" err="1" smtClean="0">
+              <a:rPr lang="en-US" altLang="zh-CN" dirty="0" err="1">
                 <a:effectLst/>
               </a:rPr>
               <a:t>sysctl</a:t>
             </a:r>
             <a:r>
-              <a:rPr lang="en-US" altLang="zh-CN" dirty="0" smtClean="0">
+              <a:rPr lang="en-US" altLang="zh-CN" dirty="0">
                 <a:effectLst/>
               </a:rPr>
               <a:t> -p /</a:t>
             </a:r>
             <a:r>
-              <a:rPr lang="en-US" altLang="zh-CN" dirty="0" err="1" smtClean="0">
+              <a:rPr lang="en-US" altLang="zh-CN" dirty="0" err="1">
                 <a:effectLst/>
               </a:rPr>
               <a:t>etc</a:t>
             </a:r>
             <a:r>
-              <a:rPr lang="en-US" altLang="zh-CN" dirty="0" smtClean="0">
+              <a:rPr lang="en-US" altLang="zh-CN" dirty="0">
                 <a:effectLst/>
               </a:rPr>
               <a:t>/</a:t>
             </a:r>
             <a:r>
-              <a:rPr lang="en-US" altLang="zh-CN" dirty="0" err="1" smtClean="0">
+              <a:rPr lang="en-US" altLang="zh-CN" dirty="0" err="1">
                 <a:effectLst/>
               </a:rPr>
               <a:t>sysctl.d</a:t>
             </a:r>
             <a:r>
-              <a:rPr lang="en-US" altLang="zh-CN" dirty="0" smtClean="0">
+              <a:rPr lang="en-US" altLang="zh-CN" dirty="0">
                 <a:effectLst/>
               </a:rPr>
               <a:t>/k8s.conf</a:t>
             </a:r>
           </a:p>
           <a:p>
-            <a:endParaRPr lang="en-US" altLang="zh-CN" dirty="0" smtClean="0">
+            <a:endParaRPr lang="en-US" altLang="zh-CN" dirty="0">
               <a:effectLst/>
             </a:endParaRPr>
           </a:p>
           <a:p>
             <a:r>
-              <a:rPr lang="en-US" altLang="zh-CN" dirty="0" smtClean="0">
+              <a:rPr lang="en-US" altLang="zh-CN" dirty="0">
                 <a:effectLst/>
               </a:rPr>
               <a:t>yum install -y yum-</a:t>
             </a:r>
             <a:r>
-              <a:rPr lang="en-US" altLang="zh-CN" dirty="0" err="1" smtClean="0">
+              <a:rPr lang="en-US" altLang="zh-CN" dirty="0" err="1">
                 <a:effectLst/>
               </a:rPr>
               <a:t>utils</a:t>
             </a:r>
             <a:r>
-              <a:rPr lang="en-US" altLang="zh-CN" dirty="0" smtClean="0">
+              <a:rPr lang="en-US" altLang="zh-CN" dirty="0">
                 <a:effectLst/>
               </a:rPr>
               <a:t> device-mapper-persistent-data lvm2</a:t>
@@ -4512,72 +5089,72 @@
           </a:p>
           <a:p>
             <a:r>
-              <a:rPr lang="en-US" altLang="zh-CN" dirty="0" smtClean="0">
+              <a:rPr lang="en-US" altLang="zh-CN" dirty="0">
                 <a:effectLst/>
               </a:rPr>
               <a:t>yum-</a:t>
             </a:r>
             <a:r>
-              <a:rPr lang="en-US" altLang="zh-CN" dirty="0" err="1" smtClean="0">
+              <a:rPr lang="en-US" altLang="zh-CN" dirty="0" err="1">
                 <a:effectLst/>
               </a:rPr>
               <a:t>config</a:t>
             </a:r>
             <a:r>
-              <a:rPr lang="en-US" altLang="zh-CN" dirty="0" smtClean="0">
+              <a:rPr lang="en-US" altLang="zh-CN" dirty="0">
                 <a:effectLst/>
               </a:rPr>
               <a:t>-manager --add-repo https://</a:t>
             </a:r>
             <a:r>
-              <a:rPr lang="en-US" altLang="zh-CN" dirty="0" err="1" smtClean="0">
+              <a:rPr lang="en-US" altLang="zh-CN" dirty="0" err="1">
                 <a:effectLst/>
               </a:rPr>
               <a:t>download.docker.com</a:t>
             </a:r>
             <a:r>
-              <a:rPr lang="en-US" altLang="zh-CN" dirty="0" smtClean="0">
+              <a:rPr lang="en-US" altLang="zh-CN" dirty="0">
                 <a:effectLst/>
               </a:rPr>
               <a:t>/</a:t>
             </a:r>
             <a:r>
-              <a:rPr lang="en-US" altLang="zh-CN" dirty="0" err="1" smtClean="0">
+              <a:rPr lang="en-US" altLang="zh-CN" dirty="0" err="1">
                 <a:effectLst/>
               </a:rPr>
               <a:t>linux</a:t>
             </a:r>
             <a:r>
-              <a:rPr lang="en-US" altLang="zh-CN" dirty="0" smtClean="0">
+              <a:rPr lang="en-US" altLang="zh-CN" dirty="0">
                 <a:effectLst/>
               </a:rPr>
               <a:t>/centos/</a:t>
             </a:r>
             <a:r>
-              <a:rPr lang="en-US" altLang="zh-CN" dirty="0" err="1" smtClean="0">
+              <a:rPr lang="en-US" altLang="zh-CN" dirty="0" err="1">
                 <a:effectLst/>
               </a:rPr>
               <a:t>docker-ce.repo</a:t>
             </a:r>
-            <a:endParaRPr lang="en-US" altLang="zh-CN" dirty="0" smtClean="0">
+            <a:endParaRPr lang="en-US" altLang="zh-CN" dirty="0">
               <a:effectLst/>
             </a:endParaRPr>
           </a:p>
           <a:p>
             <a:r>
-              <a:rPr lang="en-US" altLang="zh-CN" dirty="0" smtClean="0">
+              <a:rPr lang="en-US" altLang="zh-CN" dirty="0">
                 <a:effectLst/>
               </a:rPr>
               <a:t>yum </a:t>
             </a:r>
             <a:r>
-              <a:rPr lang="en-US" altLang="zh-CN" dirty="0" err="1" smtClean="0">
+              <a:rPr lang="en-US" altLang="zh-CN" dirty="0" err="1">
                 <a:effectLst/>
               </a:rPr>
               <a:t>makecache</a:t>
             </a:r>
             <a:r>
-              <a:rPr lang="en-US" altLang="zh-CN" dirty="0" smtClean="0">
+              <a:rPr lang="en-US" altLang="zh-CN" dirty="0">
                 <a:effectLst/>
               </a:rPr>
               <a:t> fast</a:t>
@@ -4585,19 +5162,19 @@
           </a:p>
           <a:p>
             <a:r>
-              <a:rPr lang="en-US" altLang="zh-CN" dirty="0" smtClean="0">
+              <a:rPr lang="en-US" altLang="zh-CN" dirty="0">
                 <a:effectLst/>
               </a:rPr>
               <a:t>yum install -y --</a:t>
             </a:r>
             <a:r>
-              <a:rPr lang="en-US" altLang="zh-CN" dirty="0" err="1" smtClean="0">
+              <a:rPr lang="en-US" altLang="zh-CN" dirty="0" err="1">
                 <a:effectLst/>
               </a:rPr>
               <a:t>setopt</a:t>
             </a:r>
             <a:r>
-              <a:rPr lang="en-US" altLang="zh-CN" dirty="0" smtClean="0">
+              <a:rPr lang="en-US" altLang="zh-CN" dirty="0">
                 <a:effectLst/>
               </a:rPr>
               <a:t>=obsoletes=0 docker-ce-18.06.1.ce-3.el7</a:t>
@@ -4605,93 +5182,93 @@
           </a:p>
           <a:p>
             <a:r>
-              <a:rPr lang="en-US" altLang="zh-CN" dirty="0" err="1" smtClean="0">
+              <a:rPr lang="en-US" altLang="zh-CN" dirty="0" err="1">
                 <a:effectLst/>
               </a:rPr>
               <a:t>systemctl</a:t>
             </a:r>
             <a:r>
-              <a:rPr lang="en-US" altLang="zh-CN" dirty="0" smtClean="0">
+              <a:rPr lang="en-US" altLang="zh-CN" dirty="0">
                 <a:effectLst/>
               </a:rPr>
               <a:t> start </a:t>
             </a:r>
             <a:r>
-              <a:rPr lang="en-US" altLang="zh-CN" dirty="0" err="1" smtClean="0">
+              <a:rPr lang="en-US" altLang="zh-CN" dirty="0" err="1">
                 <a:effectLst/>
               </a:rPr>
               <a:t>docker</a:t>
             </a:r>
-            <a:endParaRPr lang="en-US" altLang="zh-CN" dirty="0" smtClean="0">
+            <a:endParaRPr lang="en-US" altLang="zh-CN" dirty="0">
               <a:effectLst/>
             </a:endParaRPr>
           </a:p>
           <a:p>
             <a:r>
-              <a:rPr lang="en-US" altLang="zh-CN" dirty="0" err="1" smtClean="0">
+              <a:rPr lang="en-US" altLang="zh-CN" dirty="0" err="1">
                 <a:effectLst/>
               </a:rPr>
               <a:t>systemctl</a:t>
             </a:r>
             <a:r>
-              <a:rPr lang="en-US" altLang="zh-CN" dirty="0" smtClean="0">
+              <a:rPr lang="en-US" altLang="zh-CN" dirty="0">
                 <a:effectLst/>
               </a:rPr>
               <a:t> enable </a:t>
             </a:r>
             <a:r>
-              <a:rPr lang="en-US" altLang="zh-CN" dirty="0" err="1" smtClean="0">
+              <a:rPr lang="en-US" altLang="zh-CN" dirty="0" err="1">
                 <a:effectLst/>
               </a:rPr>
               <a:t>docker</a:t>
             </a:r>
-            <a:endParaRPr lang="en-US" altLang="zh-CN" dirty="0" smtClean="0">
+            <a:endParaRPr lang="en-US" altLang="zh-CN" dirty="0">
               <a:effectLst/>
             </a:endParaRPr>
           </a:p>
           <a:p>
             <a:r>
-              <a:rPr lang="en-US" altLang="zh-CN" dirty="0" err="1" smtClean="0">
+              <a:rPr lang="en-US" altLang="zh-CN" dirty="0" err="1">
                 <a:effectLst/>
               </a:rPr>
               <a:t>iptables</a:t>
             </a:r>
             <a:r>
-              <a:rPr lang="en-US" altLang="zh-CN" dirty="0" smtClean="0">
+              <a:rPr lang="en-US" altLang="zh-CN" dirty="0">
                 <a:effectLst/>
               </a:rPr>
               <a:t> </a:t>
             </a:r>
             <a:r>
-              <a:rPr lang="mr-IN" altLang="zh-CN" dirty="0" smtClean="0">
+              <a:rPr lang="mr-IN" altLang="zh-CN" dirty="0">
                 <a:effectLst/>
               </a:rPr>
               <a:t>–</a:t>
             </a:r>
             <a:r>
-              <a:rPr lang="en-US" altLang="zh-CN" dirty="0" err="1" smtClean="0">
+              <a:rPr lang="en-US" altLang="zh-CN" dirty="0" err="1">
                 <a:effectLst/>
               </a:rPr>
               <a:t>nvL</a:t>
             </a:r>
-            <a:endParaRPr lang="en-US" altLang="zh-CN" dirty="0" smtClean="0">
+            <a:endParaRPr lang="en-US" altLang="zh-CN" dirty="0">
               <a:effectLst/>
             </a:endParaRPr>
           </a:p>
           <a:p>
-            <a:endParaRPr lang="en-US" altLang="zh-CN" dirty="0" smtClean="0">
+            <a:endParaRPr lang="en-US" altLang="zh-CN" dirty="0">
               <a:effectLst/>
             </a:endParaRPr>
           </a:p>
           <a:p>
             <a:r>
-              <a:rPr lang="en-US" altLang="zh-CN" dirty="0" err="1" smtClean="0">
+              <a:rPr lang="en-US" altLang="zh-CN" dirty="0" err="1">
                 <a:effectLst/>
               </a:rPr>
               <a:t>swapoff</a:t>
             </a:r>
             <a:r>
-              <a:rPr lang="en-US" altLang="zh-CN" dirty="0" smtClean="0">
+              <a:rPr lang="en-US" altLang="zh-CN" dirty="0">
                 <a:effectLst/>
               </a:rPr>
               <a:t> -a</a:t>
@@ -4699,29 +5276,29 @@
           </a:p>
           <a:p>
             <a:r>
-              <a:rPr lang="en-US" altLang="zh-CN" dirty="0" smtClean="0">
+              <a:rPr lang="en-US" altLang="zh-CN" dirty="0">
                 <a:effectLst/>
               </a:rPr>
               <a:t>free -m</a:t>
             </a:r>
           </a:p>
           <a:p>
-            <a:endParaRPr lang="en-US" altLang="zh-CN" dirty="0" smtClean="0">
+            <a:endParaRPr lang="en-US" altLang="zh-CN" dirty="0">
               <a:effectLst/>
             </a:endParaRPr>
           </a:p>
           <a:p>
-            <a:endParaRPr lang="en-US" altLang="zh-CN" dirty="0" smtClean="0">
+            <a:endParaRPr lang="en-US" altLang="zh-CN" dirty="0">
               <a:effectLst/>
             </a:endParaRPr>
           </a:p>
           <a:p>
-            <a:endParaRPr lang="en-US" altLang="zh-CN" dirty="0" smtClean="0">
+            <a:endParaRPr lang="en-US" altLang="zh-CN" dirty="0">
               <a:effectLst/>
             </a:endParaRPr>
           </a:p>
           <a:p>
-            <a:endParaRPr lang="en-US" altLang="zh-CN" dirty="0" smtClean="0">
+            <a:endParaRPr lang="en-US" altLang="zh-CN" dirty="0">
               <a:effectLst/>
             </a:endParaRPr>
           </a:p>
@@ -4813,7 +5390,7 @@
           <a:lstStyle/>
           <a:p>
             <a:r>
-              <a:rPr lang="en-US" altLang="zh-CN" sz="1200" kern="1200" dirty="0" err="1" smtClean="0">
+              <a:rPr lang="en-US" altLang="zh-CN" sz="1200" kern="1200" dirty="0" err="1">
                 <a:solidFill>
                   <a:schemeClr val="tx1"/>
                 </a:solidFill>
@@ -4825,7 +5402,7 @@
               <a:t>docker</a:t>
             </a:r>
             <a:r>
-              <a:rPr lang="en-US" altLang="zh-CN" sz="1200" kern="1200" dirty="0" smtClean="0">
+              <a:rPr lang="en-US" altLang="zh-CN" sz="1200" kern="1200" dirty="0">
                 <a:solidFill>
                   <a:schemeClr val="tx1"/>
                 </a:solidFill>
@@ -4837,7 +5414,7 @@
               <a:t> pull </a:t>
             </a:r>
             <a:r>
-              <a:rPr lang="en-US" altLang="zh-CN" sz="1200" kern="1200" dirty="0" err="1" smtClean="0">
+              <a:rPr lang="en-US" altLang="zh-CN" sz="1200" kern="1200" dirty="0" err="1">
                 <a:solidFill>
                   <a:schemeClr val="tx1"/>
                 </a:solidFill>
@@ -4849,7 +5426,7 @@
               <a:t>mirrorgooglecontainers</a:t>
             </a:r>
             <a:r>
-              <a:rPr lang="en-US" altLang="zh-CN" sz="1200" b="1" kern="1200" dirty="0" smtClean="0">
+              <a:rPr lang="en-US" altLang="zh-CN" sz="1200" b="1" kern="1200" dirty="0">
                 <a:solidFill>
                   <a:schemeClr val="tx1"/>
                 </a:solidFill>
@@ -4861,14 +5438,11 @@
               <a:t>/</a:t>
             </a:r>
             <a:r>
-              <a:rPr lang="en-US" altLang="zh-CN" dirty="0" smtClean="0">
+              <a:rPr lang="en-US" altLang="zh-CN" dirty="0">
                 <a:effectLst/>
               </a:rPr>
               <a:t>kube-apiserver:v1.15.0</a:t>
             </a:r>
-            <a:endParaRPr lang="en-US" altLang="zh-CN" dirty="0" smtClean="0">
-              <a:effectLst/>
-            </a:endParaRPr>
           </a:p>
           <a:p>
             <a:pPr marL="0" marR="0" indent="0" algn="l" defTabSz="914400" rtl="0" eaLnBrk="1" fontAlgn="auto" latinLnBrk="0" hangingPunct="1">
@@ -4889,7 +5463,7 @@
               <a:defRPr/>
             </a:pPr>
             <a:r>
-              <a:rPr lang="en-US" altLang="zh-CN" sz="1200" kern="1200" dirty="0" err="1" smtClean="0">
+              <a:rPr lang="en-US" altLang="zh-CN" sz="1200" kern="1200" dirty="0" err="1">
                 <a:solidFill>
                   <a:schemeClr val="tx1"/>
                 </a:solidFill>
@@ -4901,7 +5475,7 @@
               <a:t>docker</a:t>
             </a:r>
             <a:r>
-              <a:rPr lang="en-US" altLang="zh-CN" sz="1200" kern="1200" dirty="0" smtClean="0">
+              <a:rPr lang="en-US" altLang="zh-CN" sz="1200" kern="1200" dirty="0">
                 <a:solidFill>
                   <a:schemeClr val="tx1"/>
                 </a:solidFill>
@@ -4913,7 +5487,7 @@
               <a:t> tag </a:t>
             </a:r>
             <a:r>
-              <a:rPr lang="en-US" altLang="zh-CN" sz="1200" kern="1200" dirty="0" err="1" smtClean="0">
+              <a:rPr lang="en-US" altLang="zh-CN" sz="1200" kern="1200" dirty="0" err="1">
                 <a:solidFill>
                   <a:schemeClr val="tx1"/>
                 </a:solidFill>
@@ -4925,7 +5499,7 @@
               <a:t>mirrorgooglecontainers</a:t>
             </a:r>
             <a:r>
-              <a:rPr lang="en-US" altLang="zh-CN" sz="1200" b="1" kern="1200" dirty="0" smtClean="0">
+              <a:rPr lang="en-US" altLang="zh-CN" sz="1200" b="1" kern="1200" dirty="0">
                 <a:solidFill>
                   <a:schemeClr val="tx1"/>
                 </a:solidFill>
@@ -4937,7 +5511,7 @@
               <a:t>/</a:t>
             </a:r>
             <a:r>
-              <a:rPr lang="en-US" altLang="zh-CN" dirty="0" smtClean="0">
+              <a:rPr lang="en-US" altLang="zh-CN" dirty="0">
                 <a:effectLst/>
               </a:rPr>
               <a:t>kube-apiserver:v1.15.0 k8s.gcr.io/kube-apiserver:v1.15.0</a:t>
@@ -4962,7 +5536,7 @@
               <a:defRPr/>
             </a:pPr>
             <a:r>
-              <a:rPr lang="en-US" altLang="zh-CN" sz="1200" kern="1200" dirty="0" err="1" smtClean="0">
+              <a:rPr lang="en-US" altLang="zh-CN" sz="1200" kern="1200" dirty="0" err="1">
                 <a:solidFill>
                   <a:schemeClr val="tx1"/>
                 </a:solidFill>
@@ -4974,31 +5548,19 @@
               <a:t>docker</a:t>
             </a:r>
             <a:r>
-              <a:rPr lang="en-US" altLang="zh-CN" sz="1200" kern="1200" dirty="0" smtClean="0">
-                <a:solidFill>
-                  <a:schemeClr val="tx1"/>
-                </a:solidFill>
-                <a:effectLst/>
-                <a:latin typeface="+mn-lt"/>
-                <a:ea typeface="+mn-ea"/>
-                <a:cs typeface="+mn-cs"/>
-              </a:rPr>
-              <a:t> </a:t>
-            </a:r>
-            <a:r>
-              <a:rPr lang="en-US" altLang="zh-CN" sz="1200" kern="1200" dirty="0" smtClean="0">
-                <a:solidFill>
-                  <a:schemeClr val="tx1"/>
-                </a:solidFill>
-                <a:effectLst/>
-                <a:latin typeface="+mn-lt"/>
-                <a:ea typeface="+mn-ea"/>
-                <a:cs typeface="+mn-cs"/>
-              </a:rPr>
-              <a:t>pull </a:t>
-            </a:r>
-            <a:r>
-              <a:rPr lang="en-US" altLang="zh-CN" sz="1200" kern="1200" dirty="0" err="1" smtClean="0">
+              <a:rPr lang="en-US" altLang="zh-CN" sz="1200" kern="1200" dirty="0">
+                <a:solidFill>
+                  <a:schemeClr val="tx1"/>
+                </a:solidFill>
+                <a:effectLst/>
+                <a:latin typeface="+mn-lt"/>
+                <a:ea typeface="+mn-ea"/>
+                <a:cs typeface="+mn-cs"/>
+              </a:rPr>
+              <a:t> pull </a:t>
+            </a:r>
+            <a:r>
+              <a:rPr lang="en-US" altLang="zh-CN" sz="1200" kern="1200" dirty="0" err="1">
                 <a:solidFill>
                   <a:schemeClr val="tx1"/>
                 </a:solidFill>
@@ -5010,7 +5572,7 @@
               <a:t>mirrorgooglecontainers</a:t>
             </a:r>
             <a:r>
-              <a:rPr lang="en-US" altLang="zh-CN" sz="1200" b="1" kern="1200" dirty="0" smtClean="0">
+              <a:rPr lang="en-US" altLang="zh-CN" sz="1200" b="1" kern="1200" dirty="0">
                 <a:solidFill>
                   <a:schemeClr val="tx1"/>
                 </a:solidFill>
@@ -5022,18 +5584,15 @@
               <a:t>/</a:t>
             </a:r>
             <a:r>
-              <a:rPr lang="en-US" altLang="zh-CN" dirty="0" smtClean="0">
+              <a:rPr lang="en-US" altLang="zh-CN" dirty="0">
                 <a:effectLst/>
               </a:rPr>
               <a:t>kube-controller-manager:v1.15.0</a:t>
             </a:r>
-            <a:endParaRPr lang="en-US" altLang="zh-CN" dirty="0" smtClean="0">
-              <a:effectLst/>
-            </a:endParaRPr>
-          </a:p>
-          <a:p>
-            <a:r>
-              <a:rPr lang="en-US" altLang="zh-CN" sz="1200" kern="1200" dirty="0" err="1" smtClean="0">
+          </a:p>
+          <a:p>
+            <a:r>
+              <a:rPr lang="en-US" altLang="zh-CN" sz="1200" kern="1200" dirty="0" err="1">
                 <a:solidFill>
                   <a:schemeClr val="tx1"/>
                 </a:solidFill>
@@ -5045,7 +5604,7 @@
               <a:t>docker</a:t>
             </a:r>
             <a:r>
-              <a:rPr lang="en-US" altLang="zh-CN" sz="1200" kern="1200" dirty="0" smtClean="0">
+              <a:rPr lang="en-US" altLang="zh-CN" sz="1200" kern="1200" dirty="0">
                 <a:solidFill>
                   <a:schemeClr val="tx1"/>
                 </a:solidFill>
@@ -5057,7 +5616,7 @@
               <a:t> tag </a:t>
             </a:r>
             <a:r>
-              <a:rPr lang="en-US" altLang="zh-CN" sz="1200" kern="1200" dirty="0" err="1" smtClean="0">
+              <a:rPr lang="en-US" altLang="zh-CN" sz="1200" kern="1200" dirty="0" err="1">
                 <a:solidFill>
                   <a:schemeClr val="tx1"/>
                 </a:solidFill>
@@ -5069,7 +5628,7 @@
               <a:t>mirrorgooglecontainers</a:t>
             </a:r>
             <a:r>
-              <a:rPr lang="en-US" altLang="zh-CN" sz="1200" b="1" kern="1200" dirty="0" smtClean="0">
+              <a:rPr lang="en-US" altLang="zh-CN" sz="1200" b="1" kern="1200" dirty="0">
                 <a:solidFill>
                   <a:schemeClr val="tx1"/>
                 </a:solidFill>
@@ -5081,18 +5640,15 @@
               <a:t>/</a:t>
             </a:r>
             <a:r>
-              <a:rPr lang="en-US" altLang="zh-CN" dirty="0" smtClean="0">
+              <a:rPr lang="en-US" altLang="zh-CN" dirty="0">
                 <a:effectLst/>
               </a:rPr>
               <a:t>kube-controller-manager:v1.15.0 k8s.gcr.io/kube-controller-manager:v1.15.0</a:t>
             </a:r>
-            <a:endParaRPr lang="en-US" altLang="zh-CN" dirty="0" smtClean="0">
-              <a:effectLst/>
-            </a:endParaRPr>
-          </a:p>
-          <a:p>
-            <a:r>
-              <a:rPr lang="en-US" altLang="zh-CN" sz="1200" kern="1200" dirty="0" err="1" smtClean="0">
+          </a:p>
+          <a:p>
+            <a:r>
+              <a:rPr lang="en-US" altLang="zh-CN" sz="1200" kern="1200" dirty="0" err="1">
                 <a:solidFill>
                   <a:schemeClr val="tx1"/>
                 </a:solidFill>
@@ -5104,7 +5660,7 @@
               <a:t>docker</a:t>
             </a:r>
             <a:r>
-              <a:rPr lang="en-US" altLang="zh-CN" sz="1200" kern="1200" dirty="0" smtClean="0">
+              <a:rPr lang="en-US" altLang="zh-CN" sz="1200" kern="1200" dirty="0">
                 <a:solidFill>
                   <a:schemeClr val="tx1"/>
                 </a:solidFill>
@@ -5116,7 +5672,7 @@
               <a:t> pull </a:t>
             </a:r>
             <a:r>
-              <a:rPr lang="en-US" altLang="zh-CN" sz="1200" kern="1200" dirty="0" err="1" smtClean="0">
+              <a:rPr lang="en-US" altLang="zh-CN" sz="1200" kern="1200" dirty="0" err="1">
                 <a:solidFill>
                   <a:schemeClr val="tx1"/>
                 </a:solidFill>
@@ -5128,7 +5684,7 @@
               <a:t>mirrorgooglecontainers</a:t>
             </a:r>
             <a:r>
-              <a:rPr lang="en-US" altLang="zh-CN" sz="1200" b="1" kern="1200" dirty="0" smtClean="0">
+              <a:rPr lang="en-US" altLang="zh-CN" sz="1200" b="1" kern="1200" dirty="0">
                 <a:solidFill>
                   <a:schemeClr val="tx1"/>
                 </a:solidFill>
@@ -5140,18 +5696,15 @@
               <a:t>/</a:t>
             </a:r>
             <a:r>
-              <a:rPr lang="en-US" altLang="zh-CN" dirty="0" smtClean="0">
+              <a:rPr lang="en-US" altLang="zh-CN" dirty="0">
                 <a:effectLst/>
               </a:rPr>
               <a:t>kube-scheduler:v1.15.0</a:t>
             </a:r>
-            <a:endParaRPr lang="en-US" altLang="zh-CN" dirty="0" smtClean="0">
-              <a:effectLst/>
-            </a:endParaRPr>
-          </a:p>
-          <a:p>
-            <a:r>
-              <a:rPr lang="en-US" altLang="zh-CN" sz="1200" kern="1200" dirty="0" err="1" smtClean="0">
+          </a:p>
+          <a:p>
+            <a:r>
+              <a:rPr lang="en-US" altLang="zh-CN" sz="1200" kern="1200" dirty="0" err="1">
                 <a:solidFill>
                   <a:schemeClr val="tx1"/>
                 </a:solidFill>
@@ -5163,7 +5716,7 @@
               <a:t>docker</a:t>
             </a:r>
             <a:r>
-              <a:rPr lang="en-US" altLang="zh-CN" sz="1200" kern="1200" dirty="0" smtClean="0">
+              <a:rPr lang="en-US" altLang="zh-CN" sz="1200" kern="1200" dirty="0">
                 <a:solidFill>
                   <a:schemeClr val="tx1"/>
                 </a:solidFill>
@@ -5175,7 +5728,7 @@
               <a:t> tag </a:t>
             </a:r>
             <a:r>
-              <a:rPr lang="en-US" altLang="zh-CN" sz="1200" kern="1200" dirty="0" err="1" smtClean="0">
+              <a:rPr lang="en-US" altLang="zh-CN" sz="1200" kern="1200" dirty="0" err="1">
                 <a:solidFill>
                   <a:schemeClr val="tx1"/>
                 </a:solidFill>
@@ -5187,7 +5740,7 @@
               <a:t>mirrorgooglecontainers</a:t>
             </a:r>
             <a:r>
-              <a:rPr lang="en-US" altLang="zh-CN" sz="1200" b="1" kern="1200" dirty="0" smtClean="0">
+              <a:rPr lang="en-US" altLang="zh-CN" sz="1200" b="1" kern="1200" dirty="0">
                 <a:solidFill>
                   <a:schemeClr val="tx1"/>
                 </a:solidFill>
@@ -5199,18 +5752,15 @@
               <a:t>/</a:t>
             </a:r>
             <a:r>
-              <a:rPr lang="en-US" altLang="zh-CN" dirty="0" smtClean="0">
+              <a:rPr lang="en-US" altLang="zh-CN" dirty="0">
                 <a:effectLst/>
               </a:rPr>
               <a:t>kube-scheduler:v1.15.0 k8s.gcr.io/kube-scheduler:v1.15.0</a:t>
             </a:r>
-            <a:endParaRPr lang="en-US" altLang="zh-CN" dirty="0" smtClean="0">
-              <a:effectLst/>
-            </a:endParaRPr>
-          </a:p>
-          <a:p>
-            <a:r>
-              <a:rPr lang="en-US" altLang="zh-CN" sz="1200" kern="1200" dirty="0" err="1" smtClean="0">
+          </a:p>
+          <a:p>
+            <a:r>
+              <a:rPr lang="en-US" altLang="zh-CN" sz="1200" kern="1200" dirty="0" err="1">
                 <a:solidFill>
                   <a:schemeClr val="tx1"/>
                 </a:solidFill>
@@ -5222,7 +5772,7 @@
               <a:t>docker</a:t>
             </a:r>
             <a:r>
-              <a:rPr lang="en-US" altLang="zh-CN" sz="1200" kern="1200" dirty="0" smtClean="0">
+              <a:rPr lang="en-US" altLang="zh-CN" sz="1200" kern="1200" dirty="0">
                 <a:solidFill>
                   <a:schemeClr val="tx1"/>
                 </a:solidFill>
@@ -5234,7 +5784,7 @@
               <a:t> pull </a:t>
             </a:r>
             <a:r>
-              <a:rPr lang="en-US" altLang="zh-CN" sz="1200" kern="1200" dirty="0" err="1" smtClean="0">
+              <a:rPr lang="en-US" altLang="zh-CN" sz="1200" kern="1200" dirty="0" err="1">
                 <a:solidFill>
                   <a:schemeClr val="tx1"/>
                 </a:solidFill>
@@ -5246,18 +5796,15 @@
               <a:t>mirrorgooglecontainers</a:t>
             </a:r>
             <a:r>
-              <a:rPr lang="en-US" altLang="zh-CN" dirty="0" smtClean="0">
+              <a:rPr lang="en-US" altLang="zh-CN" dirty="0">
                 <a:effectLst/>
               </a:rPr>
               <a:t>/kube-proxy:v1.15.0</a:t>
             </a:r>
-            <a:endParaRPr lang="en-US" altLang="zh-CN" dirty="0" smtClean="0">
-              <a:effectLst/>
-            </a:endParaRPr>
-          </a:p>
-          <a:p>
-            <a:r>
-              <a:rPr lang="en-US" altLang="zh-CN" sz="1200" kern="1200" dirty="0" err="1" smtClean="0">
+          </a:p>
+          <a:p>
+            <a:r>
+              <a:rPr lang="en-US" altLang="zh-CN" sz="1200" kern="1200" dirty="0" err="1">
                 <a:solidFill>
                   <a:schemeClr val="tx1"/>
                 </a:solidFill>
@@ -5269,7 +5816,7 @@
               <a:t>docker</a:t>
             </a:r>
             <a:r>
-              <a:rPr lang="en-US" altLang="zh-CN" sz="1200" kern="1200" dirty="0" smtClean="0">
+              <a:rPr lang="en-US" altLang="zh-CN" sz="1200" kern="1200" dirty="0">
                 <a:solidFill>
                   <a:schemeClr val="tx1"/>
                 </a:solidFill>
@@ -5281,7 +5828,7 @@
               <a:t> tag </a:t>
             </a:r>
             <a:r>
-              <a:rPr lang="en-US" altLang="zh-CN" sz="1200" kern="1200" dirty="0" err="1" smtClean="0">
+              <a:rPr lang="en-US" altLang="zh-CN" sz="1200" kern="1200" dirty="0" err="1">
                 <a:solidFill>
                   <a:schemeClr val="tx1"/>
                 </a:solidFill>
@@ -5293,18 +5840,15 @@
               <a:t>mirrorgooglecontainers</a:t>
             </a:r>
             <a:r>
-              <a:rPr lang="en-US" altLang="zh-CN" dirty="0" smtClean="0">
+              <a:rPr lang="en-US" altLang="zh-CN" dirty="0">
                 <a:effectLst/>
               </a:rPr>
               <a:t>/kube-proxy:v1.15.0 k8s.gcr.io/kube-proxy:v1.15.0</a:t>
             </a:r>
-            <a:endParaRPr lang="en-US" altLang="zh-CN" dirty="0" smtClean="0">
-              <a:effectLst/>
-            </a:endParaRPr>
-          </a:p>
-          <a:p>
-            <a:r>
-              <a:rPr lang="en-US" altLang="zh-CN" sz="1200" kern="1200" dirty="0" err="1" smtClean="0">
+          </a:p>
+          <a:p>
+            <a:r>
+              <a:rPr lang="en-US" altLang="zh-CN" sz="1200" kern="1200" dirty="0" err="1">
                 <a:solidFill>
                   <a:schemeClr val="tx1"/>
                 </a:solidFill>
@@ -5316,7 +5860,7 @@
               <a:t>docker</a:t>
             </a:r>
             <a:r>
-              <a:rPr lang="en-US" altLang="zh-CN" sz="1200" kern="1200" dirty="0" smtClean="0">
+              <a:rPr lang="en-US" altLang="zh-CN" sz="1200" kern="1200" dirty="0">
                 <a:solidFill>
                   <a:schemeClr val="tx1"/>
                 </a:solidFill>
@@ -5328,7 +5872,7 @@
               <a:t> pull </a:t>
             </a:r>
             <a:r>
-              <a:rPr lang="en-US" altLang="zh-CN" sz="1200" kern="1200" dirty="0" err="1" smtClean="0">
+              <a:rPr lang="en-US" altLang="zh-CN" sz="1200" kern="1200" dirty="0" err="1">
                 <a:solidFill>
                   <a:schemeClr val="tx1"/>
                 </a:solidFill>
@@ -5340,7 +5884,7 @@
               <a:t>mirrorgooglecontainers</a:t>
             </a:r>
             <a:r>
-              <a:rPr lang="en-US" altLang="zh-CN" sz="1200" b="1" kern="1200" dirty="0" smtClean="0">
+              <a:rPr lang="en-US" altLang="zh-CN" sz="1200" b="1" kern="1200" dirty="0">
                 <a:solidFill>
                   <a:schemeClr val="tx1"/>
                 </a:solidFill>
@@ -5352,7 +5896,7 @@
               <a:t>/</a:t>
             </a:r>
             <a:r>
-              <a:rPr lang="en-US" altLang="zh-CN" dirty="0" smtClean="0">
+              <a:rPr lang="en-US" altLang="zh-CN" dirty="0">
                 <a:effectLst/>
               </a:rPr>
               <a:t>pause:3.1</a:t>
@@ -5360,7 +5904,7 @@
           </a:p>
           <a:p>
             <a:r>
-              <a:rPr lang="en-US" altLang="zh-CN" sz="1200" kern="1200" dirty="0" err="1" smtClean="0">
+              <a:rPr lang="en-US" altLang="zh-CN" sz="1200" kern="1200" dirty="0" err="1">
                 <a:solidFill>
                   <a:schemeClr val="tx1"/>
                 </a:solidFill>
@@ -5372,7 +5916,7 @@
               <a:t>docker</a:t>
             </a:r>
             <a:r>
-              <a:rPr lang="en-US" altLang="zh-CN" sz="1200" kern="1200" dirty="0" smtClean="0">
+              <a:rPr lang="en-US" altLang="zh-CN" sz="1200" kern="1200" dirty="0">
                 <a:solidFill>
                   <a:schemeClr val="tx1"/>
                 </a:solidFill>
@@ -5384,7 +5928,7 @@
               <a:t> tag </a:t>
             </a:r>
             <a:r>
-              <a:rPr lang="en-US" altLang="zh-CN" sz="1200" kern="1200" dirty="0" err="1" smtClean="0">
+              <a:rPr lang="en-US" altLang="zh-CN" sz="1200" kern="1200" dirty="0" err="1">
                 <a:solidFill>
                   <a:schemeClr val="tx1"/>
                 </a:solidFill>
@@ -5396,7 +5940,7 @@
               <a:t>mirrorgooglecontainers</a:t>
             </a:r>
             <a:r>
-              <a:rPr lang="en-US" altLang="zh-CN" dirty="0" smtClean="0">
+              <a:rPr lang="en-US" altLang="zh-CN" dirty="0">
                 <a:effectLst/>
               </a:rPr>
               <a:t>/pause:3.1 k8s.gcr.io/pause:3.1</a:t>
@@ -5404,7 +5948,7 @@
           </a:p>
           <a:p>
             <a:r>
-              <a:rPr lang="en-US" altLang="zh-CN" sz="1200" kern="1200" dirty="0" err="1" smtClean="0">
+              <a:rPr lang="en-US" altLang="zh-CN" sz="1200" kern="1200" dirty="0" err="1">
                 <a:solidFill>
                   <a:schemeClr val="tx1"/>
                 </a:solidFill>
@@ -5416,7 +5960,7 @@
               <a:t>docker</a:t>
             </a:r>
             <a:r>
-              <a:rPr lang="en-US" altLang="zh-CN" sz="1200" kern="1200" dirty="0" smtClean="0">
+              <a:rPr lang="en-US" altLang="zh-CN" sz="1200" kern="1200" dirty="0">
                 <a:solidFill>
                   <a:schemeClr val="tx1"/>
                 </a:solidFill>
@@ -5428,7 +5972,7 @@
               <a:t> pull </a:t>
             </a:r>
             <a:r>
-              <a:rPr lang="en-US" altLang="zh-CN" sz="1200" kern="1200" dirty="0" err="1" smtClean="0">
+              <a:rPr lang="en-US" altLang="zh-CN" sz="1200" kern="1200" dirty="0" err="1">
                 <a:solidFill>
                   <a:schemeClr val="tx1"/>
                 </a:solidFill>
@@ -5440,7 +5984,7 @@
               <a:t>mirrorgooglecontainers</a:t>
             </a:r>
             <a:r>
-              <a:rPr lang="en-US" altLang="zh-CN" dirty="0" smtClean="0">
+              <a:rPr lang="en-US" altLang="zh-CN" dirty="0">
                 <a:effectLst/>
               </a:rPr>
               <a:t>/etcd:3.3.10</a:t>
@@ -5448,7 +5992,7 @@
           </a:p>
           <a:p>
             <a:r>
-              <a:rPr lang="en-US" altLang="zh-CN" sz="1200" kern="1200" dirty="0" err="1" smtClean="0">
+              <a:rPr lang="en-US" altLang="zh-CN" sz="1200" kern="1200" dirty="0" err="1">
                 <a:solidFill>
                   <a:schemeClr val="tx1"/>
                 </a:solidFill>
@@ -5460,7 +6004,7 @@
               <a:t>docker</a:t>
             </a:r>
             <a:r>
-              <a:rPr lang="en-US" altLang="zh-CN" sz="1200" kern="1200" dirty="0" smtClean="0">
+              <a:rPr lang="en-US" altLang="zh-CN" sz="1200" kern="1200" dirty="0">
                 <a:solidFill>
                   <a:schemeClr val="tx1"/>
                 </a:solidFill>
@@ -5472,7 +6016,7 @@
               <a:t> tag </a:t>
             </a:r>
             <a:r>
-              <a:rPr lang="en-US" altLang="zh-CN" sz="1200" kern="1200" dirty="0" err="1" smtClean="0">
+              <a:rPr lang="en-US" altLang="zh-CN" sz="1200" kern="1200" dirty="0" err="1">
                 <a:solidFill>
                   <a:schemeClr val="tx1"/>
                 </a:solidFill>
@@ -5484,7 +6028,7 @@
               <a:t>mirrorgooglecontainers</a:t>
             </a:r>
             <a:r>
-              <a:rPr lang="en-US" altLang="zh-CN" dirty="0" smtClean="0">
+              <a:rPr lang="en-US" altLang="zh-CN" dirty="0">
                 <a:effectLst/>
               </a:rPr>
               <a:t>/etcd:3.3.10 k8s.gcr.io/etcd:3.3.10</a:t>
@@ -5492,7 +6036,7 @@
           </a:p>
           <a:p>
             <a:r>
-              <a:rPr lang="en-US" altLang="zh-CN" sz="1200" kern="1200" dirty="0" err="1" smtClean="0">
+              <a:rPr lang="en-US" altLang="zh-CN" sz="1200" kern="1200" dirty="0" err="1">
                 <a:solidFill>
                   <a:schemeClr val="tx1"/>
                 </a:solidFill>
@@ -5504,7 +6048,7 @@
               <a:t>docker</a:t>
             </a:r>
             <a:r>
-              <a:rPr lang="en-US" altLang="zh-CN" sz="1200" kern="1200" dirty="0" smtClean="0">
+              <a:rPr lang="en-US" altLang="zh-CN" sz="1200" kern="1200" dirty="0">
                 <a:solidFill>
                   <a:schemeClr val="tx1"/>
                 </a:solidFill>
@@ -5516,7 +6060,7 @@
               <a:t> pull </a:t>
             </a:r>
             <a:r>
-              <a:rPr lang="en-US" altLang="zh-CN" sz="1200" kern="1200" dirty="0" err="1" smtClean="0">
+              <a:rPr lang="en-US" altLang="zh-CN" sz="1200" kern="1200" dirty="0" err="1">
                 <a:solidFill>
                   <a:schemeClr val="tx1"/>
                 </a:solidFill>
@@ -5528,7 +6072,7 @@
               <a:t>coredns</a:t>
             </a:r>
             <a:r>
-              <a:rPr lang="en-US" altLang="zh-CN" sz="1200" kern="1200" dirty="0" smtClean="0">
+              <a:rPr lang="en-US" altLang="zh-CN" sz="1200" kern="1200" dirty="0">
                 <a:solidFill>
                   <a:schemeClr val="tx1"/>
                 </a:solidFill>
@@ -5540,7 +6084,7 @@
               <a:t>/coredns</a:t>
             </a:r>
             <a:r>
-              <a:rPr lang="en-US" altLang="zh-CN" dirty="0" smtClean="0">
+              <a:rPr lang="en-US" altLang="zh-CN" dirty="0">
                 <a:effectLst/>
               </a:rPr>
               <a:t>:1.3.1</a:t>
@@ -5548,7 +6092,7 @@
           </a:p>
           <a:p>
             <a:r>
-              <a:rPr lang="en-US" altLang="zh-CN" sz="1200" kern="1200" dirty="0" err="1" smtClean="0">
+              <a:rPr lang="en-US" altLang="zh-CN" sz="1200" kern="1200" dirty="0" err="1">
                 <a:solidFill>
                   <a:schemeClr val="tx1"/>
                 </a:solidFill>
@@ -5560,7 +6104,7 @@
               <a:t>docker</a:t>
             </a:r>
             <a:r>
-              <a:rPr lang="en-US" altLang="zh-CN" sz="1200" kern="1200" dirty="0" smtClean="0">
+              <a:rPr lang="en-US" altLang="zh-CN" sz="1200" kern="1200" dirty="0">
                 <a:solidFill>
                   <a:schemeClr val="tx1"/>
                 </a:solidFill>
@@ -5572,7 +6116,7 @@
               <a:t> tag </a:t>
             </a:r>
             <a:r>
-              <a:rPr lang="en-US" altLang="zh-CN" sz="1200" kern="1200" dirty="0" err="1" smtClean="0">
+              <a:rPr lang="en-US" altLang="zh-CN" sz="1200" kern="1200" dirty="0" err="1">
                 <a:solidFill>
                   <a:schemeClr val="tx1"/>
                 </a:solidFill>
@@ -5584,7 +6128,7 @@
               <a:t>coredns</a:t>
             </a:r>
             <a:r>
-              <a:rPr lang="en-US" altLang="zh-CN" sz="1200" kern="1200" dirty="0" smtClean="0">
+              <a:rPr lang="en-US" altLang="zh-CN" sz="1200" kern="1200" dirty="0">
                 <a:solidFill>
                   <a:schemeClr val="tx1"/>
                 </a:solidFill>
@@ -5596,7 +6140,7 @@
               <a:t>/coredns</a:t>
             </a:r>
             <a:r>
-              <a:rPr lang="en-US" altLang="zh-CN" dirty="0" smtClean="0">
+              <a:rPr lang="en-US" altLang="zh-CN" dirty="0">
                 <a:effectLst/>
               </a:rPr>
               <a:t>:1.3.1 k8s.gcr.io/coredns:1.3.1</a:t>
@@ -5620,7 +6164,7 @@
               <a:tabLst/>
               <a:defRPr/>
             </a:pPr>
-            <a:endParaRPr lang="en-US" altLang="zh-CN" dirty="0" smtClean="0">
+            <a:endParaRPr lang="en-US" altLang="zh-CN" dirty="0">
               <a:effectLst/>
             </a:endParaRPr>
           </a:p>
@@ -5643,37 +6187,37 @@
               <a:defRPr/>
             </a:pPr>
             <a:r>
-              <a:rPr lang="en-US" altLang="zh-CN" dirty="0" err="1" smtClean="0">
+              <a:rPr lang="en-US" altLang="zh-CN" dirty="0" err="1">
                 <a:effectLst/>
               </a:rPr>
               <a:t>kubeadm</a:t>
             </a:r>
             <a:r>
-              <a:rPr lang="en-US" altLang="zh-CN" dirty="0" smtClean="0">
+              <a:rPr lang="en-US" altLang="zh-CN" dirty="0">
                 <a:effectLst/>
               </a:rPr>
               <a:t> </a:t>
             </a:r>
             <a:r>
-              <a:rPr lang="en-US" altLang="zh-CN" dirty="0" err="1" smtClean="0">
+              <a:rPr lang="en-US" altLang="zh-CN" dirty="0" err="1">
                 <a:effectLst/>
               </a:rPr>
               <a:t>init</a:t>
             </a:r>
             <a:r>
-              <a:rPr lang="en-US" altLang="zh-CN" dirty="0" smtClean="0">
+              <a:rPr lang="en-US" altLang="zh-CN" dirty="0">
                 <a:effectLst/>
               </a:rPr>
               <a:t> --pod-network-</a:t>
             </a:r>
             <a:r>
-              <a:rPr lang="en-US" altLang="zh-CN" dirty="0" err="1" smtClean="0">
+              <a:rPr lang="en-US" altLang="zh-CN" dirty="0" err="1">
                 <a:effectLst/>
               </a:rPr>
               <a:t>cidr</a:t>
             </a:r>
             <a:r>
-              <a:rPr lang="en-US" altLang="zh-CN" dirty="0" smtClean="0">
+              <a:rPr lang="en-US" altLang="zh-CN" dirty="0">
                 <a:effectLst/>
               </a:rPr>
               <a:t>=10.244.0.0/16</a:t>
@@ -5697,180 +6241,180 @@
               <a:tabLst/>
               <a:defRPr/>
             </a:pPr>
-            <a:endParaRPr lang="en-US" altLang="zh-CN" dirty="0" smtClean="0">
+            <a:endParaRPr lang="en-US" altLang="zh-CN" dirty="0">
               <a:effectLst/>
             </a:endParaRPr>
           </a:p>
           <a:p>
             <a:r>
-              <a:rPr lang="en-US" altLang="zh-CN" dirty="0" err="1" smtClean="0">
+              <a:rPr lang="en-US" altLang="zh-CN" dirty="0" err="1">
                 <a:effectLst/>
               </a:rPr>
               <a:t>mkdir</a:t>
             </a:r>
             <a:r>
-              <a:rPr lang="en-US" altLang="zh-CN" dirty="0" smtClean="0">
+              <a:rPr lang="en-US" altLang="zh-CN" dirty="0">
                 <a:effectLst/>
               </a:rPr>
               <a:t> /root/.</a:t>
             </a:r>
             <a:r>
-              <a:rPr lang="en-US" altLang="zh-CN" dirty="0" err="1" smtClean="0">
+              <a:rPr lang="en-US" altLang="zh-CN" dirty="0" err="1">
                 <a:effectLst/>
               </a:rPr>
               <a:t>kube</a:t>
             </a:r>
-            <a:endParaRPr lang="en-US" altLang="zh-CN" dirty="0" smtClean="0">
+            <a:endParaRPr lang="en-US" altLang="zh-CN" dirty="0">
               <a:effectLst/>
             </a:endParaRPr>
           </a:p>
           <a:p>
             <a:r>
-              <a:rPr lang="en-US" altLang="zh-CN" dirty="0" err="1" smtClean="0">
+              <a:rPr lang="en-US" altLang="zh-CN" dirty="0" err="1">
                 <a:effectLst/>
               </a:rPr>
               <a:t>cp</a:t>
             </a:r>
             <a:r>
-              <a:rPr lang="en-US" altLang="zh-CN" dirty="0" smtClean="0">
+              <a:rPr lang="en-US" altLang="zh-CN" dirty="0">
                 <a:effectLst/>
               </a:rPr>
               <a:t> -</a:t>
             </a:r>
             <a:r>
-              <a:rPr lang="en-US" altLang="zh-CN" dirty="0" err="1" smtClean="0">
+              <a:rPr lang="en-US" altLang="zh-CN" dirty="0" err="1">
                 <a:effectLst/>
               </a:rPr>
               <a:t>i</a:t>
             </a:r>
             <a:r>
-              <a:rPr lang="en-US" altLang="zh-CN" dirty="0" smtClean="0">
+              <a:rPr lang="en-US" altLang="zh-CN" dirty="0">
                 <a:effectLst/>
               </a:rPr>
               <a:t> /</a:t>
             </a:r>
             <a:r>
-              <a:rPr lang="en-US" altLang="zh-CN" dirty="0" err="1" smtClean="0">
+              <a:rPr lang="en-US" altLang="zh-CN" dirty="0" err="1">
                 <a:effectLst/>
               </a:rPr>
               <a:t>etc</a:t>
             </a:r>
             <a:r>
-              <a:rPr lang="en-US" altLang="zh-CN" dirty="0" smtClean="0">
+              <a:rPr lang="en-US" altLang="zh-CN" dirty="0">
                 <a:effectLst/>
               </a:rPr>
               <a:t>/</a:t>
             </a:r>
             <a:r>
-              <a:rPr lang="en-US" altLang="zh-CN" dirty="0" err="1" smtClean="0">
+              <a:rPr lang="en-US" altLang="zh-CN" dirty="0" err="1">
                 <a:effectLst/>
               </a:rPr>
               <a:t>kubernetes</a:t>
             </a:r>
             <a:r>
-              <a:rPr lang="en-US" altLang="zh-CN" dirty="0" smtClean="0">
+              <a:rPr lang="en-US" altLang="zh-CN" dirty="0">
                 <a:effectLst/>
               </a:rPr>
               <a:t>/</a:t>
             </a:r>
             <a:r>
-              <a:rPr lang="en-US" altLang="zh-CN" dirty="0" err="1" smtClean="0">
+              <a:rPr lang="en-US" altLang="zh-CN" dirty="0" err="1">
                 <a:effectLst/>
               </a:rPr>
               <a:t>admin.conf</a:t>
             </a:r>
             <a:r>
-              <a:rPr lang="en-US" altLang="zh-CN" dirty="0" smtClean="0">
+              <a:rPr lang="en-US" altLang="zh-CN" dirty="0">
                 <a:effectLst/>
               </a:rPr>
               <a:t> /root/.</a:t>
             </a:r>
             <a:r>
-              <a:rPr lang="en-US" altLang="zh-CN" dirty="0" err="1" smtClean="0">
+              <a:rPr lang="en-US" altLang="zh-CN" dirty="0" err="1">
                 <a:effectLst/>
               </a:rPr>
               <a:t>kube</a:t>
             </a:r>
             <a:r>
-              <a:rPr lang="en-US" altLang="zh-CN" dirty="0" smtClean="0">
+              <a:rPr lang="en-US" altLang="zh-CN" dirty="0">
                 <a:effectLst/>
               </a:rPr>
               <a:t>/</a:t>
             </a:r>
             <a:r>
-              <a:rPr lang="en-US" altLang="zh-CN" dirty="0" err="1" smtClean="0">
+              <a:rPr lang="en-US" altLang="zh-CN" dirty="0" err="1">
                 <a:effectLst/>
               </a:rPr>
               <a:t>config</a:t>
             </a:r>
-            <a:endParaRPr lang="en-US" altLang="zh-CN" dirty="0" smtClean="0">
+            <a:endParaRPr lang="en-US" altLang="zh-CN" dirty="0">
               <a:effectLst/>
             </a:endParaRPr>
           </a:p>
           <a:p>
             <a:r>
-              <a:rPr lang="en-US" altLang="zh-CN" dirty="0" err="1" smtClean="0">
+              <a:rPr lang="en-US" altLang="zh-CN" dirty="0" err="1">
                 <a:effectLst/>
               </a:rPr>
               <a:t>chown</a:t>
             </a:r>
             <a:r>
-              <a:rPr lang="en-US" altLang="zh-CN" dirty="0" smtClean="0">
+              <a:rPr lang="en-US" altLang="zh-CN" dirty="0">
                 <a:effectLst/>
               </a:rPr>
               <a:t> $(id -u):$(id -g) /root/.</a:t>
             </a:r>
             <a:r>
-              <a:rPr lang="en-US" altLang="zh-CN" dirty="0" err="1" smtClean="0">
+              <a:rPr lang="en-US" altLang="zh-CN" dirty="0" err="1">
                 <a:effectLst/>
               </a:rPr>
               <a:t>kube</a:t>
             </a:r>
             <a:r>
-              <a:rPr lang="en-US" altLang="zh-CN" dirty="0" smtClean="0">
+              <a:rPr lang="en-US" altLang="zh-CN" dirty="0">
                 <a:effectLst/>
               </a:rPr>
               <a:t>/</a:t>
             </a:r>
             <a:r>
-              <a:rPr lang="en-US" altLang="zh-CN" dirty="0" err="1" smtClean="0">
+              <a:rPr lang="en-US" altLang="zh-CN" dirty="0" err="1">
                 <a:effectLst/>
               </a:rPr>
               <a:t>config</a:t>
             </a:r>
             <a:r>
-              <a:rPr lang="en-US" altLang="zh-CN" dirty="0" smtClean="0">
+              <a:rPr lang="en-US" altLang="zh-CN" dirty="0">
                 <a:effectLst/>
               </a:rPr>
               <a:t> </a:t>
             </a:r>
           </a:p>
           <a:p>
-            <a:endParaRPr lang="en-US" altLang="zh-CN" dirty="0" smtClean="0">
+            <a:endParaRPr lang="en-US" altLang="zh-CN" dirty="0">
               <a:effectLst/>
             </a:endParaRPr>
           </a:p>
           <a:p>
             <a:r>
-              <a:rPr lang="en-US" altLang="zh-CN" dirty="0" err="1" smtClean="0">
+              <a:rPr lang="en-US" altLang="zh-CN" dirty="0" err="1">
                 <a:effectLst/>
               </a:rPr>
               <a:t>docker</a:t>
             </a:r>
             <a:r>
-              <a:rPr lang="en-US" altLang="zh-CN" dirty="0" smtClean="0">
+              <a:rPr lang="en-US" altLang="zh-CN" dirty="0">
                 <a:effectLst/>
               </a:rPr>
               <a:t> pull </a:t>
             </a:r>
             <a:r>
-              <a:rPr lang="en-US" altLang="zh-CN" dirty="0" err="1" smtClean="0">
+              <a:rPr lang="en-US" altLang="zh-CN" dirty="0" err="1">
                 <a:effectLst/>
               </a:rPr>
               <a:t>akinlau</a:t>
             </a:r>
             <a:r>
-              <a:rPr lang="en-US" altLang="zh-CN" dirty="0" smtClean="0">
+              <a:rPr lang="en-US" altLang="zh-CN" dirty="0">
                 <a:effectLst/>
               </a:rPr>
               <a:t>/flannel-v0.11.0:v0.11.0</a:t>
@@ -5878,56 +6422,56 @@
           </a:p>
           <a:p>
             <a:r>
-              <a:rPr lang="en-US" altLang="zh-CN" dirty="0" err="1" smtClean="0">
+              <a:rPr lang="en-US" altLang="zh-CN" dirty="0" err="1">
                 <a:effectLst/>
               </a:rPr>
               <a:t>docker</a:t>
             </a:r>
             <a:r>
-              <a:rPr lang="en-US" altLang="zh-CN" dirty="0" smtClean="0">
+              <a:rPr lang="en-US" altLang="zh-CN" dirty="0">
                 <a:effectLst/>
               </a:rPr>
               <a:t> tag </a:t>
             </a:r>
             <a:r>
-              <a:rPr lang="en-US" altLang="zh-CN" dirty="0" err="1" smtClean="0">
+              <a:rPr lang="en-US" altLang="zh-CN" dirty="0" err="1">
                 <a:effectLst/>
               </a:rPr>
               <a:t>akinlau</a:t>
             </a:r>
             <a:r>
-              <a:rPr lang="en-US" altLang="zh-CN" dirty="0" smtClean="0">
+              <a:rPr lang="en-US" altLang="zh-CN" dirty="0">
                 <a:effectLst/>
               </a:rPr>
               <a:t>/flannel-v0.11.0:v0.11.0 </a:t>
             </a:r>
             <a:r>
-              <a:rPr lang="en-US" altLang="zh-CN" dirty="0" err="1" smtClean="0">
+              <a:rPr lang="en-US" altLang="zh-CN" dirty="0" err="1">
                 <a:effectLst/>
               </a:rPr>
               <a:t>quay.io</a:t>
             </a:r>
             <a:r>
-              <a:rPr lang="en-US" altLang="zh-CN" dirty="0" smtClean="0">
+              <a:rPr lang="en-US" altLang="zh-CN" dirty="0">
                 <a:effectLst/>
               </a:rPr>
               <a:t>/</a:t>
             </a:r>
             <a:r>
-              <a:rPr lang="en-US" altLang="zh-CN" dirty="0" err="1" smtClean="0">
+              <a:rPr lang="en-US" altLang="zh-CN" dirty="0" err="1">
                 <a:effectLst/>
               </a:rPr>
               <a:t>coreos</a:t>
             </a:r>
             <a:r>
-              <a:rPr lang="en-US" altLang="zh-CN" dirty="0" smtClean="0">
+              <a:rPr lang="en-US" altLang="zh-CN" dirty="0">
                 <a:effectLst/>
               </a:rPr>
               <a:t>/flannel:v0.11.0-amd64</a:t>
             </a:r>
           </a:p>
           <a:p>
-            <a:endParaRPr kumimoji="1" lang="en-US" altLang="zh-CN" dirty="0" smtClean="0"/>
+            <a:endParaRPr kumimoji="1" lang="en-US" altLang="zh-CN" dirty="0"/>
           </a:p>
           <a:p>
             <a:pPr marL="0" marR="0" indent="0" algn="l" defTabSz="914400" rtl="0" eaLnBrk="1" fontAlgn="auto" latinLnBrk="0" hangingPunct="1">
@@ -5948,30 +6492,30 @@
               <a:defRPr/>
             </a:pPr>
             <a:r>
-              <a:rPr lang="en-US" altLang="zh-CN" dirty="0" err="1" smtClean="0">
+              <a:rPr lang="en-US" altLang="zh-CN" dirty="0" err="1">
                 <a:effectLst/>
               </a:rPr>
               <a:t>kubectl</a:t>
             </a:r>
             <a:r>
-              <a:rPr lang="en-US" altLang="zh-CN" dirty="0" smtClean="0">
+              <a:rPr lang="en-US" altLang="zh-CN" dirty="0">
                 <a:effectLst/>
               </a:rPr>
               <a:t> apply -f </a:t>
             </a:r>
             <a:r>
-              <a:rPr lang="en-US" altLang="zh-CN" dirty="0" smtClean="0">
+              <a:rPr lang="en-US" altLang="zh-CN" dirty="0">
                 <a:effectLst/>
                 <a:hlinkClick r:id="rId3"/>
               </a:rPr>
               <a:t>https://raw.githubusercontent.com/coreos/flannel/a70459be0084506e4ec919aa1c114638878db11b/Documentation/kube-flannel.yml</a:t>
             </a:r>
-            <a:endParaRPr lang="en-US" altLang="zh-CN" dirty="0" smtClean="0">
+            <a:endParaRPr lang="en-US" altLang="zh-CN" dirty="0">
               <a:effectLst/>
             </a:endParaRPr>
           </a:p>
           <a:p>
-            <a:endParaRPr kumimoji="1" lang="en-US" altLang="zh-CN" dirty="0" smtClean="0"/>
+            <a:endParaRPr kumimoji="1" lang="en-US" altLang="zh-CN" dirty="0"/>
           </a:p>
           <a:p>
             <a:pPr marL="0" marR="0" indent="0" algn="l" defTabSz="914400" rtl="0" eaLnBrk="1" fontAlgn="auto" latinLnBrk="0" hangingPunct="1">
@@ -5992,20 +6536,20 @@
               <a:defRPr/>
             </a:pPr>
             <a:r>
-              <a:rPr lang="en-US" altLang="zh-CN" dirty="0" err="1" smtClean="0">
+              <a:rPr lang="en-US" altLang="zh-CN" dirty="0" err="1">
                 <a:effectLst/>
               </a:rPr>
               <a:t>kubectl</a:t>
             </a:r>
             <a:r>
-              <a:rPr lang="en-US" altLang="zh-CN" dirty="0" smtClean="0">
+              <a:rPr lang="en-US" altLang="zh-CN" dirty="0">
                 <a:effectLst/>
               </a:rPr>
               <a:t> get pods --all-namespaces -o wide</a:t>
             </a:r>
           </a:p>
           <a:p>
-            <a:endParaRPr kumimoji="1" lang="en-US" altLang="zh-CN" dirty="0" smtClean="0"/>
+            <a:endParaRPr kumimoji="1" lang="en-US" altLang="zh-CN" dirty="0"/>
           </a:p>
           <a:p>
             <a:pPr marL="0" marR="0" indent="0" algn="l" defTabSz="914400" rtl="0" eaLnBrk="1" fontAlgn="auto" latinLnBrk="0" hangingPunct="1">
@@ -6026,48 +6570,48 @@
               <a:defRPr/>
             </a:pPr>
             <a:r>
-              <a:rPr lang="en-US" altLang="zh-CN" dirty="0" err="1" smtClean="0">
+              <a:rPr lang="en-US" altLang="zh-CN" dirty="0" err="1">
                 <a:effectLst/>
               </a:rPr>
               <a:t>chmod</a:t>
             </a:r>
             <a:r>
-              <a:rPr lang="en-US" altLang="zh-CN" dirty="0" smtClean="0">
+              <a:rPr lang="en-US" altLang="zh-CN" dirty="0">
                 <a:effectLst/>
               </a:rPr>
               <a:t> 644 /</a:t>
             </a:r>
             <a:r>
-              <a:rPr lang="en-US" altLang="zh-CN" dirty="0" err="1" smtClean="0">
+              <a:rPr lang="en-US" altLang="zh-CN" dirty="0" err="1">
                 <a:effectLst/>
               </a:rPr>
               <a:t>etc</a:t>
             </a:r>
             <a:r>
-              <a:rPr lang="en-US" altLang="zh-CN" dirty="0" smtClean="0">
+              <a:rPr lang="en-US" altLang="zh-CN" dirty="0">
                 <a:effectLst/>
               </a:rPr>
               <a:t>/</a:t>
             </a:r>
             <a:r>
-              <a:rPr lang="en-US" altLang="zh-CN" dirty="0" err="1" smtClean="0">
+              <a:rPr lang="en-US" altLang="zh-CN" dirty="0" err="1">
                 <a:effectLst/>
               </a:rPr>
               <a:t>kubernetes</a:t>
             </a:r>
             <a:r>
-              <a:rPr lang="en-US" altLang="zh-CN" dirty="0" smtClean="0">
+              <a:rPr lang="en-US" altLang="zh-CN" dirty="0">
                 <a:effectLst/>
               </a:rPr>
               <a:t>/</a:t>
             </a:r>
             <a:r>
-              <a:rPr lang="en-US" altLang="zh-CN" dirty="0" err="1" smtClean="0">
+              <a:rPr lang="en-US" altLang="zh-CN" dirty="0" err="1">
                 <a:effectLst/>
               </a:rPr>
               <a:t>admin.conf</a:t>
             </a:r>
-            <a:endParaRPr lang="en-US" altLang="zh-CN" dirty="0" smtClean="0">
+            <a:endParaRPr lang="en-US" altLang="zh-CN" dirty="0">
               <a:effectLst/>
             </a:endParaRPr>
           </a:p>
@@ -6090,49 +6634,49 @@
               <a:defRPr/>
             </a:pPr>
             <a:r>
-              <a:rPr lang="en-US" altLang="zh-CN" dirty="0" err="1" smtClean="0">
+              <a:rPr lang="en-US" altLang="zh-CN" dirty="0" err="1">
                 <a:effectLst/>
               </a:rPr>
               <a:t>scp</a:t>
             </a:r>
             <a:r>
-              <a:rPr lang="en-US" altLang="zh-CN" dirty="0" smtClean="0">
+              <a:rPr lang="en-US" altLang="zh-CN" dirty="0">
                 <a:effectLst/>
               </a:rPr>
               <a:t> /</a:t>
             </a:r>
             <a:r>
-              <a:rPr lang="en-US" altLang="zh-CN" dirty="0" err="1" smtClean="0">
+              <a:rPr lang="en-US" altLang="zh-CN" dirty="0" err="1">
                 <a:effectLst/>
               </a:rPr>
               <a:t>etc</a:t>
             </a:r>
             <a:r>
-              <a:rPr lang="en-US" altLang="zh-CN" dirty="0" smtClean="0">
+              <a:rPr lang="en-US" altLang="zh-CN" dirty="0">
                 <a:effectLst/>
               </a:rPr>
               <a:t>/</a:t>
             </a:r>
             <a:r>
-              <a:rPr lang="en-US" altLang="zh-CN" dirty="0" err="1" smtClean="0">
+              <a:rPr lang="en-US" altLang="zh-CN" dirty="0" err="1">
                 <a:effectLst/>
               </a:rPr>
               <a:t>kubernetes</a:t>
             </a:r>
             <a:r>
-              <a:rPr lang="en-US" altLang="zh-CN" dirty="0" smtClean="0">
+              <a:rPr lang="en-US" altLang="zh-CN" dirty="0">
                 <a:effectLst/>
               </a:rPr>
               <a:t>/</a:t>
             </a:r>
             <a:r>
-              <a:rPr lang="en-US" altLang="zh-CN" dirty="0" err="1" smtClean="0">
+              <a:rPr lang="en-US" altLang="zh-CN" dirty="0" err="1">
                 <a:effectLst/>
               </a:rPr>
               <a:t>admin.conf</a:t>
             </a:r>
             <a:r>
-              <a:rPr lang="en-US" altLang="zh-CN" dirty="0" smtClean="0">
+              <a:rPr lang="en-US" altLang="zh-CN" dirty="0">
                 <a:effectLst/>
               </a:rPr>
               <a:t> root@{node-name}:</a:t>
@@ -6224,7 +6768,7 @@
           <a:lstStyle/>
           <a:p>
             <a:r>
-              <a:rPr lang="en-US" altLang="zh-CN" sz="1200" kern="1200" dirty="0" err="1" smtClean="0">
+              <a:rPr lang="en-US" altLang="zh-CN" sz="1200" kern="1200" dirty="0" err="1">
                 <a:solidFill>
                   <a:schemeClr val="tx1"/>
                 </a:solidFill>
@@ -6236,7 +6780,7 @@
               <a:t>docker</a:t>
             </a:r>
             <a:r>
-              <a:rPr lang="en-US" altLang="zh-CN" sz="1200" kern="1200" dirty="0" smtClean="0">
+              <a:rPr lang="en-US" altLang="zh-CN" sz="1200" kern="1200" dirty="0">
                 <a:solidFill>
                   <a:schemeClr val="tx1"/>
                 </a:solidFill>
@@ -6248,7 +6792,7 @@
               <a:t> pull </a:t>
             </a:r>
             <a:r>
-              <a:rPr lang="en-US" altLang="zh-CN" sz="1200" kern="1200" dirty="0" err="1" smtClean="0">
+              <a:rPr lang="en-US" altLang="zh-CN" sz="1200" kern="1200" dirty="0" err="1">
                 <a:solidFill>
                   <a:schemeClr val="tx1"/>
                 </a:solidFill>
@@ -6260,18 +6804,15 @@
               <a:t>mirrorgooglecontainers</a:t>
             </a:r>
             <a:r>
-              <a:rPr lang="en-US" altLang="zh-CN" dirty="0" smtClean="0">
+              <a:rPr lang="en-US" altLang="zh-CN" dirty="0">
                 <a:effectLst/>
               </a:rPr>
               <a:t>/kube-proxy:v1.15.0</a:t>
             </a:r>
-            <a:endParaRPr lang="en-US" altLang="zh-CN" dirty="0" smtClean="0">
-              <a:effectLst/>
-            </a:endParaRPr>
-          </a:p>
-          <a:p>
-            <a:r>
-              <a:rPr lang="en-US" altLang="zh-CN" sz="1200" kern="1200" dirty="0" err="1" smtClean="0">
+          </a:p>
+          <a:p>
+            <a:r>
+              <a:rPr lang="en-US" altLang="zh-CN" sz="1200" kern="1200" dirty="0" err="1">
                 <a:solidFill>
                   <a:schemeClr val="tx1"/>
                 </a:solidFill>
@@ -6283,7 +6824,7 @@
               <a:t>docker</a:t>
             </a:r>
             <a:r>
-              <a:rPr lang="en-US" altLang="zh-CN" sz="1200" kern="1200" dirty="0" smtClean="0">
+              <a:rPr lang="en-US" altLang="zh-CN" sz="1200" kern="1200" dirty="0">
                 <a:solidFill>
                   <a:schemeClr val="tx1"/>
                 </a:solidFill>
@@ -6295,7 +6836,7 @@
               <a:t> tag </a:t>
             </a:r>
             <a:r>
-              <a:rPr lang="en-US" altLang="zh-CN" sz="1200" kern="1200" dirty="0" err="1" smtClean="0">
+              <a:rPr lang="en-US" altLang="zh-CN" sz="1200" kern="1200" dirty="0" err="1">
                 <a:solidFill>
                   <a:schemeClr val="tx1"/>
                 </a:solidFill>
@@ -6307,18 +6848,15 @@
               <a:t>mirrorgooglecontainers</a:t>
             </a:r>
             <a:r>
-              <a:rPr lang="en-US" altLang="zh-CN" dirty="0" smtClean="0">
+              <a:rPr lang="en-US" altLang="zh-CN" dirty="0">
                 <a:effectLst/>
               </a:rPr>
               <a:t>/kube-proxy:v1.15.0 k8s.gcr.io/kube-proxy:v1.15.0</a:t>
             </a:r>
-            <a:endParaRPr lang="en-US" altLang="zh-CN" dirty="0" smtClean="0">
-              <a:effectLst/>
-            </a:endParaRPr>
-          </a:p>
-          <a:p>
-            <a:r>
-              <a:rPr lang="en-US" altLang="zh-CN" sz="1200" kern="1200" dirty="0" err="1" smtClean="0">
+          </a:p>
+          <a:p>
+            <a:r>
+              <a:rPr lang="en-US" altLang="zh-CN" sz="1200" kern="1200" dirty="0" err="1">
                 <a:solidFill>
                   <a:schemeClr val="tx1"/>
                 </a:solidFill>
@@ -6330,7 +6868,7 @@
               <a:t>docker</a:t>
             </a:r>
             <a:r>
-              <a:rPr lang="en-US" altLang="zh-CN" sz="1200" kern="1200" dirty="0" smtClean="0">
+              <a:rPr lang="en-US" altLang="zh-CN" sz="1200" kern="1200" dirty="0">
                 <a:solidFill>
                   <a:schemeClr val="tx1"/>
                 </a:solidFill>
@@ -6342,7 +6880,7 @@
               <a:t> pull </a:t>
             </a:r>
             <a:r>
-              <a:rPr lang="en-US" altLang="zh-CN" sz="1200" kern="1200" dirty="0" err="1" smtClean="0">
+              <a:rPr lang="en-US" altLang="zh-CN" sz="1200" kern="1200" dirty="0" err="1">
                 <a:solidFill>
                   <a:schemeClr val="tx1"/>
                 </a:solidFill>
@@ -6354,7 +6892,7 @@
               <a:t>mirrorgooglecontainers</a:t>
             </a:r>
             <a:r>
-              <a:rPr lang="en-US" altLang="zh-CN" sz="1200" b="1" kern="1200" dirty="0" smtClean="0">
+              <a:rPr lang="en-US" altLang="zh-CN" sz="1200" b="1" kern="1200" dirty="0">
                 <a:solidFill>
                   <a:schemeClr val="tx1"/>
                 </a:solidFill>
@@ -6366,7 +6904,7 @@
               <a:t>/</a:t>
             </a:r>
             <a:r>
-              <a:rPr lang="en-US" altLang="zh-CN" dirty="0" smtClean="0">
+              <a:rPr lang="en-US" altLang="zh-CN" dirty="0">
                 <a:effectLst/>
               </a:rPr>
               <a:t>pause:3.1</a:t>
@@ -6374,7 +6912,7 @@
           </a:p>
           <a:p>
             <a:r>
-              <a:rPr lang="en-US" altLang="zh-CN" sz="1200" kern="1200" dirty="0" err="1" smtClean="0">
+              <a:rPr lang="en-US" altLang="zh-CN" sz="1200" kern="1200" dirty="0" err="1">
                 <a:solidFill>
                   <a:schemeClr val="tx1"/>
                 </a:solidFill>
@@ -6386,7 +6924,7 @@
               <a:t>docker</a:t>
             </a:r>
             <a:r>
-              <a:rPr lang="en-US" altLang="zh-CN" sz="1200" kern="1200" dirty="0" smtClean="0">
+              <a:rPr lang="en-US" altLang="zh-CN" sz="1200" kern="1200" dirty="0">
                 <a:solidFill>
                   <a:schemeClr val="tx1"/>
                 </a:solidFill>
@@ -6398,7 +6936,7 @@
               <a:t> tag </a:t>
             </a:r>
             <a:r>
-              <a:rPr lang="en-US" altLang="zh-CN" sz="1200" kern="1200" dirty="0" err="1" smtClean="0">
+              <a:rPr lang="en-US" altLang="zh-CN" sz="1200" kern="1200" dirty="0" err="1">
                 <a:solidFill>
                   <a:schemeClr val="tx1"/>
                 </a:solidFill>
@@ -6410,7 +6948,7 @@
               <a:t>mirrorgooglecontainers</a:t>
             </a:r>
             <a:r>
-              <a:rPr lang="en-US" altLang="zh-CN" dirty="0" smtClean="0">
+              <a:rPr lang="en-US" altLang="zh-CN" dirty="0">
                 <a:effectLst/>
               </a:rPr>
               <a:t>/pause:3.1 k8s.gcr.io/pause:3.1</a:t>
@@ -6418,25 +6956,25 @@
           </a:p>
           <a:p>
             <a:r>
-              <a:rPr lang="en-US" altLang="zh-CN" dirty="0" err="1" smtClean="0">
+              <a:rPr lang="en-US" altLang="zh-CN" dirty="0" err="1">
                 <a:effectLst/>
               </a:rPr>
               <a:t>docker</a:t>
             </a:r>
             <a:r>
-              <a:rPr lang="en-US" altLang="zh-CN" dirty="0" smtClean="0">
+              <a:rPr lang="en-US" altLang="zh-CN" dirty="0">
                 <a:effectLst/>
               </a:rPr>
               <a:t> pull </a:t>
             </a:r>
             <a:r>
-              <a:rPr lang="en-US" altLang="zh-CN" dirty="0" err="1" smtClean="0">
+              <a:rPr lang="en-US" altLang="zh-CN" dirty="0" err="1">
                 <a:effectLst/>
               </a:rPr>
               <a:t>akinlau</a:t>
             </a:r>
             <a:r>
-              <a:rPr lang="en-US" altLang="zh-CN" dirty="0" smtClean="0">
+              <a:rPr lang="en-US" altLang="zh-CN" dirty="0">
                 <a:effectLst/>
               </a:rPr>
               <a:t>/flannel-v0.11.0:v0.11.0</a:t>
@@ -6444,49 +6982,49 @@
           </a:p>
           <a:p>
             <a:r>
-              <a:rPr lang="en-US" altLang="zh-CN" dirty="0" err="1" smtClean="0">
+              <a:rPr lang="en-US" altLang="zh-CN" dirty="0" err="1">
                 <a:effectLst/>
               </a:rPr>
               <a:t>docker</a:t>
             </a:r>
             <a:r>
-              <a:rPr lang="en-US" altLang="zh-CN" dirty="0" smtClean="0">
+              <a:rPr lang="en-US" altLang="zh-CN" dirty="0">
                 <a:effectLst/>
               </a:rPr>
               <a:t> tag </a:t>
             </a:r>
             <a:r>
-              <a:rPr lang="en-US" altLang="zh-CN" dirty="0" err="1" smtClean="0">
+              <a:rPr lang="en-US" altLang="zh-CN" dirty="0" err="1">
                 <a:effectLst/>
               </a:rPr>
               <a:t>akinlau</a:t>
             </a:r>
             <a:r>
-              <a:rPr lang="en-US" altLang="zh-CN" dirty="0" smtClean="0">
+              <a:rPr lang="en-US" altLang="zh-CN" dirty="0">
                 <a:effectLst/>
               </a:rPr>
               <a:t>/flannel-v0.11.0:v0.11.0 </a:t>
             </a:r>
             <a:r>
-              <a:rPr lang="en-US" altLang="zh-CN" dirty="0" err="1" smtClean="0">
+              <a:rPr lang="en-US" altLang="zh-CN" dirty="0" err="1">
                 <a:effectLst/>
               </a:rPr>
               <a:t>quay.io</a:t>
             </a:r>
             <a:r>
-              <a:rPr lang="en-US" altLang="zh-CN" dirty="0" smtClean="0">
+              <a:rPr lang="en-US" altLang="zh-CN" dirty="0">
                 <a:effectLst/>
               </a:rPr>
               <a:t>/</a:t>
             </a:r>
             <a:r>
-              <a:rPr lang="en-US" altLang="zh-CN" dirty="0" err="1" smtClean="0">
+              <a:rPr lang="en-US" altLang="zh-CN" dirty="0" err="1">
                 <a:effectLst/>
               </a:rPr>
               <a:t>coreos</a:t>
             </a:r>
             <a:r>
-              <a:rPr lang="en-US" altLang="zh-CN" dirty="0" smtClean="0">
+              <a:rPr lang="en-US" altLang="zh-CN" dirty="0">
                 <a:effectLst/>
               </a:rPr>
               <a:t>/flannel:v0.11.0-amd64</a:t>
@@ -6510,7 +7048,7 @@
               <a:tabLst/>
               <a:defRPr/>
             </a:pPr>
-            <a:endParaRPr lang="en-US" altLang="zh-CN" dirty="0" smtClean="0">
+            <a:endParaRPr lang="en-US" altLang="zh-CN" dirty="0">
               <a:effectLst/>
             </a:endParaRPr>
           </a:p>
@@ -6533,13 +7071,13 @@
               <a:defRPr/>
             </a:pPr>
             <a:r>
-              <a:rPr lang="en-US" altLang="zh-CN" dirty="0" err="1" smtClean="0">
+              <a:rPr lang="en-US" altLang="zh-CN" dirty="0" err="1">
                 <a:effectLst/>
               </a:rPr>
               <a:t>kubeadm</a:t>
             </a:r>
             <a:r>
-              <a:rPr lang="en-US" altLang="zh-CN" dirty="0" smtClean="0">
+              <a:rPr lang="en-US" altLang="zh-CN" dirty="0">
                 <a:effectLst/>
               </a:rPr>
               <a:t> join 10.127.163.233:6443 --token k5u8fz.jn8ogkvpnnbyfh5l --discovery-token-ca-cert-hash sha256:a26dbc7e7763dda93187e4c4fb2cb033d34a9062fb36e98c50d668ea9c7ca845</a:t>
@@ -6563,7 +7101,7 @@
               <a:tabLst/>
               <a:defRPr/>
             </a:pPr>
-            <a:endParaRPr lang="en-US" altLang="zh-CN" dirty="0" smtClean="0">
+            <a:endParaRPr lang="en-US" altLang="zh-CN" dirty="0">
               <a:effectLst/>
             </a:endParaRPr>
           </a:p>
@@ -6586,24 +7124,24 @@
               <a:defRPr/>
             </a:pPr>
             <a:r>
-              <a:rPr lang="en-US" altLang="zh-CN" dirty="0" err="1" smtClean="0">
+              <a:rPr lang="en-US" altLang="zh-CN" dirty="0" err="1">
                 <a:effectLst/>
               </a:rPr>
               <a:t>mkdir</a:t>
             </a:r>
             <a:r>
-              <a:rPr lang="en-US" altLang="zh-CN" dirty="0" smtClean="0">
+              <a:rPr lang="en-US" altLang="zh-CN" dirty="0">
                 <a:effectLst/>
               </a:rPr>
               <a:t> .</a:t>
             </a:r>
             <a:r>
-              <a:rPr lang="en-US" altLang="zh-CN" dirty="0" err="1" smtClean="0">
+              <a:rPr lang="en-US" altLang="zh-CN" dirty="0" err="1">
                 <a:effectLst/>
               </a:rPr>
               <a:t>kube</a:t>
             </a:r>
-            <a:endParaRPr lang="en-US" altLang="zh-CN" dirty="0" smtClean="0">
+            <a:endParaRPr lang="en-US" altLang="zh-CN" dirty="0">
               <a:effectLst/>
             </a:endParaRPr>
           </a:p>
@@ -6626,69 +7164,69 @@
               <a:defRPr/>
             </a:pPr>
             <a:r>
-              <a:rPr lang="en-US" altLang="zh-CN" dirty="0" smtClean="0">
+              <a:rPr lang="en-US" altLang="zh-CN" dirty="0">
                 <a:effectLst/>
               </a:rPr>
               <a:t>mv /root/</a:t>
             </a:r>
             <a:r>
-              <a:rPr lang="en-US" altLang="zh-CN" dirty="0" err="1" smtClean="0">
+              <a:rPr lang="en-US" altLang="zh-CN" dirty="0" err="1">
                 <a:effectLst/>
               </a:rPr>
               <a:t>admin.conf</a:t>
             </a:r>
             <a:r>
-              <a:rPr lang="en-US" altLang="zh-CN" dirty="0" smtClean="0">
+              <a:rPr lang="en-US" altLang="zh-CN" dirty="0">
                 <a:effectLst/>
               </a:rPr>
               <a:t> .</a:t>
             </a:r>
             <a:r>
-              <a:rPr lang="en-US" altLang="zh-CN" dirty="0" err="1" smtClean="0">
+              <a:rPr lang="en-US" altLang="zh-CN" dirty="0" err="1">
                 <a:effectLst/>
               </a:rPr>
               <a:t>kube</a:t>
             </a:r>
             <a:r>
-              <a:rPr lang="en-US" altLang="zh-CN" dirty="0" smtClean="0">
+              <a:rPr lang="en-US" altLang="zh-CN" dirty="0">
                 <a:effectLst/>
               </a:rPr>
               <a:t>/</a:t>
             </a:r>
             <a:r>
-              <a:rPr lang="en-US" altLang="zh-CN" dirty="0" err="1" smtClean="0">
+              <a:rPr lang="en-US" altLang="zh-CN" dirty="0" err="1">
                 <a:effectLst/>
               </a:rPr>
               <a:t>config</a:t>
             </a:r>
-            <a:endParaRPr lang="en-US" altLang="zh-CN" dirty="0" smtClean="0">
+            <a:endParaRPr lang="en-US" altLang="zh-CN" dirty="0">
               <a:effectLst/>
             </a:endParaRPr>
           </a:p>
           <a:p>
-            <a:endParaRPr kumimoji="1" lang="en-US" altLang="zh-CN" dirty="0" smtClean="0"/>
-          </a:p>
-          <a:p>
-            <a:r>
-              <a:rPr lang="en-US" altLang="zh-CN" dirty="0" err="1" smtClean="0">
+            <a:endParaRPr kumimoji="1" lang="en-US" altLang="zh-CN" dirty="0"/>
+          </a:p>
+          <a:p>
+            <a:r>
+              <a:rPr lang="en-US" altLang="zh-CN" dirty="0" err="1">
                 <a:effectLst/>
               </a:rPr>
               <a:t>kubectl</a:t>
             </a:r>
             <a:r>
-              <a:rPr lang="en-US" altLang="zh-CN" dirty="0" smtClean="0">
+              <a:rPr lang="en-US" altLang="zh-CN" dirty="0">
                 <a:effectLst/>
               </a:rPr>
               <a:t> run curl --image=radial/</a:t>
             </a:r>
             <a:r>
-              <a:rPr lang="en-US" altLang="zh-CN" dirty="0" err="1" smtClean="0">
+              <a:rPr lang="en-US" altLang="zh-CN" dirty="0" err="1">
                 <a:effectLst/>
               </a:rPr>
               <a:t>busyboxplus:curl</a:t>
             </a:r>
             <a:r>
-              <a:rPr lang="en-US" altLang="zh-CN" dirty="0" smtClean="0">
+              <a:rPr lang="en-US" altLang="zh-CN" dirty="0">
                 <a:effectLst/>
               </a:rPr>
               <a:t> -it</a:t>
@@ -6696,43 +7234,43 @@
           </a:p>
           <a:p>
             <a:r>
-              <a:rPr lang="en-US" altLang="zh-CN" dirty="0" err="1" smtClean="0">
+              <a:rPr lang="en-US" altLang="zh-CN" dirty="0" err="1">
                 <a:effectLst/>
               </a:rPr>
               <a:t>nslookup</a:t>
             </a:r>
             <a:r>
-              <a:rPr lang="en-US" altLang="zh-CN" dirty="0" smtClean="0">
+              <a:rPr lang="en-US" altLang="zh-CN" dirty="0">
                 <a:effectLst/>
               </a:rPr>
               <a:t> </a:t>
             </a:r>
             <a:r>
-              <a:rPr lang="en-US" altLang="zh-CN" dirty="0" err="1" smtClean="0">
+              <a:rPr lang="en-US" altLang="zh-CN" dirty="0" err="1">
                 <a:effectLst/>
               </a:rPr>
               <a:t>kubernetes.default</a:t>
             </a:r>
-            <a:endParaRPr lang="en-US" altLang="zh-CN" dirty="0" smtClean="0">
+            <a:endParaRPr lang="en-US" altLang="zh-CN" dirty="0">
               <a:effectLst/>
             </a:endParaRPr>
           </a:p>
           <a:p>
             <a:r>
-              <a:rPr lang="en-US" altLang="zh-CN" dirty="0" err="1" smtClean="0">
+              <a:rPr lang="en-US" altLang="zh-CN" dirty="0" err="1">
                 <a:effectLst/>
               </a:rPr>
               <a:t>kubectl</a:t>
             </a:r>
             <a:r>
-              <a:rPr lang="en-US" altLang="zh-CN" dirty="0" smtClean="0">
+              <a:rPr lang="en-US" altLang="zh-CN" dirty="0">
                 <a:effectLst/>
               </a:rPr>
               <a:t> describe pod curl</a:t>
             </a:r>
           </a:p>
           <a:p>
-            <a:endParaRPr kumimoji="1" lang="zh-CN" altLang="en-US" dirty="0" smtClean="0"/>
+            <a:endParaRPr kumimoji="1" lang="zh-CN" altLang="en-US" dirty="0"/>
           </a:p>
         </p:txBody>
       </p:sp>
@@ -6867,7 +7405,7 @@
           <a:effectLst/>
           <a:extLst>
             <a:ext uri="{91240B29-F687-4f45-9708-019B960494DF}">
-              <a14:hiddenLine xmlns:a14="http://schemas.microsoft.com/office/drawing/2010/main" xmlns="" w="9525">
+              <a14:hiddenLine xmlns="" xmlns:a14="http://schemas.microsoft.com/office/drawing/2010/main" w="9525">
                 <a:solidFill>
                   <a:srgbClr val="000000"/>
                 </a:solidFill>
@@ -6918,7 +7456,7 @@
           </a:lstStyle>
           <a:p>
             <a:r>
-              <a:rPr lang="zh-CN" altLang="en-US" smtClean="0"/>
+              <a:rPr lang="zh-CN" altLang="en-US"/>
               <a:t>单击此处编辑母版标题样式</a:t>
             </a:r>
             <a:endParaRPr lang="en-US" dirty="0"/>
@@ -7035,7 +7573,7 @@
           </a:lstStyle>
           <a:p>
             <a:r>
-              <a:rPr lang="zh-CN" altLang="en-US" smtClean="0"/>
+              <a:rPr lang="zh-CN" altLang="en-US"/>
               <a:t>单击此处编辑母版副标题样式</a:t>
             </a:r>
             <a:endParaRPr lang="en-US" dirty="0"/>
@@ -7060,7 +7598,7 @@
             <a:fld id="{08B9EBBA-996F-894A-B54A-D6246ED52CEA}" type="datetimeFigureOut">
               <a:rPr lang="en-US" dirty="0"/>
               <a:pPr/>
-              <a:t>6/24/2019</a:t>
+              <a:t>7/23/19</a:t>
             </a:fld>
             <a:endParaRPr lang="en-US" dirty="0"/>
           </a:p>
@@ -7161,7 +7699,7 @@
           </a:lstStyle>
           <a:p>
             <a:r>
-              <a:rPr lang="zh-CN" altLang="en-US" smtClean="0"/>
+              <a:rPr lang="zh-CN" altLang="en-US"/>
               <a:t>单击此处编辑母版标题样式</a:t>
             </a:r>
             <a:endParaRPr lang="en-US" dirty="0"/>
@@ -7283,7 +7821,7 @@
           </a:lstStyle>
           <a:p>
             <a:r>
-              <a:rPr lang="zh-CN" altLang="en-US" smtClean="0"/>
+              <a:rPr lang="zh-CN" altLang="en-US"/>
               <a:t>将图片拖动到占位符，或单击添加图标</a:t>
             </a:r>
             <a:endParaRPr lang="en-US" dirty="0"/>
@@ -7351,7 +7889,7 @@
           <a:p>
             <a:pPr lvl="0"/>
             <a:r>
-              <a:rPr lang="zh-CN" altLang="en-US" smtClean="0"/>
+              <a:rPr lang="zh-CN" altLang="en-US"/>
               <a:t>单击此处编辑母版文本样式</a:t>
             </a:r>
           </a:p>
@@ -7375,7 +7913,7 @@
             <a:fld id="{18C79C5D-2A6F-F04D-97DA-BEF2467B64E4}" type="datetimeFigureOut">
               <a:rPr lang="en-US" dirty="0"/>
               <a:pPr/>
-              <a:t>6/24/2019</a:t>
+              <a:t>7/23/19</a:t>
             </a:fld>
             <a:endParaRPr lang="en-US" dirty="0"/>
           </a:p>
@@ -7682,7 +8220,7 @@
           </a:lstStyle>
           <a:p>
             <a:r>
-              <a:rPr lang="zh-CN" altLang="en-US" smtClean="0"/>
+              <a:rPr lang="zh-CN" altLang="en-US"/>
               <a:t>单击此处编辑母版标题样式</a:t>
             </a:r>
             <a:endParaRPr lang="en-US" dirty="0"/>
@@ -7802,7 +8340,7 @@
           <a:p>
             <a:pPr lvl="0"/>
             <a:r>
-              <a:rPr lang="zh-CN" altLang="en-US" smtClean="0"/>
+              <a:rPr lang="zh-CN" altLang="en-US"/>
               <a:t>单击此处编辑母版文本样式</a:t>
             </a:r>
           </a:p>
@@ -7836,7 +8374,7 @@
           <a:p>
             <a:pPr lvl="0"/>
             <a:r>
-              <a:rPr lang="zh-CN" altLang="en-US" smtClean="0"/>
+              <a:rPr lang="zh-CN" altLang="en-US"/>
               <a:t>单击此处编辑母版文本样式</a:t>
             </a:r>
           </a:p>
@@ -7860,7 +8398,7 @@
             <a:fld id="{8DFA1846-DA80-1C48-A609-854EA85C59AD}" type="datetimeFigureOut">
               <a:rPr lang="en-US" dirty="0"/>
               <a:pPr/>
-              <a:t>6/24/2019</a:t>
+              <a:t>7/23/19</a:t>
             </a:fld>
             <a:endParaRPr lang="en-US" dirty="0"/>
           </a:p>
@@ -8167,7 +8705,7 @@
           </a:lstStyle>
           <a:p>
             <a:r>
-              <a:rPr lang="zh-CN" altLang="en-US" smtClean="0"/>
+              <a:rPr lang="zh-CN" altLang="en-US"/>
               <a:t>单击此处编辑母版标题样式</a:t>
             </a:r>
             <a:endParaRPr lang="en-US" dirty="0"/>
@@ -8202,7 +8740,7 @@
           <a:p>
             <a:pPr lvl="0"/>
             <a:r>
-              <a:rPr lang="zh-CN" altLang="en-US" smtClean="0"/>
+              <a:rPr lang="zh-CN" altLang="en-US"/>
               <a:t>单击此处编辑母版文本样式</a:t>
             </a:r>
           </a:p>
@@ -8226,7 +8764,7 @@
             <a:fld id="{FBF54567-0DE4-3F47-BF90-CB84690072F9}" type="datetimeFigureOut">
               <a:rPr lang="en-US" dirty="0"/>
               <a:pPr/>
-              <a:t>6/24/2019</a:t>
+              <a:t>7/23/19</a:t>
             </a:fld>
             <a:endParaRPr lang="en-US" dirty="0"/>
           </a:p>
@@ -8377,7 +8915,7 @@
           <a:ln/>
           <a:extLst>
             <a:ext uri="{91240B29-F687-4f45-9708-019B960494DF}">
-              <a14:hiddenLine xmlns:a14="http://schemas.microsoft.com/office/drawing/2010/main" xmlns="" w="9525">
+              <a14:hiddenLine xmlns="" xmlns:a14="http://schemas.microsoft.com/office/drawing/2010/main" w="9525">
                 <a:solidFill>
                   <a:srgbClr val="000000"/>
                 </a:solidFill>
@@ -8419,7 +8957,7 @@
           <a:lstStyle/>
           <a:p>
             <a:r>
-              <a:rPr lang="zh-CN" altLang="en-US" smtClean="0"/>
+              <a:rPr lang="zh-CN" altLang="en-US"/>
               <a:t>单击此处编辑母版标题样式</a:t>
             </a:r>
             <a:endParaRPr lang="en-US" dirty="0"/>
@@ -8443,35 +8981,35 @@
           <a:p>
             <a:pPr lvl="0"/>
             <a:r>
-              <a:rPr lang="zh-CN" altLang="en-US" smtClean="0"/>
+              <a:rPr lang="zh-CN" altLang="en-US"/>
               <a:t>单击此处编辑母版文本样式</a:t>
             </a:r>
           </a:p>
           <a:p>
             <a:pPr lvl="1"/>
             <a:r>
-              <a:rPr lang="zh-CN" altLang="en-US" smtClean="0"/>
+              <a:rPr lang="zh-CN" altLang="en-US"/>
               <a:t>二级</a:t>
             </a:r>
           </a:p>
           <a:p>
             <a:pPr lvl="2"/>
             <a:r>
-              <a:rPr lang="zh-CN" altLang="en-US" smtClean="0"/>
+              <a:rPr lang="zh-CN" altLang="en-US"/>
               <a:t>三级</a:t>
             </a:r>
           </a:p>
           <a:p>
             <a:pPr lvl="3"/>
             <a:r>
-              <a:rPr lang="zh-CN" altLang="en-US" smtClean="0"/>
+              <a:rPr lang="zh-CN" altLang="en-US"/>
               <a:t>四级</a:t>
             </a:r>
           </a:p>
           <a:p>
             <a:pPr lvl="4"/>
             <a:r>
-              <a:rPr lang="zh-CN" altLang="en-US" smtClean="0"/>
+              <a:rPr lang="zh-CN" altLang="en-US"/>
               <a:t>五级</a:t>
             </a:r>
             <a:endParaRPr lang="en-US" dirty="0"/>
@@ -8496,7 +9034,7 @@
             <a:fld id="{C6C52C72-DE31-F449-A4ED-4C594FD91407}" type="datetimeFigureOut">
               <a:rPr lang="en-US" dirty="0"/>
               <a:pPr/>
-              <a:t>6/24/2019</a:t>
+              <a:t>7/23/19</a:t>
             </a:fld>
             <a:endParaRPr lang="en-US" dirty="0"/>
           </a:p>
@@ -8649,7 +9187,7 @@
           <a:ln/>
           <a:extLst>
             <a:ext uri="{91240B29-F687-4f45-9708-019B960494DF}">
-              <a14:hiddenLine xmlns:a14="http://schemas.microsoft.com/office/drawing/2010/main" xmlns="" w="9525">
+              <a14:hiddenLine xmlns="" xmlns:a14="http://schemas.microsoft.com/office/drawing/2010/main" w="9525">
                 <a:solidFill>
                   <a:srgbClr val="000000"/>
                 </a:solidFill>
@@ -8696,7 +9234,7 @@
           <a:lstStyle/>
           <a:p>
             <a:r>
-              <a:rPr lang="zh-CN" altLang="en-US" smtClean="0"/>
+              <a:rPr lang="zh-CN" altLang="en-US"/>
               <a:t>单击此处编辑母版标题样式</a:t>
             </a:r>
             <a:endParaRPr lang="en-US" dirty="0"/>
@@ -8725,35 +9263,35 @@
           <a:p>
             <a:pPr lvl="0"/>
             <a:r>
-              <a:rPr lang="zh-CN" altLang="en-US" smtClean="0"/>
+              <a:rPr lang="zh-CN" altLang="en-US"/>
               <a:t>单击此处编辑母版文本样式</a:t>
             </a:r>
           </a:p>
           <a:p>
             <a:pPr lvl="1"/>
             <a:r>
-              <a:rPr lang="zh-CN" altLang="en-US" smtClean="0"/>
+              <a:rPr lang="zh-CN" altLang="en-US"/>
               <a:t>二级</a:t>
             </a:r>
           </a:p>
           <a:p>
             <a:pPr lvl="2"/>
             <a:r>
-              <a:rPr lang="zh-CN" altLang="en-US" smtClean="0"/>
+              <a:rPr lang="zh-CN" altLang="en-US"/>
               <a:t>三级</a:t>
             </a:r>
           </a:p>
           <a:p>
             <a:pPr lvl="3"/>
             <a:r>
-              <a:rPr lang="zh-CN" altLang="en-US" smtClean="0"/>
+              <a:rPr lang="zh-CN" altLang="en-US"/>
               <a:t>四级</a:t>
             </a:r>
           </a:p>
           <a:p>
             <a:pPr lvl="4"/>
             <a:r>
-              <a:rPr lang="zh-CN" altLang="en-US" smtClean="0"/>
+              <a:rPr lang="zh-CN" altLang="en-US"/>
               <a:t>五级</a:t>
             </a:r>
             <a:endParaRPr lang="en-US" dirty="0"/>
@@ -8778,7 +9316,7 @@
             <a:fld id="{ED62726E-379B-B349-9EED-81ED093FA806}" type="datetimeFigureOut">
               <a:rPr lang="en-US" dirty="0"/>
               <a:pPr/>
-              <a:t>6/24/2019</a:t>
+              <a:t>7/23/19</a:t>
             </a:fld>
             <a:endParaRPr lang="en-US" dirty="0"/>
           </a:p>
@@ -8929,7 +9467,7 @@
           <a:ln/>
           <a:extLst>
             <a:ext uri="{91240B29-F687-4f45-9708-019B960494DF}">
-              <a14:hiddenLine xmlns:a14="http://schemas.microsoft.com/office/drawing/2010/main" xmlns="" w="9525">
+              <a14:hiddenLine xmlns="" xmlns:a14="http://schemas.microsoft.com/office/drawing/2010/main" w="9525">
                 <a:solidFill>
                   <a:srgbClr val="000000"/>
                 </a:solidFill>
@@ -8976,7 +9514,7 @@
           <a:lstStyle/>
           <a:p>
             <a:r>
-              <a:rPr lang="zh-CN" altLang="en-US" smtClean="0"/>
+              <a:rPr lang="zh-CN" altLang="en-US"/>
               <a:t>单击此处编辑母版标题样式</a:t>
             </a:r>
             <a:endParaRPr lang="en-US" dirty="0"/>
@@ -9005,35 +9543,35 @@
           <a:p>
             <a:pPr lvl="0"/>
             <a:r>
-              <a:rPr lang="zh-CN" altLang="en-US" smtClean="0"/>
+              <a:rPr lang="zh-CN" altLang="en-US"/>
               <a:t>单击此处编辑母版文本样式</a:t>
             </a:r>
           </a:p>
           <a:p>
             <a:pPr lvl="1"/>
             <a:r>
-              <a:rPr lang="zh-CN" altLang="en-US" smtClean="0"/>
+              <a:rPr lang="zh-CN" altLang="en-US"/>
               <a:t>二级</a:t>
             </a:r>
           </a:p>
           <a:p>
             <a:pPr lvl="2"/>
             <a:r>
-              <a:rPr lang="zh-CN" altLang="en-US" smtClean="0"/>
+              <a:rPr lang="zh-CN" altLang="en-US"/>
               <a:t>三级</a:t>
             </a:r>
           </a:p>
           <a:p>
             <a:pPr lvl="3"/>
             <a:r>
-              <a:rPr lang="zh-CN" altLang="en-US" smtClean="0"/>
+              <a:rPr lang="zh-CN" altLang="en-US"/>
               <a:t>四级</a:t>
             </a:r>
           </a:p>
           <a:p>
             <a:pPr lvl="4"/>
             <a:r>
-              <a:rPr lang="zh-CN" altLang="en-US" smtClean="0"/>
+              <a:rPr lang="zh-CN" altLang="en-US"/>
               <a:t>五级</a:t>
             </a:r>
             <a:endParaRPr lang="en-US" dirty="0"/>
@@ -9058,7 +9596,7 @@
             <a:fld id="{9B3A1323-8D79-1946-B0D7-40001CF92E9D}" type="datetimeFigureOut">
               <a:rPr lang="en-US" dirty="0"/>
               <a:pPr/>
-              <a:t>6/24/2019</a:t>
+              <a:t>7/23/19</a:t>
             </a:fld>
             <a:endParaRPr lang="en-US" dirty="0"/>
           </a:p>
@@ -9254,7 +9792,7 @@
           </a:lstStyle>
           <a:p>
             <a:r>
-              <a:rPr lang="zh-CN" altLang="en-US" smtClean="0"/>
+              <a:rPr lang="zh-CN" altLang="en-US"/>
               <a:t>单击此处编辑母版标题样式</a:t>
             </a:r>
             <a:endParaRPr lang="en-US" dirty="0"/>
@@ -9374,7 +9912,7 @@
           <a:p>
             <a:pPr lvl="0"/>
             <a:r>
-              <a:rPr lang="zh-CN" altLang="en-US" smtClean="0"/>
+              <a:rPr lang="zh-CN" altLang="en-US"/>
               <a:t>单击此处编辑母版文本样式</a:t>
             </a:r>
           </a:p>
@@ -9398,7 +9936,7 @@
             <a:fld id="{8DFA1846-DA80-1C48-A609-854EA85C59AD}" type="datetimeFigureOut">
               <a:rPr lang="en-US" dirty="0"/>
               <a:pPr/>
-              <a:t>6/24/2019</a:t>
+              <a:t>7/23/19</a:t>
             </a:fld>
             <a:endParaRPr lang="en-US" dirty="0"/>
           </a:p>
@@ -9549,7 +10087,7 @@
           <a:ln/>
           <a:extLst>
             <a:ext uri="{91240B29-F687-4f45-9708-019B960494DF}">
-              <a14:hiddenLine xmlns:a14="http://schemas.microsoft.com/office/drawing/2010/main" xmlns="" w="9525">
+              <a14:hiddenLine xmlns="" xmlns:a14="http://schemas.microsoft.com/office/drawing/2010/main" w="9525">
                 <a:solidFill>
                   <a:srgbClr val="000000"/>
                 </a:solidFill>
@@ -9591,7 +10129,7 @@
           <a:lstStyle/>
           <a:p>
             <a:r>
-              <a:rPr lang="zh-CN" altLang="en-US" smtClean="0"/>
+              <a:rPr lang="zh-CN" altLang="en-US"/>
               <a:t>单击此处编辑母版标题样式</a:t>
             </a:r>
             <a:endParaRPr lang="en-US" dirty="0"/>
@@ -9622,35 +10160,35 @@
           <a:p>
             <a:pPr lvl="0"/>
             <a:r>
-              <a:rPr lang="zh-CN" altLang="en-US" smtClean="0"/>
+              <a:rPr lang="zh-CN" altLang="en-US"/>
               <a:t>单击此处编辑母版文本样式</a:t>
             </a:r>
           </a:p>
           <a:p>
             <a:pPr lvl="1"/>
             <a:r>
-              <a:rPr lang="zh-CN" altLang="en-US" smtClean="0"/>
+              <a:rPr lang="zh-CN" altLang="en-US"/>
               <a:t>二级</a:t>
             </a:r>
           </a:p>
           <a:p>
             <a:pPr lvl="2"/>
             <a:r>
-              <a:rPr lang="zh-CN" altLang="en-US" smtClean="0"/>
+              <a:rPr lang="zh-CN" altLang="en-US"/>
               <a:t>三级</a:t>
             </a:r>
           </a:p>
           <a:p>
             <a:pPr lvl="3"/>
             <a:r>
-              <a:rPr lang="zh-CN" altLang="en-US" smtClean="0"/>
+              <a:rPr lang="zh-CN" altLang="en-US"/>
               <a:t>四级</a:t>
             </a:r>
           </a:p>
           <a:p>
             <a:pPr lvl="4"/>
             <a:r>
-              <a:rPr lang="zh-CN" altLang="en-US" smtClean="0"/>
+              <a:rPr lang="zh-CN" altLang="en-US"/>
               <a:t>五级</a:t>
             </a:r>
             <a:endParaRPr lang="en-US" dirty="0"/>
@@ -9681,35 +10219,35 @@
           <a:p>
             <a:pPr lvl="0"/>
             <a:r>
-              <a:rPr lang="zh-CN" altLang="en-US" smtClean="0"/>
+              <a:rPr lang="zh-CN" altLang="en-US"/>
               <a:t>单击此处编辑母版文本样式</a:t>
             </a:r>
           </a:p>
           <a:p>
             <a:pPr lvl="1"/>
             <a:r>
-              <a:rPr lang="zh-CN" altLang="en-US" smtClean="0"/>
+              <a:rPr lang="zh-CN" altLang="en-US"/>
               <a:t>二级</a:t>
             </a:r>
           </a:p>
           <a:p>
             <a:pPr lvl="2"/>
             <a:r>
-              <a:rPr lang="zh-CN" altLang="en-US" smtClean="0"/>
+              <a:rPr lang="zh-CN" altLang="en-US"/>
               <a:t>三级</a:t>
             </a:r>
           </a:p>
           <a:p>
             <a:pPr lvl="3"/>
             <a:r>
-              <a:rPr lang="zh-CN" altLang="en-US" smtClean="0"/>
+              <a:rPr lang="zh-CN" altLang="en-US"/>
               <a:t>四级</a:t>
             </a:r>
           </a:p>
           <a:p>
             <a:pPr lvl="4"/>
             <a:r>
-              <a:rPr lang="zh-CN" altLang="en-US" smtClean="0"/>
+              <a:rPr lang="zh-CN" altLang="en-US"/>
               <a:t>五级</a:t>
             </a:r>
             <a:endParaRPr lang="en-US" dirty="0"/>
@@ -9734,7 +10272,7 @@
             <a:fld id="{57302355-E14B-8545-A8F8-0FE83CC9D524}" type="datetimeFigureOut">
               <a:rPr lang="en-US" dirty="0"/>
               <a:pPr/>
-              <a:t>6/24/2019</a:t>
+              <a:t>7/23/19</a:t>
             </a:fld>
             <a:endParaRPr lang="en-US" dirty="0"/>
           </a:p>
@@ -9885,7 +10423,7 @@
           <a:ln/>
           <a:extLst>
             <a:ext uri="{91240B29-F687-4f45-9708-019B960494DF}">
-              <a14:hiddenLine xmlns:a14="http://schemas.microsoft.com/office/drawing/2010/main" xmlns="" w="9525">
+              <a14:hiddenLine xmlns="" xmlns:a14="http://schemas.microsoft.com/office/drawing/2010/main" w="9525">
                 <a:solidFill>
                   <a:srgbClr val="000000"/>
                 </a:solidFill>
@@ -9931,7 +10469,7 @@
           </a:lstStyle>
           <a:p>
             <a:r>
-              <a:rPr lang="zh-CN" altLang="en-US" smtClean="0"/>
+              <a:rPr lang="zh-CN" altLang="en-US"/>
               <a:t>单击此处编辑母版标题样式</a:t>
             </a:r>
             <a:endParaRPr lang="en-US" dirty="0"/>
@@ -9999,7 +10537,7 @@
           <a:p>
             <a:pPr lvl="0"/>
             <a:r>
-              <a:rPr lang="zh-CN" altLang="en-US" smtClean="0"/>
+              <a:rPr lang="zh-CN" altLang="en-US"/>
               <a:t>单击此处编辑母版文本样式</a:t>
             </a:r>
           </a:p>
@@ -10029,35 +10567,35 @@
           <a:p>
             <a:pPr lvl="0"/>
             <a:r>
-              <a:rPr lang="zh-CN" altLang="en-US" smtClean="0"/>
+              <a:rPr lang="zh-CN" altLang="en-US"/>
               <a:t>单击此处编辑母版文本样式</a:t>
             </a:r>
           </a:p>
           <a:p>
             <a:pPr lvl="1"/>
             <a:r>
-              <a:rPr lang="zh-CN" altLang="en-US" smtClean="0"/>
+              <a:rPr lang="zh-CN" altLang="en-US"/>
               <a:t>二级</a:t>
             </a:r>
           </a:p>
           <a:p>
             <a:pPr lvl="2"/>
             <a:r>
-              <a:rPr lang="zh-CN" altLang="en-US" smtClean="0"/>
+              <a:rPr lang="zh-CN" altLang="en-US"/>
               <a:t>三级</a:t>
             </a:r>
           </a:p>
           <a:p>
             <a:pPr lvl="3"/>
             <a:r>
-              <a:rPr lang="zh-CN" altLang="en-US" smtClean="0"/>
+              <a:rPr lang="zh-CN" altLang="en-US"/>
               <a:t>四级</a:t>
             </a:r>
           </a:p>
           <a:p>
             <a:pPr lvl="4"/>
             <a:r>
-              <a:rPr lang="zh-CN" altLang="en-US" smtClean="0"/>
+              <a:rPr lang="zh-CN" altLang="en-US"/>
               <a:t>五级</a:t>
             </a:r>
             <a:endParaRPr lang="en-US" dirty="0"/>
@@ -10125,7 +10663,7 @@
           <a:p>
             <a:pPr lvl="0"/>
             <a:r>
-              <a:rPr lang="zh-CN" altLang="en-US" smtClean="0"/>
+              <a:rPr lang="zh-CN" altLang="en-US"/>
               <a:t>单击此处编辑母版文本样式</a:t>
             </a:r>
           </a:p>
@@ -10155,35 +10693,35 @@
           <a:p>
             <a:pPr lvl="0"/>
             <a:r>
-              <a:rPr lang="zh-CN" altLang="en-US" smtClean="0"/>
+              <a:rPr lang="zh-CN" altLang="en-US"/>
               <a:t>单击此处编辑母版文本样式</a:t>
             </a:r>
           </a:p>
           <a:p>
             <a:pPr lvl="1"/>
             <a:r>
-              <a:rPr lang="zh-CN" altLang="en-US" smtClean="0"/>
+              <a:rPr lang="zh-CN" altLang="en-US"/>
               <a:t>二级</a:t>
             </a:r>
           </a:p>
           <a:p>
             <a:pPr lvl="2"/>
             <a:r>
-              <a:rPr lang="zh-CN" altLang="en-US" smtClean="0"/>
+              <a:rPr lang="zh-CN" altLang="en-US"/>
               <a:t>三级</a:t>
             </a:r>
           </a:p>
           <a:p>
             <a:pPr lvl="3"/>
             <a:r>
-              <a:rPr lang="zh-CN" altLang="en-US" smtClean="0"/>
+              <a:rPr lang="zh-CN" altLang="en-US"/>
               <a:t>四级</a:t>
             </a:r>
           </a:p>
           <a:p>
             <a:pPr lvl="4"/>
             <a:r>
-              <a:rPr lang="zh-CN" altLang="en-US" smtClean="0"/>
+              <a:rPr lang="zh-CN" altLang="en-US"/>
               <a:t>五级</a:t>
             </a:r>
             <a:endParaRPr lang="en-US" dirty="0"/>
@@ -10208,7 +10746,7 @@
             <a:fld id="{02640F58-564D-2B4F-AE67-E407BA4FCF45}" type="datetimeFigureOut">
               <a:rPr lang="en-US" dirty="0"/>
               <a:pPr/>
-              <a:t>6/24/2019</a:t>
+              <a:t>7/23/19</a:t>
             </a:fld>
             <a:endParaRPr lang="en-US" dirty="0"/>
           </a:p>
@@ -10359,7 +10897,7 @@
           <a:ln/>
           <a:extLst>
             <a:ext uri="{91240B29-F687-4f45-9708-019B960494DF}">
-              <a14:hiddenLine xmlns:a14="http://schemas.microsoft.com/office/drawing/2010/main" xmlns="" w="9525">
+              <a14:hiddenLine xmlns="" xmlns:a14="http://schemas.microsoft.com/office/drawing/2010/main" w="9525">
                 <a:solidFill>
                   <a:srgbClr val="000000"/>
                 </a:solidFill>
@@ -10401,7 +10939,7 @@
           <a:lstStyle/>
           <a:p>
             <a:r>
-              <a:rPr lang="zh-CN" altLang="en-US" smtClean="0"/>
+              <a:rPr lang="zh-CN" altLang="en-US"/>
               <a:t>单击此处编辑母版标题样式</a:t>
             </a:r>
             <a:endParaRPr lang="en-US" dirty="0"/>
@@ -10426,7 +10964,7 @@
             <a:fld id="{F13A34C8-038E-2045-AF43-DF7DBB8E0E9E}" type="datetimeFigureOut">
               <a:rPr lang="en-US" dirty="0"/>
               <a:pPr/>
-              <a:t>6/24/2019</a:t>
+              <a:t>7/23/19</a:t>
             </a:fld>
             <a:endParaRPr lang="en-US" dirty="0"/>
           </a:p>
@@ -10518,7 +11056,7 @@
             <a:fld id="{8818C68F-D26B-8F47-958C-23B49CF8A634}" type="datetimeFigureOut">
               <a:rPr lang="en-US" dirty="0"/>
               <a:pPr/>
-              <a:t>6/24/2019</a:t>
+              <a:t>7/23/19</a:t>
             </a:fld>
             <a:endParaRPr lang="en-US" dirty="0"/>
           </a:p>
@@ -10782,7 +11320,7 @@
           <a:ln/>
           <a:extLst>
             <a:ext uri="{91240B29-F687-4f45-9708-019B960494DF}">
-              <a14:hiddenLine xmlns:a14="http://schemas.microsoft.com/office/drawing/2010/main" xmlns="" w="9525">
+              <a14:hiddenLine xmlns="" xmlns:a14="http://schemas.microsoft.com/office/drawing/2010/main" w="9525">
                 <a:solidFill>
                   <a:srgbClr val="000000"/>
                 </a:solidFill>
@@ -10833,7 +11371,7 @@
           </a:lstStyle>
           <a:p>
             <a:r>
-              <a:rPr lang="zh-CN" altLang="en-US" smtClean="0"/>
+              <a:rPr lang="zh-CN" altLang="en-US"/>
               <a:t>单击此处编辑母版标题样式</a:t>
             </a:r>
             <a:endParaRPr lang="en-US" dirty="0"/>
@@ -10864,35 +11402,35 @@
           <a:p>
             <a:pPr lvl="0"/>
             <a:r>
-              <a:rPr lang="zh-CN" altLang="en-US" smtClean="0"/>
+              <a:rPr lang="zh-CN" altLang="en-US"/>
               <a:t>单击此处编辑母版文本样式</a:t>
             </a:r>
           </a:p>
           <a:p>
             <a:pPr lvl="1"/>
             <a:r>
-              <a:rPr lang="zh-CN" altLang="en-US" smtClean="0"/>
+              <a:rPr lang="zh-CN" altLang="en-US"/>
               <a:t>二级</a:t>
             </a:r>
           </a:p>
           <a:p>
             <a:pPr lvl="2"/>
             <a:r>
-              <a:rPr lang="zh-CN" altLang="en-US" smtClean="0"/>
+              <a:rPr lang="zh-CN" altLang="en-US"/>
               <a:t>三级</a:t>
             </a:r>
           </a:p>
           <a:p>
             <a:pPr lvl="3"/>
             <a:r>
-              <a:rPr lang="zh-CN" altLang="en-US" smtClean="0"/>
+              <a:rPr lang="zh-CN" altLang="en-US"/>
               <a:t>四级</a:t>
             </a:r>
           </a:p>
           <a:p>
             <a:pPr lvl="4"/>
             <a:r>
-              <a:rPr lang="zh-CN" altLang="en-US" smtClean="0"/>
+              <a:rPr lang="zh-CN" altLang="en-US"/>
               <a:t>五级</a:t>
             </a:r>
             <a:endParaRPr lang="en-US" dirty="0"/>
@@ -10958,7 +11496,7 @@
           <a:p>
             <a:pPr lvl="0"/>
             <a:r>
-              <a:rPr lang="zh-CN" altLang="en-US" smtClean="0"/>
+              <a:rPr lang="zh-CN" altLang="en-US"/>
               <a:t>单击此处编辑母版文本样式</a:t>
             </a:r>
           </a:p>
@@ -10982,7 +11520,7 @@
             <a:fld id="{D0DF5E60-9974-AC48-9591-99C2BB44B7CF}" type="datetimeFigureOut">
               <a:rPr lang="en-US" dirty="0"/>
               <a:pPr/>
-              <a:t>6/24/2019</a:t>
+              <a:t>7/23/19</a:t>
             </a:fld>
             <a:endParaRPr lang="en-US" dirty="0"/>
           </a:p>
@@ -11083,7 +11621,7 @@
           </a:lstStyle>
           <a:p>
             <a:r>
-              <a:rPr lang="zh-CN" altLang="en-US" smtClean="0"/>
+              <a:rPr lang="zh-CN" altLang="en-US"/>
               <a:t>单击此处编辑母版标题样式</a:t>
             </a:r>
             <a:endParaRPr lang="en-US" dirty="0"/>
@@ -11195,7 +11733,7 @@
           </a:lstStyle>
           <a:p>
             <a:r>
-              <a:rPr lang="zh-CN" altLang="en-US" smtClean="0"/>
+              <a:rPr lang="zh-CN" altLang="en-US"/>
               <a:t>将图片拖动到占位符，或单击添加图标</a:t>
             </a:r>
             <a:endParaRPr lang="en-US" dirty="0"/>
@@ -11263,7 +11801,7 @@
           <a:p>
             <a:pPr lvl="0"/>
             <a:r>
-              <a:rPr lang="zh-CN" altLang="en-US" smtClean="0"/>
+              <a:rPr lang="zh-CN" altLang="en-US"/>
               <a:t>单击此处编辑母版文本样式</a:t>
             </a:r>
           </a:p>
@@ -11292,7 +11830,7 @@
             <a:fld id="{18C79C5D-2A6F-F04D-97DA-BEF2467B64E4}" type="datetimeFigureOut">
               <a:rPr lang="en-US" dirty="0"/>
               <a:pPr/>
-              <a:t>6/24/2019</a:t>
+              <a:t>7/23/19</a:t>
             </a:fld>
             <a:endParaRPr lang="en-US" dirty="0"/>
           </a:p>
@@ -11414,7 +11952,7 @@
           <a:lstStyle/>
           <a:p>
             <a:r>
-              <a:rPr lang="zh-CN" altLang="en-US" smtClean="0"/>
+              <a:rPr lang="zh-CN" altLang="en-US"/>
               <a:t>单击此处编辑母版标题样式</a:t>
             </a:r>
             <a:endParaRPr lang="en-US" dirty="0"/>
@@ -11455,35 +11993,35 @@
           <a:p>
             <a:pPr lvl="0"/>
             <a:r>
-              <a:rPr lang="zh-CN" altLang="en-US" smtClean="0"/>
+              <a:rPr lang="zh-CN" altLang="en-US"/>
               <a:t>单击此处编辑母版文本样式</a:t>
             </a:r>
           </a:p>
           <a:p>
             <a:pPr lvl="1"/>
             <a:r>
-              <a:rPr lang="zh-CN" altLang="en-US" smtClean="0"/>
+              <a:rPr lang="zh-CN" altLang="en-US"/>
               <a:t>二级</a:t>
             </a:r>
           </a:p>
           <a:p>
             <a:pPr lvl="2"/>
             <a:r>
-              <a:rPr lang="zh-CN" altLang="en-US" smtClean="0"/>
+              <a:rPr lang="zh-CN" altLang="en-US"/>
               <a:t>三级</a:t>
             </a:r>
           </a:p>
           <a:p>
             <a:pPr lvl="3"/>
             <a:r>
-              <a:rPr lang="zh-CN" altLang="en-US" smtClean="0"/>
+              <a:rPr lang="zh-CN" altLang="en-US"/>
               <a:t>四级</a:t>
             </a:r>
           </a:p>
           <a:p>
             <a:pPr lvl="4"/>
             <a:r>
-              <a:rPr lang="zh-CN" altLang="en-US" smtClean="0"/>
+              <a:rPr lang="zh-CN" altLang="en-US"/>
               <a:t>五级</a:t>
             </a:r>
             <a:endParaRPr lang="en-US" dirty="0"/>
@@ -11559,7 +12097,7 @@
             <a:fld id="{09B482E8-6E0E-1B4F-B1FD-C69DB9E858D9}" type="datetimeFigureOut">
               <a:rPr lang="en-US" dirty="0"/>
               <a:pPr/>
-              <a:t>6/24/2019</a:t>
+              <a:t>7/23/19</a:t>
             </a:fld>
             <a:endParaRPr lang="en-US" dirty="0"/>
           </a:p>
@@ -12041,14 +12579,13 @@
           <a:p>
             <a:pPr algn="ctr"/>
             <a:r>
-              <a:rPr kumimoji="1" lang="en-US" altLang="zh-CN" dirty="0" smtClean="0"/>
+              <a:rPr kumimoji="1" lang="en-US" altLang="zh-CN" dirty="0"/>
               <a:t>K8s</a:t>
             </a:r>
             <a:r>
-              <a:rPr kumimoji="1" lang="zh-CN" altLang="en-US" dirty="0" smtClean="0"/>
+              <a:rPr kumimoji="1" lang="zh-CN" altLang="en-US" dirty="0"/>
               <a:t>简介及安装</a:t>
             </a:r>
-            <a:endParaRPr kumimoji="1" lang="zh-CN" altLang="en-US" dirty="0"/>
           </a:p>
         </p:txBody>
       </p:sp>
@@ -12086,13 +12623,6 @@
   <p:clrMapOvr>
     <a:masterClrMapping/>
   </p:clrMapOvr>
-  <p:timing>
-    <p:tnLst>
-      <p:par>
-        <p:cTn id="1" dur="indefinite" restart="never" nodeType="tmRoot"/>
-      </p:par>
-    </p:tnLst>
-  </p:timing>
 </p:sld>
 </file>
 
@@ -12129,14 +12659,13 @@
           <a:lstStyle/>
           <a:p>
             <a:r>
-              <a:rPr kumimoji="1" lang="en-US" altLang="zh-CN" dirty="0" smtClean="0"/>
+              <a:rPr kumimoji="1" lang="en-US" altLang="zh-CN" dirty="0"/>
               <a:t>K8s</a:t>
             </a:r>
             <a:r>
-              <a:rPr kumimoji="1" lang="zh-CN" altLang="en-US" dirty="0" smtClean="0"/>
+              <a:rPr kumimoji="1" lang="zh-CN" altLang="en-US" dirty="0"/>
               <a:t>安装</a:t>
             </a:r>
-            <a:endParaRPr kumimoji="1" lang="zh-CN" altLang="en-US" dirty="0"/>
           </a:p>
         </p:txBody>
       </p:sp>
@@ -12156,11 +12685,11 @@
           <a:lstStyle/>
           <a:p>
             <a:r>
-              <a:rPr lang="en-US" altLang="zh-CN" dirty="0" smtClean="0"/>
+              <a:rPr lang="en-US" altLang="zh-CN" dirty="0"/>
               <a:t>Master</a:t>
             </a:r>
             <a:r>
-              <a:rPr lang="zh-CN" altLang="en-US" dirty="0" smtClean="0"/>
+              <a:rPr lang="zh-CN" altLang="en-US" dirty="0"/>
               <a:t>安装</a:t>
             </a:r>
           </a:p>
@@ -12186,10 +12715,10 @@
               <a:t>kubectl</a:t>
             </a:r>
             <a:r>
-              <a:rPr lang="zh-CN" altLang="en-US" dirty="0" smtClean="0"/>
+              <a:rPr lang="zh-CN" altLang="en-US" dirty="0"/>
               <a:t>配置</a:t>
             </a:r>
-            <a:endParaRPr lang="en-US" altLang="zh-CN" dirty="0" smtClean="0"/>
+            <a:endParaRPr lang="en-US" altLang="zh-CN" dirty="0"/>
           </a:p>
           <a:p>
             <a:pPr lvl="1"/>
@@ -12213,35 +12742,31 @@
               <a:t>pod</a:t>
             </a:r>
             <a:r>
-              <a:rPr lang="zh-CN" altLang="en-US" dirty="0" smtClean="0"/>
+              <a:rPr lang="zh-CN" altLang="en-US" dirty="0"/>
               <a:t>状态</a:t>
             </a:r>
-            <a:endParaRPr lang="en-US" altLang="zh-CN" dirty="0" smtClean="0"/>
+            <a:endParaRPr lang="en-US" altLang="zh-CN" dirty="0"/>
           </a:p>
           <a:p>
             <a:pPr lvl="1"/>
             <a:r>
-              <a:rPr lang="zh-CN" altLang="en-US" dirty="0" smtClean="0"/>
+              <a:rPr lang="zh-CN" altLang="en-US" dirty="0"/>
               <a:t>修改</a:t>
             </a:r>
             <a:r>
-              <a:rPr lang="en-US" altLang="zh-CN" dirty="0" err="1" smtClean="0"/>
+              <a:rPr lang="en-US" altLang="zh-CN" dirty="0" err="1"/>
               <a:t>admin.conf</a:t>
             </a:r>
             <a:r>
-              <a:rPr lang="zh-CN" altLang="en-US" dirty="0" smtClean="0"/>
+              <a:rPr lang="zh-CN" altLang="en-US" dirty="0"/>
               <a:t>权限，其</a:t>
             </a:r>
             <a:r>
-              <a:rPr lang="zh-CN" altLang="mr-IN" dirty="0" smtClean="0"/>
-              <a:t>拷贝</a:t>
-            </a:r>
-            <a:r>
               <a:rPr lang="zh-CN" altLang="mr-IN" dirty="0"/>
-              <a:t>到</a:t>
-            </a:r>
-            <a:r>
-              <a:rPr lang="mr-IN" altLang="zh-CN" dirty="0" err="1" smtClean="0"/>
+              <a:t>拷贝到</a:t>
+            </a:r>
+            <a:r>
+              <a:rPr lang="mr-IN" altLang="zh-CN" dirty="0" err="1"/>
               <a:t>node</a:t>
             </a:r>
             <a:endParaRPr lang="zh-CN" altLang="en-US" dirty="0"/>
@@ -12258,13 +12783,6 @@
   <p:clrMapOvr>
     <a:masterClrMapping/>
   </p:clrMapOvr>
-  <p:timing>
-    <p:tnLst>
-      <p:par>
-        <p:cTn id="1" dur="indefinite" restart="never" nodeType="tmRoot"/>
-      </p:par>
-    </p:tnLst>
-  </p:timing>
 </p:sld>
 </file>
 
@@ -12301,14 +12819,13 @@
           <a:lstStyle/>
           <a:p>
             <a:r>
-              <a:rPr kumimoji="1" lang="en-US" altLang="zh-CN" dirty="0" smtClean="0"/>
+              <a:rPr kumimoji="1" lang="en-US" altLang="zh-CN" dirty="0"/>
               <a:t>K8s</a:t>
             </a:r>
             <a:r>
-              <a:rPr kumimoji="1" lang="zh-CN" altLang="en-US" dirty="0" smtClean="0"/>
+              <a:rPr kumimoji="1" lang="zh-CN" altLang="en-US" dirty="0"/>
               <a:t>安装</a:t>
             </a:r>
-            <a:endParaRPr kumimoji="1" lang="zh-CN" altLang="en-US" dirty="0"/>
           </a:p>
         </p:txBody>
       </p:sp>
@@ -12328,14 +12845,14 @@
           <a:lstStyle/>
           <a:p>
             <a:r>
-              <a:rPr kumimoji="1" lang="en-US" altLang="zh-CN" dirty="0" smtClean="0"/>
+              <a:rPr kumimoji="1" lang="en-US" altLang="zh-CN" dirty="0"/>
               <a:t>Node</a:t>
             </a:r>
             <a:r>
-              <a:rPr kumimoji="1" lang="zh-CN" altLang="en-US" dirty="0" smtClean="0"/>
+              <a:rPr kumimoji="1" lang="zh-CN" altLang="en-US" dirty="0"/>
               <a:t>安装</a:t>
             </a:r>
-            <a:endParaRPr kumimoji="1" lang="en-US" altLang="zh-CN" dirty="0" smtClean="0"/>
+            <a:endParaRPr kumimoji="1" lang="en-US" altLang="zh-CN" dirty="0"/>
           </a:p>
           <a:p>
             <a:pPr lvl="1"/>
@@ -12348,10 +12865,10 @@
               <a:t>node</a:t>
             </a:r>
             <a:r>
-              <a:rPr lang="zh-CN" altLang="en-US" dirty="0" smtClean="0"/>
+              <a:rPr lang="zh-CN" altLang="en-US" dirty="0"/>
               <a:t>节点</a:t>
             </a:r>
-            <a:endParaRPr lang="en-US" altLang="zh-CN" dirty="0" smtClean="0"/>
+            <a:endParaRPr lang="en-US" altLang="zh-CN" dirty="0"/>
           </a:p>
           <a:p>
             <a:pPr lvl="1"/>
@@ -12360,10 +12877,10 @@
               <a:t>kubectl</a:t>
             </a:r>
             <a:r>
-              <a:rPr lang="zh-CN" altLang="en-US" dirty="0" smtClean="0"/>
+              <a:rPr lang="zh-CN" altLang="en-US" dirty="0"/>
               <a:t>配置</a:t>
             </a:r>
-            <a:endParaRPr lang="en-US" altLang="zh-CN" dirty="0" smtClean="0"/>
+            <a:endParaRPr lang="en-US" altLang="zh-CN" dirty="0"/>
           </a:p>
           <a:p>
             <a:pPr lvl="1"/>
@@ -12376,10 +12893,9 @@
               <a:t>pod</a:t>
             </a:r>
             <a:r>
-              <a:rPr lang="zh-CN" altLang="en-US" dirty="0" smtClean="0"/>
+              <a:rPr lang="zh-CN" altLang="en-US" dirty="0"/>
               <a:t>测试</a:t>
             </a:r>
-            <a:endParaRPr lang="zh-CN" altLang="en-US" dirty="0"/>
           </a:p>
         </p:txBody>
       </p:sp>
@@ -12393,13 +12909,6 @@
   <p:clrMapOvr>
     <a:masterClrMapping/>
   </p:clrMapOvr>
-  <p:timing>
-    <p:tnLst>
-      <p:par>
-        <p:cTn id="1" dur="indefinite" restart="never" nodeType="tmRoot"/>
-      </p:par>
-    </p:tnLst>
-  </p:timing>
 </p:sld>
 </file>
 
@@ -12436,14 +12945,13 @@
           <a:lstStyle/>
           <a:p>
             <a:r>
-              <a:rPr kumimoji="1" lang="en-US" altLang="zh-CN" dirty="0" smtClean="0"/>
+              <a:rPr kumimoji="1" lang="en-US" altLang="zh-CN" dirty="0"/>
               <a:t>K8s</a:t>
             </a:r>
             <a:r>
-              <a:rPr kumimoji="1" lang="zh-CN" altLang="en-US" dirty="0" smtClean="0"/>
+              <a:rPr kumimoji="1" lang="zh-CN" altLang="en-US" dirty="0"/>
               <a:t>安装</a:t>
             </a:r>
-            <a:endParaRPr kumimoji="1" lang="zh-CN" altLang="en-US" dirty="0"/>
           </a:p>
         </p:txBody>
       </p:sp>
@@ -12463,49 +12971,47 @@
           <a:lstStyle/>
           <a:p>
             <a:r>
-              <a:rPr kumimoji="1" lang="zh-CN" altLang="en-US" dirty="0" smtClean="0"/>
+              <a:rPr kumimoji="1" lang="zh-CN" altLang="en-US" dirty="0"/>
               <a:t>进阶用法</a:t>
             </a:r>
-            <a:endParaRPr kumimoji="1" lang="en-US" altLang="zh-CN" dirty="0" smtClean="0"/>
+            <a:endParaRPr kumimoji="1" lang="en-US" altLang="zh-CN" dirty="0"/>
           </a:p>
           <a:p>
             <a:pPr lvl="1"/>
             <a:r>
-              <a:rPr kumimoji="1" lang="zh-CN" altLang="en-US" dirty="0" smtClean="0"/>
+              <a:rPr kumimoji="1" lang="zh-CN" altLang="en-US" dirty="0"/>
               <a:t>移除某个</a:t>
             </a:r>
             <a:r>
-              <a:rPr kumimoji="1" lang="en-US" altLang="zh-CN" dirty="0" smtClean="0"/>
+              <a:rPr kumimoji="1" lang="en-US" altLang="zh-CN" dirty="0"/>
               <a:t>node</a:t>
             </a:r>
           </a:p>
           <a:p>
             <a:pPr lvl="1"/>
             <a:r>
-              <a:rPr kumimoji="1" lang="en-US" altLang="zh-CN" dirty="0" smtClean="0"/>
+              <a:rPr kumimoji="1" lang="en-US" altLang="zh-CN" dirty="0"/>
               <a:t>Master</a:t>
             </a:r>
             <a:r>
-              <a:rPr kumimoji="1" lang="zh-CN" altLang="en-US" dirty="0" smtClean="0"/>
+              <a:rPr kumimoji="1" lang="zh-CN" altLang="en-US" dirty="0"/>
               <a:t> </a:t>
             </a:r>
             <a:r>
-              <a:rPr kumimoji="1" lang="en-US" altLang="zh-CN" dirty="0" smtClean="0"/>
+              <a:rPr kumimoji="1" lang="en-US" altLang="zh-CN" dirty="0"/>
               <a:t>HA</a:t>
             </a:r>
-            <a:endParaRPr kumimoji="1" lang="en-US" altLang="zh-CN" dirty="0"/>
           </a:p>
           <a:p>
             <a:pPr lvl="1"/>
             <a:r>
-              <a:rPr kumimoji="1" lang="en-US" altLang="zh-CN" dirty="0" smtClean="0"/>
+              <a:rPr kumimoji="1" lang="en-US" altLang="zh-CN" dirty="0"/>
               <a:t>K8s</a:t>
             </a:r>
             <a:r>
-              <a:rPr kumimoji="1" lang="zh-CN" altLang="en-US" dirty="0" smtClean="0"/>
+              <a:rPr kumimoji="1" lang="zh-CN" altLang="en-US" dirty="0"/>
               <a:t>集群升级</a:t>
             </a:r>
-            <a:endParaRPr kumimoji="1" lang="zh-CN" altLang="en-US" dirty="0"/>
           </a:p>
         </p:txBody>
       </p:sp>
@@ -12555,7 +13061,7 @@
           <a:lstStyle/>
           <a:p>
             <a:r>
-              <a:rPr kumimoji="1" lang="en-US" altLang="zh-CN" dirty="0" smtClean="0"/>
+              <a:rPr kumimoji="1" lang="en-US" altLang="zh-CN" dirty="0"/>
               <a:t>Agenda</a:t>
             </a:r>
             <a:endParaRPr kumimoji="1" lang="zh-CN" altLang="en-US" dirty="0"/>
@@ -12578,28 +13084,28 @@
           <a:lstStyle/>
           <a:p>
             <a:r>
-              <a:rPr kumimoji="1" lang="en-US" altLang="zh-CN" dirty="0" smtClean="0"/>
+              <a:rPr kumimoji="1" lang="en-US" altLang="zh-CN" dirty="0"/>
               <a:t>K8s</a:t>
             </a:r>
             <a:r>
-              <a:rPr kumimoji="1" lang="zh-CN" altLang="en-US" dirty="0" smtClean="0"/>
+              <a:rPr kumimoji="1" lang="zh-CN" altLang="en-US" dirty="0"/>
               <a:t>简介</a:t>
             </a:r>
-            <a:endParaRPr kumimoji="1" lang="en-US" altLang="zh-CN" dirty="0" smtClean="0"/>
-          </a:p>
-          <a:p>
-            <a:endParaRPr kumimoji="1" lang="en-US" altLang="zh-CN" dirty="0" smtClean="0"/>
-          </a:p>
-          <a:p>
-            <a:r>
-              <a:rPr kumimoji="1" lang="en-US" altLang="zh-CN" dirty="0" smtClean="0"/>
+            <a:endParaRPr kumimoji="1" lang="en-US" altLang="zh-CN" dirty="0"/>
+          </a:p>
+          <a:p>
+            <a:endParaRPr kumimoji="1" lang="en-US" altLang="zh-CN" dirty="0"/>
+          </a:p>
+          <a:p>
+            <a:r>
+              <a:rPr kumimoji="1" lang="en-US" altLang="zh-CN" dirty="0"/>
               <a:t>K8s</a:t>
             </a:r>
             <a:r>
-              <a:rPr kumimoji="1" lang="zh-CN" altLang="en-US" dirty="0" smtClean="0"/>
+              <a:rPr kumimoji="1" lang="zh-CN" altLang="en-US" dirty="0"/>
               <a:t>安装</a:t>
             </a:r>
-            <a:endParaRPr kumimoji="1" lang="en-US" altLang="zh-CN" dirty="0" smtClean="0"/>
+            <a:endParaRPr kumimoji="1" lang="en-US" altLang="zh-CN" dirty="0"/>
           </a:p>
         </p:txBody>
       </p:sp>
@@ -12613,13 +13119,6 @@
   <p:clrMapOvr>
     <a:masterClrMapping/>
   </p:clrMapOvr>
-  <p:timing>
-    <p:tnLst>
-      <p:par>
-        <p:cTn id="1" dur="indefinite" restart="never" nodeType="tmRoot"/>
-      </p:par>
-    </p:tnLst>
-  </p:timing>
 </p:sld>
 </file>
 
@@ -12656,14 +13155,13 @@
           <a:lstStyle/>
           <a:p>
             <a:r>
-              <a:rPr kumimoji="1" lang="en-US" altLang="zh-CN" dirty="0" smtClean="0"/>
+              <a:rPr kumimoji="1" lang="en-US" altLang="zh-CN" dirty="0"/>
               <a:t>K8s</a:t>
             </a:r>
             <a:r>
-              <a:rPr kumimoji="1" lang="zh-CN" altLang="en-US" dirty="0" smtClean="0"/>
+              <a:rPr kumimoji="1" lang="zh-CN" altLang="en-US" dirty="0"/>
               <a:t>背景</a:t>
             </a:r>
-            <a:endParaRPr kumimoji="1" lang="zh-CN" altLang="en-US" dirty="0"/>
           </a:p>
         </p:txBody>
       </p:sp>
@@ -12683,16 +13181,12 @@
           <a:lstStyle/>
           <a:p>
             <a:r>
-              <a:rPr kumimoji="1" lang="zh-CN" altLang="en-US" dirty="0" smtClean="0"/>
+              <a:rPr kumimoji="1" lang="zh-CN" altLang="en-US" dirty="0"/>
               <a:t>容器技术风靡，</a:t>
             </a:r>
             <a:r>
-              <a:rPr lang="zh-CN" altLang="en-US" dirty="0" smtClean="0"/>
-              <a:t>用户</a:t>
-            </a:r>
-            <a:r>
               <a:rPr lang="zh-CN" altLang="en-US" dirty="0"/>
-              <a:t>期望应用</a:t>
+              <a:t>用户期望应用</a:t>
             </a:r>
             <a:r>
               <a:rPr lang="en-US" altLang="zh-CN" dirty="0"/>
@@ -12700,86 +13194,81 @@
             </a:r>
             <a:r>
               <a:rPr lang="zh-CN" altLang="en-US" dirty="0"/>
-              <a:t>小时可用，开发者希望一天几次部署应用的新</a:t>
-            </a:r>
-            <a:r>
-              <a:rPr lang="zh-CN" altLang="en-US" dirty="0" smtClean="0"/>
-              <a:t>版本，基于容器的</a:t>
-            </a:r>
-            <a:r>
-              <a:rPr lang="en-US" altLang="zh-CN" dirty="0" smtClean="0"/>
+              <a:t>小时可用，开发者希望一天几次部署应用的新版本，基于容器的</a:t>
+            </a:r>
+            <a:r>
+              <a:rPr lang="en-US" altLang="zh-CN" dirty="0"/>
               <a:t>PAAS</a:t>
             </a:r>
             <a:r>
-              <a:rPr lang="zh-CN" altLang="en-US" dirty="0" smtClean="0"/>
+              <a:rPr lang="zh-CN" altLang="en-US" dirty="0"/>
               <a:t>平台需求日趋强烈</a:t>
             </a:r>
-            <a:endParaRPr kumimoji="1" lang="en-US" altLang="zh-CN" dirty="0" smtClean="0"/>
-          </a:p>
-          <a:p>
-            <a:r>
-              <a:rPr kumimoji="1" lang="zh-CN" altLang="en-US" dirty="0" smtClean="0"/>
+            <a:endParaRPr kumimoji="1" lang="en-US" altLang="zh-CN" dirty="0"/>
+          </a:p>
+          <a:p>
+            <a:r>
+              <a:rPr kumimoji="1" lang="zh-CN" altLang="en-US" dirty="0"/>
               <a:t>谷歌和</a:t>
             </a:r>
             <a:r>
-              <a:rPr kumimoji="1" lang="en-US" altLang="zh-CN" dirty="0" err="1" smtClean="0"/>
+              <a:rPr kumimoji="1" lang="en-US" altLang="zh-CN" dirty="0" err="1"/>
               <a:t>redhat</a:t>
             </a:r>
             <a:r>
-              <a:rPr kumimoji="1" lang="zh-CN" altLang="en-US" dirty="0" smtClean="0"/>
+              <a:rPr kumimoji="1" lang="zh-CN" altLang="en-US" dirty="0"/>
               <a:t>双强合作成立</a:t>
             </a:r>
             <a:r>
-              <a:rPr kumimoji="1" lang="en-US" altLang="zh-CN" dirty="0" smtClean="0"/>
+              <a:rPr kumimoji="1" lang="en-US" altLang="zh-CN" dirty="0"/>
               <a:t>CNCF</a:t>
             </a:r>
             <a:r>
-              <a:rPr kumimoji="1" lang="zh-CN" altLang="en-US" dirty="0" smtClean="0"/>
+              <a:rPr kumimoji="1" lang="zh-CN" altLang="en-US" dirty="0"/>
               <a:t>，以</a:t>
             </a:r>
             <a:r>
-              <a:rPr kumimoji="1" lang="en-US" altLang="zh-CN" dirty="0" smtClean="0"/>
+              <a:rPr kumimoji="1" lang="en-US" altLang="zh-CN" dirty="0"/>
               <a:t>k8s</a:t>
             </a:r>
             <a:r>
-              <a:rPr kumimoji="1" lang="zh-CN" altLang="en-US" dirty="0" smtClean="0"/>
+              <a:rPr kumimoji="1" lang="zh-CN" altLang="en-US" dirty="0"/>
               <a:t>为基础对抗</a:t>
             </a:r>
             <a:r>
-              <a:rPr kumimoji="1" lang="en-US" altLang="zh-CN" dirty="0" err="1" smtClean="0"/>
+              <a:rPr kumimoji="1" lang="en-US" altLang="zh-CN" dirty="0" err="1"/>
               <a:t>docker</a:t>
             </a:r>
             <a:r>
-              <a:rPr kumimoji="1" lang="zh-CN" altLang="en-US" dirty="0" smtClean="0"/>
+              <a:rPr kumimoji="1" lang="zh-CN" altLang="en-US" dirty="0"/>
               <a:t>，容器云平台争夺战</a:t>
             </a:r>
-            <a:endParaRPr kumimoji="1" lang="en-US" altLang="zh-CN" dirty="0" smtClean="0"/>
-          </a:p>
-          <a:p>
-            <a:r>
-              <a:rPr kumimoji="1" lang="en-US" altLang="zh-CN" dirty="0" smtClean="0"/>
+            <a:endParaRPr kumimoji="1" lang="en-US" altLang="zh-CN" dirty="0"/>
+          </a:p>
+          <a:p>
+            <a:r>
+              <a:rPr kumimoji="1" lang="en-US" altLang="zh-CN" dirty="0"/>
               <a:t>k8s</a:t>
             </a:r>
             <a:r>
-              <a:rPr kumimoji="1" lang="zh-CN" altLang="en-US" dirty="0" smtClean="0"/>
+              <a:rPr kumimoji="1" lang="zh-CN" altLang="en-US" dirty="0"/>
               <a:t>在容器编排平台领域取得绝对竞争优势</a:t>
             </a:r>
-            <a:endParaRPr kumimoji="1" lang="en-US" altLang="zh-CN" dirty="0" smtClean="0"/>
-          </a:p>
-          <a:p>
-            <a:r>
-              <a:rPr kumimoji="1" lang="zh-CN" altLang="en-US" dirty="0" smtClean="0"/>
+            <a:endParaRPr kumimoji="1" lang="en-US" altLang="zh-CN" dirty="0"/>
+          </a:p>
+          <a:p>
+            <a:r>
+              <a:rPr kumimoji="1" lang="zh-CN" altLang="en-US" dirty="0"/>
               <a:t>围绕</a:t>
             </a:r>
             <a:r>
-              <a:rPr kumimoji="1" lang="en-US" altLang="zh-CN" dirty="0" smtClean="0"/>
+              <a:rPr kumimoji="1" lang="en-US" altLang="zh-CN" dirty="0"/>
               <a:t>k8s</a:t>
             </a:r>
             <a:r>
-              <a:rPr kumimoji="1" lang="zh-CN" altLang="en-US" dirty="0" smtClean="0"/>
+              <a:rPr kumimoji="1" lang="zh-CN" altLang="en-US" dirty="0"/>
               <a:t>项目，孵化出大量云原生领域的项目</a:t>
             </a:r>
-            <a:endParaRPr kumimoji="1" lang="zh-CN" altLang="en-US" dirty="0"/>
           </a:p>
         </p:txBody>
       </p:sp>
@@ -12793,13 +13282,6 @@
   <p:clrMapOvr>
     <a:masterClrMapping/>
   </p:clrMapOvr>
-  <p:timing>
-    <p:tnLst>
-      <p:par>
-        <p:cTn id="1" dur="indefinite" restart="never" nodeType="tmRoot"/>
-      </p:par>
-    </p:tnLst>
-  </p:timing>
 </p:sld>
 </file>
 
@@ -12836,14 +13318,13 @@
           <a:lstStyle/>
           <a:p>
             <a:r>
-              <a:rPr kumimoji="1" lang="en-US" altLang="zh-CN" dirty="0" smtClean="0"/>
+              <a:rPr kumimoji="1" lang="en-US" altLang="zh-CN" dirty="0"/>
               <a:t>K8s</a:t>
             </a:r>
             <a:r>
-              <a:rPr kumimoji="1" lang="zh-CN" altLang="en-US" dirty="0" smtClean="0"/>
+              <a:rPr kumimoji="1" lang="zh-CN" altLang="en-US" dirty="0"/>
               <a:t>背景</a:t>
             </a:r>
-            <a:endParaRPr kumimoji="1" lang="zh-CN" altLang="en-US" dirty="0"/>
           </a:p>
         </p:txBody>
       </p:sp>
@@ -12907,13 +13388,6 @@
   <p:clrMapOvr>
     <a:masterClrMapping/>
   </p:clrMapOvr>
-  <p:timing>
-    <p:tnLst>
-      <p:par>
-        <p:cTn id="1" dur="indefinite" restart="never" nodeType="tmRoot"/>
-      </p:par>
-    </p:tnLst>
-  </p:timing>
 </p:sld>
 </file>
 
@@ -12950,14 +13424,13 @@
           <a:lstStyle/>
           <a:p>
             <a:r>
-              <a:rPr kumimoji="1" lang="en-US" altLang="zh-CN" dirty="0" smtClean="0"/>
+              <a:rPr kumimoji="1" lang="en-US" altLang="zh-CN" dirty="0"/>
               <a:t>K8s</a:t>
             </a:r>
             <a:r>
-              <a:rPr kumimoji="1" lang="zh-CN" altLang="en-US" dirty="0" smtClean="0"/>
+              <a:rPr kumimoji="1" lang="zh-CN" altLang="en-US" dirty="0"/>
               <a:t>概念</a:t>
             </a:r>
-            <a:endParaRPr kumimoji="1" lang="zh-CN" altLang="en-US" dirty="0"/>
           </a:p>
         </p:txBody>
       </p:sp>
@@ -12982,7 +13455,7 @@
           <a:lstStyle/>
           <a:p>
             <a:r>
-              <a:rPr kumimoji="1" lang="en-US" altLang="zh-CN" dirty="0" smtClean="0"/>
+              <a:rPr kumimoji="1" lang="en-US" altLang="zh-CN" dirty="0"/>
               <a:t>Kubernetes</a:t>
             </a:r>
           </a:p>
@@ -12996,10 +13469,10 @@
           <a:p>
             <a:pPr lvl="1"/>
             <a:r>
-              <a:rPr kumimoji="1" lang="zh-CN" altLang="en-US" dirty="0" smtClean="0"/>
+              <a:rPr kumimoji="1" lang="zh-CN" altLang="en-US" dirty="0"/>
               <a:t>云端开源操作系统</a:t>
             </a:r>
-            <a:endParaRPr kumimoji="1" lang="en-US" altLang="zh-CN" dirty="0" smtClean="0"/>
+            <a:endParaRPr kumimoji="1" lang="en-US" altLang="zh-CN" dirty="0"/>
           </a:p>
           <a:p>
             <a:pPr lvl="1"/>
@@ -13007,15 +13480,15 @@
           </a:p>
           <a:p>
             <a:r>
-              <a:rPr kumimoji="1" lang="en-US" altLang="zh-CN" dirty="0" smtClean="0"/>
+              <a:rPr kumimoji="1" lang="en-US" altLang="zh-CN" dirty="0"/>
               <a:t>API</a:t>
             </a:r>
             <a:r>
-              <a:rPr kumimoji="1" lang="zh-CN" altLang="en-US" dirty="0" smtClean="0"/>
+              <a:rPr kumimoji="1" lang="zh-CN" altLang="en-US" dirty="0"/>
               <a:t> </a:t>
             </a:r>
             <a:r>
-              <a:rPr kumimoji="1" lang="en-US" altLang="zh-CN" dirty="0" smtClean="0"/>
+              <a:rPr kumimoji="1" lang="en-US" altLang="zh-CN" dirty="0"/>
               <a:t>Object</a:t>
             </a:r>
           </a:p>
@@ -13037,46 +13510,46 @@
           <a:p>
             <a:pPr lvl="1"/>
             <a:r>
-              <a:rPr lang="en-US" altLang="zh-CN" dirty="0" smtClean="0"/>
+              <a:rPr lang="en-US" altLang="zh-CN" dirty="0"/>
               <a:t>metadata</a:t>
             </a:r>
-            <a:endParaRPr kumimoji="1" lang="en-US" altLang="zh-CN" dirty="0" smtClean="0"/>
+            <a:endParaRPr kumimoji="1" lang="en-US" altLang="zh-CN" dirty="0"/>
           </a:p>
           <a:p>
             <a:pPr lvl="1"/>
             <a:r>
-              <a:rPr lang="en-US" altLang="zh-CN" dirty="0" smtClean="0"/>
+              <a:rPr lang="en-US" altLang="zh-CN" dirty="0"/>
               <a:t>Spec</a:t>
             </a:r>
             <a:r>
-              <a:rPr lang="zh-CN" altLang="en-US" dirty="0" smtClean="0"/>
+              <a:rPr lang="zh-CN" altLang="en-US" dirty="0"/>
               <a:t>：用户提供</a:t>
             </a:r>
-            <a:endParaRPr lang="en-US" altLang="zh-CN" dirty="0" smtClean="0"/>
+            <a:endParaRPr lang="en-US" altLang="zh-CN" dirty="0"/>
           </a:p>
           <a:p>
             <a:pPr lvl="1"/>
             <a:r>
-              <a:rPr lang="en-US" altLang="zh-CN" dirty="0" smtClean="0"/>
+              <a:rPr lang="en-US" altLang="zh-CN" dirty="0"/>
               <a:t>Status</a:t>
             </a:r>
             <a:r>
-              <a:rPr lang="zh-CN" altLang="en-US" dirty="0" smtClean="0"/>
+              <a:rPr lang="zh-CN" altLang="en-US" dirty="0"/>
               <a:t>：</a:t>
             </a:r>
             <a:r>
-              <a:rPr lang="en-US" altLang="zh-CN" dirty="0" smtClean="0"/>
+              <a:rPr lang="en-US" altLang="zh-CN" dirty="0"/>
               <a:t>k8s</a:t>
             </a:r>
             <a:r>
-              <a:rPr lang="zh-CN" altLang="en-US" dirty="0" smtClean="0"/>
+              <a:rPr lang="zh-CN" altLang="en-US" dirty="0"/>
               <a:t>更新</a:t>
             </a:r>
-            <a:endParaRPr kumimoji="1" lang="en-US" altLang="zh-CN" dirty="0" smtClean="0"/>
+            <a:endParaRPr kumimoji="1" lang="en-US" altLang="zh-CN" dirty="0"/>
           </a:p>
           <a:p>
             <a:pPr lvl="1"/>
-            <a:endParaRPr kumimoji="1" lang="zh-CN" altLang="en-US" dirty="0" smtClean="0"/>
+            <a:endParaRPr kumimoji="1" lang="zh-CN" altLang="en-US" dirty="0"/>
           </a:p>
         </p:txBody>
       </p:sp>
@@ -13090,13 +13563,6 @@
   <p:clrMapOvr>
     <a:masterClrMapping/>
   </p:clrMapOvr>
-  <p:timing>
-    <p:tnLst>
-      <p:par>
-        <p:cTn id="1" dur="indefinite" restart="never" nodeType="tmRoot"/>
-      </p:par>
-    </p:tnLst>
-  </p:timing>
 </p:sld>
 </file>
 
@@ -13133,14 +13599,13 @@
           <a:lstStyle/>
           <a:p>
             <a:r>
-              <a:rPr kumimoji="1" lang="en-US" altLang="zh-CN" dirty="0" smtClean="0"/>
+              <a:rPr kumimoji="1" lang="en-US" altLang="zh-CN" dirty="0"/>
               <a:t>K8s</a:t>
             </a:r>
             <a:r>
-              <a:rPr kumimoji="1" lang="zh-CN" altLang="en-US" dirty="0" smtClean="0"/>
+              <a:rPr kumimoji="1" lang="zh-CN" altLang="en-US" dirty="0"/>
               <a:t>概念</a:t>
             </a:r>
-            <a:endParaRPr kumimoji="1" lang="zh-CN" altLang="en-US" dirty="0"/>
           </a:p>
         </p:txBody>
       </p:sp>
@@ -13165,7 +13630,7 @@
           <a:lstStyle/>
           <a:p>
             <a:r>
-              <a:rPr kumimoji="1" lang="en-US" altLang="zh-CN" dirty="0" smtClean="0"/>
+              <a:rPr kumimoji="1" lang="en-US" altLang="zh-CN" dirty="0"/>
               <a:t>Node</a:t>
             </a:r>
           </a:p>
@@ -13190,32 +13655,20 @@
           </a:p>
           <a:p>
             <a:r>
-              <a:rPr kumimoji="1" lang="zh-CN" altLang="en-US" dirty="0" smtClean="0"/>
+              <a:rPr kumimoji="1" lang="zh-CN" altLang="en-US" dirty="0"/>
               <a:t>基本对象</a:t>
             </a:r>
-            <a:endParaRPr kumimoji="1" lang="en-US" altLang="zh-CN" dirty="0" smtClean="0"/>
+            <a:endParaRPr kumimoji="1" lang="en-US" altLang="zh-CN" dirty="0"/>
           </a:p>
           <a:p>
             <a:pPr lvl="1"/>
             <a:r>
-              <a:rPr lang="en-US" altLang="zh-CN" dirty="0" smtClean="0"/>
+              <a:rPr lang="en-US" altLang="zh-CN" dirty="0"/>
               <a:t>Pod</a:t>
             </a:r>
             <a:r>
-              <a:rPr lang="zh-CN" altLang="en-US" dirty="0" smtClean="0"/>
-              <a:t>：</a:t>
-            </a:r>
-            <a:r>
               <a:rPr lang="zh-CN" altLang="en-US" dirty="0"/>
-              <a:t>表示应用程序的一个实例，最小的部署单元，可以有一个或多个容器构成</a:t>
-            </a:r>
-            <a:r>
-              <a:rPr lang="zh-CN" altLang="en-US" dirty="0" smtClean="0"/>
-              <a:t>，共享一</a:t>
-            </a:r>
-            <a:r>
-              <a:rPr lang="zh-CN" altLang="en-US" dirty="0"/>
-              <a:t>个</a:t>
+              <a:t>：表示应用程序的一个实例，最小的部署单元，可以有一个或多个容器构成，共享一个</a:t>
             </a:r>
             <a:r>
               <a:rPr lang="en-US" altLang="zh-CN" dirty="0"/>
@@ -13226,36 +13679,20 @@
               <a:t>，可挂载多个</a:t>
             </a:r>
             <a:r>
-              <a:rPr lang="en-US" altLang="zh-CN" dirty="0" smtClean="0"/>
+              <a:rPr lang="en-US" altLang="zh-CN" dirty="0"/>
               <a:t>volume</a:t>
             </a:r>
             <a:r>
-              <a:rPr lang="zh-CN" altLang="en-US" dirty="0" smtClean="0"/>
+              <a:rPr lang="zh-CN" altLang="en-US" dirty="0"/>
               <a:t>，</a:t>
             </a:r>
             <a:r>
-              <a:rPr lang="zh-CN" altLang="en-US" b="1" dirty="0" smtClean="0">
+              <a:rPr lang="zh-CN" altLang="en-US" b="1" dirty="0">
                 <a:solidFill>
                   <a:srgbClr val="FF0000"/>
                 </a:solidFill>
               </a:rPr>
-              <a:t>可以理解为</a:t>
-            </a:r>
-            <a:r>
-              <a:rPr lang="zh-CN" altLang="en-US" b="1" dirty="0">
-                <a:solidFill>
-                  <a:srgbClr val="FF0000"/>
-                </a:solidFill>
-              </a:rPr>
-              <a:t>逻辑意义上的</a:t>
-            </a:r>
-            <a:r>
-              <a:rPr lang="zh-CN" altLang="en-US" b="1" dirty="0" smtClean="0">
-                <a:solidFill>
-                  <a:srgbClr val="FF0000"/>
-                </a:solidFill>
-              </a:rPr>
-              <a:t>主机</a:t>
+              <a:t>可以理解为逻辑意义上的主机</a:t>
             </a:r>
             <a:endParaRPr lang="en-US" altLang="zh-CN" b="1" dirty="0">
               <a:solidFill>
@@ -13266,16 +13703,12 @@
           <a:p>
             <a:pPr lvl="1"/>
             <a:r>
-              <a:rPr lang="en-US" altLang="zh-CN" dirty="0" smtClean="0"/>
+              <a:rPr lang="en-US" altLang="zh-CN" dirty="0"/>
               <a:t>Service</a:t>
             </a:r>
             <a:r>
-              <a:rPr lang="zh-CN" altLang="en-US" dirty="0" smtClean="0"/>
-              <a:t>：</a:t>
-            </a:r>
-            <a:r>
               <a:rPr lang="zh-CN" altLang="en-US" dirty="0"/>
-              <a:t>表示一个应用程序，定义如何访问它，后端可以对应着多个</a:t>
+              <a:t>：表示一个应用程序，定义如何访问它，后端可以对应着多个</a:t>
             </a:r>
             <a:r>
               <a:rPr lang="en-US" altLang="zh-CN" dirty="0"/>
@@ -13314,36 +13747,24 @@
           <a:p>
             <a:pPr lvl="1"/>
             <a:r>
-              <a:rPr lang="en-US" altLang="zh-CN" dirty="0" smtClean="0"/>
+              <a:rPr lang="en-US" altLang="zh-CN" dirty="0"/>
               <a:t>Volume</a:t>
             </a:r>
             <a:r>
-              <a:rPr lang="zh-CN" altLang="en-US" dirty="0" smtClean="0"/>
-              <a:t>：</a:t>
-            </a:r>
-            <a:r>
               <a:rPr lang="zh-CN" altLang="en-US" dirty="0"/>
-              <a:t>持久化应用程序的</a:t>
-            </a:r>
-            <a:r>
-              <a:rPr lang="zh-CN" altLang="en-US" dirty="0" smtClean="0"/>
-              <a:t>状态</a:t>
+              <a:t>：持久化应用程序的状态</a:t>
             </a:r>
             <a:endParaRPr lang="en-US" altLang="zh-CN" dirty="0"/>
           </a:p>
           <a:p>
             <a:pPr lvl="1"/>
             <a:r>
-              <a:rPr lang="en-US" altLang="zh-CN" dirty="0" smtClean="0"/>
+              <a:rPr lang="en-US" altLang="zh-CN" dirty="0"/>
               <a:t>Namespace</a:t>
             </a:r>
             <a:r>
-              <a:rPr lang="zh-CN" altLang="en-US" dirty="0" smtClean="0"/>
-              <a:t>：</a:t>
-            </a:r>
-            <a:r>
               <a:rPr lang="zh-CN" altLang="en-US" dirty="0"/>
-              <a:t>同一</a:t>
+              <a:t>：同一</a:t>
             </a:r>
             <a:r>
               <a:rPr lang="en-US" altLang="zh-CN" dirty="0"/>
@@ -13370,10 +13791,9 @@
               <a:t>之间账户独立，资源隔离</a:t>
             </a:r>
             <a:r>
-              <a:rPr lang="zh-CN" altLang="en-US" dirty="0" smtClean="0"/>
+              <a:rPr lang="zh-CN" altLang="en-US" dirty="0"/>
               <a:t>。</a:t>
             </a:r>
-            <a:endParaRPr lang="zh-CN" altLang="en-US" dirty="0"/>
           </a:p>
         </p:txBody>
       </p:sp>
@@ -13387,13 +13807,6 @@
   <p:clrMapOvr>
     <a:masterClrMapping/>
   </p:clrMapOvr>
-  <p:timing>
-    <p:tnLst>
-      <p:par>
-        <p:cTn id="1" dur="indefinite" restart="never" nodeType="tmRoot"/>
-      </p:par>
-    </p:tnLst>
-  </p:timing>
 </p:sld>
 </file>
 
@@ -13430,14 +13843,13 @@
           <a:lstStyle/>
           <a:p>
             <a:r>
-              <a:rPr kumimoji="1" lang="en-US" altLang="zh-CN" dirty="0" smtClean="0"/>
+              <a:rPr kumimoji="1" lang="en-US" altLang="zh-CN" dirty="0"/>
               <a:t>K8s</a:t>
             </a:r>
             <a:r>
-              <a:rPr kumimoji="1" lang="zh-CN" altLang="en-US" dirty="0" smtClean="0"/>
+              <a:rPr kumimoji="1" lang="zh-CN" altLang="en-US" dirty="0"/>
               <a:t>概念</a:t>
             </a:r>
-            <a:endParaRPr kumimoji="1" lang="zh-CN" altLang="en-US" dirty="0"/>
           </a:p>
         </p:txBody>
       </p:sp>
@@ -13469,16 +13881,12 @@
           <a:p>
             <a:pPr lvl="1"/>
             <a:r>
-              <a:rPr lang="en-US" altLang="zh-CN" dirty="0" err="1" smtClean="0"/>
+              <a:rPr lang="en-US" altLang="zh-CN" dirty="0" err="1"/>
               <a:t>replicaSet</a:t>
             </a:r>
             <a:r>
-              <a:rPr lang="zh-CN" altLang="en-US" dirty="0" smtClean="0"/>
-              <a:t>：</a:t>
-            </a:r>
-            <a:r>
               <a:rPr lang="zh-CN" altLang="en-US" dirty="0"/>
-              <a:t>表示一个应用程序，管理多个</a:t>
+              <a:t>：表示一个应用程序，管理多个</a:t>
             </a:r>
             <a:r>
               <a:rPr lang="en-US" altLang="zh-CN" dirty="0"/>
@@ -13497,16 +13905,12 @@
           <a:p>
             <a:pPr lvl="1"/>
             <a:r>
-              <a:rPr lang="en-US" altLang="zh-CN" dirty="0" smtClean="0"/>
+              <a:rPr lang="en-US" altLang="zh-CN" dirty="0"/>
               <a:t>Deployment</a:t>
             </a:r>
             <a:r>
-              <a:rPr lang="zh-CN" altLang="en-US" dirty="0" smtClean="0"/>
-              <a:t>：</a:t>
-            </a:r>
-            <a:r>
               <a:rPr lang="zh-CN" altLang="en-US" dirty="0"/>
-              <a:t>表示一个应用程序，管理多个</a:t>
+              <a:t>：表示一个应用程序，管理多个</a:t>
             </a:r>
             <a:r>
               <a:rPr lang="en-US" altLang="zh-CN" dirty="0"/>
@@ -13525,36 +13929,24 @@
               <a:t>，支持</a:t>
             </a:r>
             <a:r>
-              <a:rPr lang="en-US" altLang="zh-CN" dirty="0" smtClean="0"/>
+              <a:rPr lang="en-US" altLang="zh-CN" dirty="0"/>
               <a:t>rolling-update</a:t>
             </a:r>
             <a:r>
-              <a:rPr lang="zh-CN" altLang="en-US" dirty="0" smtClean="0"/>
-              <a:t>，即</a:t>
-            </a:r>
-            <a:r>
               <a:rPr lang="zh-CN" altLang="en-US" dirty="0"/>
-              <a:t>不停机增量</a:t>
-            </a:r>
-            <a:r>
-              <a:rPr lang="zh-CN" altLang="en-US" dirty="0" smtClean="0"/>
-              <a:t>更新</a:t>
+              <a:t>，即不停机增量更新</a:t>
             </a:r>
             <a:endParaRPr lang="en-US" altLang="zh-CN" dirty="0"/>
           </a:p>
           <a:p>
             <a:pPr lvl="1"/>
             <a:r>
-              <a:rPr lang="en-US" altLang="zh-CN" dirty="0" err="1" smtClean="0"/>
+              <a:rPr lang="en-US" altLang="zh-CN" dirty="0" err="1"/>
               <a:t>Statefulset</a:t>
             </a:r>
             <a:r>
-              <a:rPr lang="zh-CN" altLang="en-US" dirty="0" smtClean="0"/>
-              <a:t>：</a:t>
-            </a:r>
-            <a:r>
               <a:rPr lang="zh-CN" altLang="en-US" dirty="0"/>
-              <a:t>表示一个应用程序，管理多个</a:t>
+              <a:t>：表示一个应用程序，管理多个</a:t>
             </a:r>
             <a:r>
               <a:rPr lang="en-US" altLang="zh-CN" dirty="0"/>
@@ -13570,63 +13962,50 @@
             </a:r>
             <a:r>
               <a:rPr lang="zh-CN" altLang="en-US" dirty="0"/>
-              <a:t>有唯一</a:t>
-            </a:r>
-            <a:r>
-              <a:rPr lang="zh-CN" altLang="en-US" dirty="0" smtClean="0"/>
-              <a:t>标识</a:t>
+              <a:t>有唯一标识</a:t>
             </a:r>
             <a:endParaRPr lang="en-US" altLang="zh-CN" dirty="0"/>
           </a:p>
           <a:p>
             <a:pPr lvl="1"/>
             <a:r>
-              <a:rPr lang="en-US" altLang="zh-CN" dirty="0" err="1" smtClean="0"/>
+              <a:rPr lang="en-US" altLang="zh-CN" dirty="0" err="1"/>
               <a:t>Daemonset</a:t>
             </a:r>
             <a:r>
-              <a:rPr lang="zh-CN" altLang="en-US" dirty="0" smtClean="0"/>
-              <a:t>：</a:t>
-            </a:r>
-            <a:r>
               <a:rPr lang="zh-CN" altLang="en-US" dirty="0"/>
-              <a:t>表示一个应用程序，管理多个</a:t>
+              <a:t>：表示一个应用程序，管理多个</a:t>
             </a:r>
             <a:r>
               <a:rPr lang="en-US" altLang="zh-CN" dirty="0"/>
               <a:t>Pod</a:t>
             </a:r>
             <a:r>
-              <a:rPr lang="zh-CN" altLang="en-US" dirty="0" smtClean="0"/>
+              <a:rPr lang="zh-CN" altLang="en-US" dirty="0"/>
               <a:t>，每个</a:t>
             </a:r>
             <a:r>
-              <a:rPr lang="en-US" altLang="zh-CN" dirty="0" smtClean="0"/>
+              <a:rPr lang="en-US" altLang="zh-CN" dirty="0"/>
               <a:t>node</a:t>
             </a:r>
             <a:r>
-              <a:rPr lang="zh-CN" altLang="en-US" dirty="0" smtClean="0"/>
+              <a:rPr lang="zh-CN" altLang="en-US" dirty="0"/>
               <a:t>上运行一个</a:t>
             </a:r>
             <a:r>
-              <a:rPr lang="en-US" altLang="zh-CN" dirty="0" smtClean="0"/>
+              <a:rPr lang="en-US" altLang="zh-CN" dirty="0"/>
               <a:t>pod</a:t>
             </a:r>
-            <a:endParaRPr lang="en-US" altLang="zh-CN" dirty="0"/>
           </a:p>
           <a:p>
             <a:pPr lvl="1"/>
             <a:r>
-              <a:rPr lang="en-US" altLang="zh-CN" dirty="0" smtClean="0"/>
+              <a:rPr lang="en-US" altLang="zh-CN" dirty="0"/>
               <a:t>Job</a:t>
             </a:r>
             <a:r>
-              <a:rPr lang="zh-CN" altLang="en-US" dirty="0" smtClean="0"/>
-              <a:t>：</a:t>
-            </a:r>
-            <a:r>
               <a:rPr lang="zh-CN" altLang="en-US" dirty="0"/>
-              <a:t>表示一个应用程序，管理多个</a:t>
+              <a:t>：表示一个应用程序，管理多个</a:t>
             </a:r>
             <a:r>
               <a:rPr lang="en-US" altLang="zh-CN" dirty="0"/>
@@ -13650,13 +14029,8 @@
             </a:r>
             <a:r>
               <a:rPr lang="en-US" altLang="zh-CN" dirty="0"/>
-              <a:t> </a:t>
-            </a:r>
-            <a:r>
-              <a:rPr lang="en-US" altLang="zh-CN" dirty="0" smtClean="0"/>
-              <a:t>job</a:t>
-            </a:r>
-            <a:endParaRPr lang="en-US" altLang="zh-CN" dirty="0"/>
+              <a:t> job</a:t>
+            </a:r>
           </a:p>
         </p:txBody>
       </p:sp>
@@ -13670,13 +14044,6 @@
   <p:clrMapOvr>
     <a:masterClrMapping/>
   </p:clrMapOvr>
-  <p:timing>
-    <p:tnLst>
-      <p:par>
-        <p:cTn id="1" dur="indefinite" restart="never" nodeType="tmRoot"/>
-      </p:par>
-    </p:tnLst>
-  </p:timing>
 </p:sld>
 </file>
 
@@ -13713,14 +14080,13 @@
           <a:lstStyle/>
           <a:p>
             <a:r>
-              <a:rPr kumimoji="1" lang="en-US" altLang="zh-CN" dirty="0" smtClean="0"/>
+              <a:rPr kumimoji="1" lang="en-US" altLang="zh-CN" dirty="0"/>
               <a:t>K8s</a:t>
             </a:r>
             <a:r>
-              <a:rPr kumimoji="1" lang="zh-CN" altLang="en-US" dirty="0" smtClean="0"/>
+              <a:rPr kumimoji="1" lang="zh-CN" altLang="en-US" dirty="0"/>
               <a:t>架构</a:t>
             </a:r>
-            <a:endParaRPr kumimoji="1" lang="zh-CN" altLang="en-US" dirty="0"/>
           </a:p>
         </p:txBody>
       </p:sp>
@@ -13769,85 +14135,85 @@
           <a:lstStyle/>
           <a:p>
             <a:r>
-              <a:rPr kumimoji="1" lang="en-US" altLang="zh-CN" dirty="0" smtClean="0"/>
+              <a:rPr kumimoji="1" lang="en-US" altLang="zh-CN" dirty="0"/>
               <a:t>Master</a:t>
             </a:r>
           </a:p>
           <a:p>
             <a:pPr lvl="1"/>
             <a:r>
-              <a:rPr lang="en-US" altLang="zh-CN" dirty="0" err="1" smtClean="0"/>
+              <a:rPr lang="en-US" altLang="zh-CN" dirty="0" err="1"/>
               <a:t>kube-apiserver</a:t>
             </a:r>
-            <a:endParaRPr lang="en-US" altLang="zh-CN" dirty="0" smtClean="0"/>
+            <a:endParaRPr lang="en-US" altLang="zh-CN" dirty="0"/>
           </a:p>
           <a:p>
             <a:pPr lvl="1"/>
             <a:r>
-              <a:rPr lang="en-US" altLang="zh-CN" dirty="0" err="1" smtClean="0"/>
+              <a:rPr lang="en-US" altLang="zh-CN" dirty="0" err="1"/>
               <a:t>kube</a:t>
             </a:r>
             <a:r>
-              <a:rPr lang="en-US" altLang="zh-CN" dirty="0" smtClean="0"/>
+              <a:rPr lang="en-US" altLang="zh-CN" dirty="0"/>
               <a:t>-controller-manager</a:t>
             </a:r>
           </a:p>
           <a:p>
             <a:pPr lvl="1"/>
             <a:r>
-              <a:rPr lang="en-US" altLang="zh-CN" dirty="0" err="1" smtClean="0"/>
+              <a:rPr lang="en-US" altLang="zh-CN" dirty="0" err="1"/>
               <a:t>kube</a:t>
             </a:r>
             <a:r>
-              <a:rPr lang="en-US" altLang="zh-CN" dirty="0" smtClean="0"/>
+              <a:rPr lang="en-US" altLang="zh-CN" dirty="0"/>
               <a:t>-scheduler</a:t>
             </a:r>
           </a:p>
           <a:p>
             <a:pPr lvl="1"/>
             <a:r>
-              <a:rPr lang="en-US" altLang="zh-CN" dirty="0" err="1" smtClean="0"/>
+              <a:rPr lang="en-US" altLang="zh-CN" dirty="0" err="1"/>
               <a:t>Etcd</a:t>
             </a:r>
-            <a:endParaRPr lang="en-US" altLang="zh-CN" dirty="0" smtClean="0"/>
-          </a:p>
-          <a:p>
-            <a:r>
-              <a:rPr kumimoji="1" lang="en-US" altLang="zh-CN" dirty="0" smtClean="0"/>
+            <a:endParaRPr lang="en-US" altLang="zh-CN" dirty="0"/>
+          </a:p>
+          <a:p>
+            <a:r>
+              <a:rPr kumimoji="1" lang="en-US" altLang="zh-CN" dirty="0"/>
               <a:t>Nodes</a:t>
             </a:r>
           </a:p>
           <a:p>
             <a:pPr lvl="1"/>
             <a:r>
-              <a:rPr lang="en-US" altLang="zh-CN" dirty="0" err="1" smtClean="0"/>
+              <a:rPr lang="en-US" altLang="zh-CN" dirty="0" err="1"/>
               <a:t>Kubelet</a:t>
             </a:r>
-            <a:endParaRPr lang="en-US" altLang="zh-CN" dirty="0" smtClean="0"/>
+            <a:endParaRPr lang="en-US" altLang="zh-CN" dirty="0"/>
           </a:p>
           <a:p>
             <a:pPr lvl="1"/>
             <a:r>
-              <a:rPr kumimoji="1" lang="en-US" altLang="zh-CN" dirty="0" err="1" smtClean="0"/>
+              <a:rPr kumimoji="1" lang="en-US" altLang="zh-CN" dirty="0" err="1"/>
               <a:t>Kube</a:t>
             </a:r>
             <a:r>
-              <a:rPr kumimoji="1" lang="en-US" altLang="zh-CN" dirty="0" smtClean="0"/>
+              <a:rPr kumimoji="1" lang="en-US" altLang="zh-CN" dirty="0"/>
               <a:t>-proxy</a:t>
             </a:r>
           </a:p>
           <a:p>
             <a:pPr lvl="1"/>
             <a:r>
-              <a:rPr kumimoji="1" lang="en-US" altLang="zh-CN" dirty="0" smtClean="0"/>
+              <a:rPr kumimoji="1" lang="en-US" altLang="zh-CN" dirty="0"/>
               <a:t>Container</a:t>
             </a:r>
             <a:r>
-              <a:rPr kumimoji="1" lang="zh-CN" altLang="en-US" dirty="0" smtClean="0"/>
+              <a:rPr kumimoji="1" lang="zh-CN" altLang="en-US" dirty="0"/>
               <a:t> </a:t>
             </a:r>
             <a:r>
-              <a:rPr kumimoji="1" lang="en-US" altLang="zh-CN" dirty="0" smtClean="0"/>
+              <a:rPr kumimoji="1" lang="en-US" altLang="zh-CN" dirty="0"/>
               <a:t>Runtime</a:t>
             </a:r>
           </a:p>
@@ -13867,13 +14233,6 @@
   <p:clrMapOvr>
     <a:masterClrMapping/>
   </p:clrMapOvr>
-  <p:timing>
-    <p:tnLst>
-      <p:par>
-        <p:cTn id="1" dur="indefinite" restart="never" nodeType="tmRoot"/>
-      </p:par>
-    </p:tnLst>
-  </p:timing>
 </p:sld>
 </file>
 
@@ -13910,14 +14269,13 @@
           <a:lstStyle/>
           <a:p>
             <a:r>
-              <a:rPr kumimoji="1" lang="en-US" altLang="zh-CN" dirty="0" smtClean="0"/>
+              <a:rPr kumimoji="1" lang="en-US" altLang="zh-CN" dirty="0"/>
               <a:t>K8s</a:t>
             </a:r>
             <a:r>
-              <a:rPr kumimoji="1" lang="zh-CN" altLang="en-US" dirty="0" smtClean="0"/>
+              <a:rPr kumimoji="1" lang="zh-CN" altLang="en-US" dirty="0"/>
               <a:t>安装</a:t>
             </a:r>
-            <a:endParaRPr kumimoji="1" lang="zh-CN" altLang="en-US" dirty="0"/>
           </a:p>
         </p:txBody>
       </p:sp>
@@ -13937,23 +14295,23 @@
           <a:lstStyle/>
           <a:p>
             <a:r>
-              <a:rPr lang="zh-CN" altLang="en-US" dirty="0" smtClean="0">
+              <a:rPr lang="zh-CN" altLang="en-US" dirty="0">
                 <a:effectLst/>
               </a:rPr>
               <a:t>共同安装</a:t>
             </a:r>
-            <a:endParaRPr lang="en-US" altLang="zh-CN" dirty="0" smtClean="0">
+            <a:endParaRPr lang="en-US" altLang="zh-CN" dirty="0">
               <a:effectLst/>
             </a:endParaRPr>
           </a:p>
           <a:p>
             <a:pPr lvl="1"/>
             <a:r>
-              <a:rPr lang="zh-CN" altLang="en-US" dirty="0" smtClean="0"/>
+              <a:rPr lang="zh-CN" altLang="en-US" dirty="0"/>
               <a:t>安装</a:t>
             </a:r>
             <a:r>
-              <a:rPr lang="en-US" altLang="zh-CN" dirty="0" err="1" smtClean="0"/>
+              <a:rPr lang="en-US" altLang="zh-CN" dirty="0" err="1"/>
               <a:t>Kubelet</a:t>
             </a:r>
             <a:r>
@@ -13961,7 +14319,7 @@
               <a:t>，</a:t>
             </a:r>
             <a:r>
-              <a:rPr lang="en-US" altLang="zh-CN" dirty="0" err="1" smtClean="0"/>
+              <a:rPr lang="en-US" altLang="zh-CN" dirty="0" err="1"/>
               <a:t>kubeadm</a:t>
             </a:r>
             <a:r>
@@ -13969,30 +14327,26 @@
               <a:t>，</a:t>
             </a:r>
             <a:r>
-              <a:rPr lang="en-US" altLang="zh-CN" dirty="0" err="1" smtClean="0"/>
+              <a:rPr lang="en-US" altLang="zh-CN" dirty="0" err="1"/>
               <a:t>kubectl</a:t>
             </a:r>
             <a:r>
-              <a:rPr lang="zh-CN" altLang="en-US" dirty="0" smtClean="0"/>
+              <a:rPr lang="zh-CN" altLang="en-US" dirty="0"/>
               <a:t>，并启动</a:t>
             </a:r>
             <a:r>
-              <a:rPr lang="en-US" altLang="zh-CN" dirty="0" err="1" smtClean="0"/>
+              <a:rPr lang="en-US" altLang="zh-CN" dirty="0" err="1"/>
               <a:t>Kubelet</a:t>
             </a:r>
-            <a:endParaRPr lang="en-US" altLang="zh-CN" dirty="0" smtClean="0"/>
+            <a:endParaRPr lang="en-US" altLang="zh-CN" dirty="0"/>
           </a:p>
           <a:p>
             <a:pPr lvl="1"/>
             <a:r>
               <a:rPr lang="zh-CN" altLang="en-US" dirty="0"/>
-              <a:t>配置网络</a:t>
-            </a:r>
-            <a:r>
-              <a:rPr lang="zh-CN" altLang="en-US" dirty="0" smtClean="0"/>
-              <a:t>参数</a:t>
-            </a:r>
-            <a:endParaRPr lang="en-US" altLang="zh-CN" dirty="0" smtClean="0"/>
+              <a:t>配置网络参数</a:t>
+            </a:r>
+            <a:endParaRPr lang="en-US" altLang="zh-CN" dirty="0"/>
           </a:p>
           <a:p>
             <a:pPr lvl="1"/>
@@ -14013,7 +14367,7 @@
               <a:t>关闭</a:t>
             </a:r>
             <a:r>
-              <a:rPr lang="en-US" altLang="zh-CN" dirty="0" smtClean="0"/>
+              <a:rPr lang="en-US" altLang="zh-CN" dirty="0"/>
               <a:t>swap</a:t>
             </a:r>
             <a:endParaRPr lang="zh-CN" altLang="en-US" dirty="0"/>
@@ -14030,13 +14384,6 @@
   <p:clrMapOvr>
     <a:masterClrMapping/>
   </p:clrMapOvr>
-  <p:timing>
-    <p:tnLst>
-      <p:par>
-        <p:cTn id="1" dur="indefinite" restart="never" nodeType="tmRoot"/>
-      </p:par>
-    </p:tnLst>
-  </p:timing>
 </p:sld>
 </file>
 

--- a/kubernetes/k8s001.pptx
+++ b/kubernetes/k8s001.pptx
@@ -208,7 +208,7 @@
           <a:p>
             <a:fld id="{63F136E3-80C6-A842-B275-74FC7A4265FC}" type="datetimeFigureOut">
               <a:rPr kumimoji="1" lang="zh-CN" altLang="en-US" smtClean="0"/>
-              <a:t>2019/7/23</a:t>
+              <a:t>2019/8/15</a:t>
             </a:fld>
             <a:endParaRPr kumimoji="1" lang="zh-CN" altLang="en-US"/>
           </a:p>
@@ -2949,7 +2949,531 @@
               <a:tabLst/>
               <a:defRPr/>
             </a:pPr>
-            <a:endParaRPr kumimoji="1" lang="en" altLang="zh-CN"/>
+            <a:endParaRPr lang="en" altLang="zh-CN" dirty="0"/>
+          </a:p>
+          <a:p>
+            <a:pPr marL="0" marR="0" lvl="0" indent="0" algn="l" defTabSz="914400" rtl="0" eaLnBrk="1" fontAlgn="auto" latinLnBrk="0" hangingPunct="1">
+              <a:lnSpc>
+                <a:spcPct val="100000"/>
+              </a:lnSpc>
+              <a:spcBef>
+                <a:spcPts val="0"/>
+              </a:spcBef>
+              <a:spcAft>
+                <a:spcPts val="0"/>
+              </a:spcAft>
+              <a:buClrTx/>
+              <a:buSzTx/>
+              <a:buFontTx/>
+              <a:buNone/>
+              <a:tabLst/>
+              <a:defRPr/>
+            </a:pPr>
+            <a:r>
+              <a:rPr kumimoji="1" lang="en-US" altLang="zh-CN" dirty="0" err="1"/>
+              <a:t>opentracing</a:t>
+            </a:r>
+            <a:endParaRPr lang="en-US" altLang="zh-CN" sz="1200" b="1" i="0" u="none" strike="noStrike" kern="1200" dirty="0">
+              <a:solidFill>
+                <a:schemeClr val="tx1"/>
+              </a:solidFill>
+              <a:effectLst/>
+              <a:latin typeface="+mn-lt"/>
+              <a:ea typeface="+mn-ea"/>
+              <a:cs typeface="+mn-cs"/>
+              <a:hlinkClick r:id="rId6"/>
+            </a:endParaRPr>
+          </a:p>
+          <a:p>
+            <a:pPr marL="0" marR="0" lvl="0" indent="0" algn="l" defTabSz="914400" rtl="0" eaLnBrk="1" fontAlgn="auto" latinLnBrk="0" hangingPunct="1">
+              <a:lnSpc>
+                <a:spcPct val="100000"/>
+              </a:lnSpc>
+              <a:spcBef>
+                <a:spcPts val="0"/>
+              </a:spcBef>
+              <a:spcAft>
+                <a:spcPts val="0"/>
+              </a:spcAft>
+              <a:buClrTx/>
+              <a:buSzTx/>
+              <a:buFontTx/>
+              <a:buNone/>
+              <a:tabLst/>
+              <a:defRPr/>
+            </a:pPr>
+            <a:r>
+              <a:rPr lang="zh-CN" altLang="en-US" sz="1200" b="1" i="0" u="none" strike="noStrike" kern="1200" dirty="0">
+                <a:solidFill>
+                  <a:schemeClr val="tx1"/>
+                </a:solidFill>
+                <a:effectLst/>
+                <a:latin typeface="+mn-lt"/>
+                <a:ea typeface="+mn-ea"/>
+                <a:cs typeface="+mn-cs"/>
+                <a:hlinkClick r:id="rId6"/>
+              </a:rPr>
+              <a:t>分布式追踪</a:t>
+            </a:r>
+            <a:endParaRPr lang="en-US" altLang="zh-CN" sz="1200" b="1" i="0" u="none" strike="noStrike" kern="1200" dirty="0">
+              <a:solidFill>
+                <a:schemeClr val="tx1"/>
+              </a:solidFill>
+              <a:effectLst/>
+              <a:latin typeface="+mn-lt"/>
+              <a:ea typeface="+mn-ea"/>
+              <a:cs typeface="+mn-cs"/>
+            </a:endParaRPr>
+          </a:p>
+          <a:p>
+            <a:pPr marL="0" marR="0" lvl="0" indent="0" algn="l" defTabSz="914400" rtl="0" eaLnBrk="1" fontAlgn="auto" latinLnBrk="0" hangingPunct="1">
+              <a:lnSpc>
+                <a:spcPct val="100000"/>
+              </a:lnSpc>
+              <a:spcBef>
+                <a:spcPts val="0"/>
+              </a:spcBef>
+              <a:spcAft>
+                <a:spcPts val="0"/>
+              </a:spcAft>
+              <a:buClrTx/>
+              <a:buSzTx/>
+              <a:buFontTx/>
+              <a:buNone/>
+              <a:tabLst/>
+              <a:defRPr/>
+            </a:pPr>
+            <a:r>
+              <a:rPr lang="en" altLang="zh-CN" dirty="0">
+                <a:hlinkClick r:id="rId7"/>
+              </a:rPr>
+              <a:t>https://wu-sheng.gitbooks.io/opentracing-io/content/pages/quick-start.html</a:t>
+            </a:r>
+            <a:endParaRPr lang="en" altLang="zh-CN" dirty="0"/>
+          </a:p>
+          <a:p>
+            <a:pPr marL="0" marR="0" lvl="0" indent="0" algn="l" defTabSz="914400" rtl="0" eaLnBrk="1" fontAlgn="auto" latinLnBrk="0" hangingPunct="1">
+              <a:lnSpc>
+                <a:spcPct val="100000"/>
+              </a:lnSpc>
+              <a:spcBef>
+                <a:spcPts val="0"/>
+              </a:spcBef>
+              <a:spcAft>
+                <a:spcPts val="0"/>
+              </a:spcAft>
+              <a:buClrTx/>
+              <a:buSzTx/>
+              <a:buFontTx/>
+              <a:buNone/>
+              <a:tabLst/>
+              <a:defRPr/>
+            </a:pPr>
+            <a:endParaRPr lang="en" altLang="zh-CN" dirty="0"/>
+          </a:p>
+          <a:p>
+            <a:pPr marL="0" marR="0" lvl="0" indent="0" algn="l" defTabSz="914400" rtl="0" eaLnBrk="1" fontAlgn="auto" latinLnBrk="0" hangingPunct="1">
+              <a:lnSpc>
+                <a:spcPct val="100000"/>
+              </a:lnSpc>
+              <a:spcBef>
+                <a:spcPts val="0"/>
+              </a:spcBef>
+              <a:spcAft>
+                <a:spcPts val="0"/>
+              </a:spcAft>
+              <a:buClrTx/>
+              <a:buSzTx/>
+              <a:buFontTx/>
+              <a:buNone/>
+              <a:tabLst/>
+              <a:defRPr/>
+            </a:pPr>
+            <a:r>
+              <a:rPr lang="en" altLang="zh-CN" dirty="0" err="1"/>
+              <a:t>Enovy</a:t>
+            </a:r>
+            <a:r>
+              <a:rPr lang="zh-CN" altLang="en-US" dirty="0"/>
+              <a:t> </a:t>
+            </a:r>
+            <a:endParaRPr lang="en-US" altLang="zh-CN" dirty="0"/>
+          </a:p>
+          <a:p>
+            <a:pPr marL="0" marR="0" lvl="0" indent="0" algn="l" defTabSz="914400" rtl="0" eaLnBrk="1" fontAlgn="auto" latinLnBrk="0" hangingPunct="1">
+              <a:lnSpc>
+                <a:spcPct val="100000"/>
+              </a:lnSpc>
+              <a:spcBef>
+                <a:spcPts val="0"/>
+              </a:spcBef>
+              <a:spcAft>
+                <a:spcPts val="0"/>
+              </a:spcAft>
+              <a:buClrTx/>
+              <a:buSzTx/>
+              <a:buFontTx/>
+              <a:buNone/>
+              <a:tabLst/>
+              <a:defRPr/>
+            </a:pPr>
+            <a:r>
+              <a:rPr lang="en" altLang="zh-CN" dirty="0">
+                <a:hlinkClick r:id="rId8"/>
+              </a:rPr>
+              <a:t>https://www.servicemesher.com/envoy/intro/what_is_envoy.html</a:t>
+            </a:r>
+            <a:endParaRPr lang="en" altLang="zh-CN" dirty="0"/>
+          </a:p>
+          <a:p>
+            <a:pPr marL="0" marR="0" lvl="0" indent="0" algn="l" defTabSz="914400" rtl="0" eaLnBrk="1" fontAlgn="auto" latinLnBrk="0" hangingPunct="1">
+              <a:lnSpc>
+                <a:spcPct val="100000"/>
+              </a:lnSpc>
+              <a:spcBef>
+                <a:spcPts val="0"/>
+              </a:spcBef>
+              <a:spcAft>
+                <a:spcPts val="0"/>
+              </a:spcAft>
+              <a:buClrTx/>
+              <a:buSzTx/>
+              <a:buFontTx/>
+              <a:buNone/>
+              <a:tabLst/>
+              <a:defRPr/>
+            </a:pPr>
+            <a:endParaRPr lang="en" altLang="zh-CN" dirty="0"/>
+          </a:p>
+          <a:p>
+            <a:pPr marL="0" marR="0" lvl="0" indent="0" algn="l" defTabSz="914400" rtl="0" eaLnBrk="1" fontAlgn="auto" latinLnBrk="0" hangingPunct="1">
+              <a:lnSpc>
+                <a:spcPct val="100000"/>
+              </a:lnSpc>
+              <a:spcBef>
+                <a:spcPts val="0"/>
+              </a:spcBef>
+              <a:spcAft>
+                <a:spcPts val="0"/>
+              </a:spcAft>
+              <a:buClrTx/>
+              <a:buSzTx/>
+              <a:buFontTx/>
+              <a:buNone/>
+              <a:tabLst/>
+              <a:defRPr/>
+            </a:pPr>
+            <a:r>
+              <a:rPr lang="en" altLang="zh-CN" dirty="0" err="1"/>
+              <a:t>CoreDNS</a:t>
+            </a:r>
+            <a:endParaRPr lang="en" altLang="zh-CN" dirty="0"/>
+          </a:p>
+          <a:p>
+            <a:pPr marL="0" marR="0" lvl="0" indent="0" algn="l" defTabSz="914400" rtl="0" eaLnBrk="1" fontAlgn="auto" latinLnBrk="0" hangingPunct="1">
+              <a:lnSpc>
+                <a:spcPct val="100000"/>
+              </a:lnSpc>
+              <a:spcBef>
+                <a:spcPts val="0"/>
+              </a:spcBef>
+              <a:spcAft>
+                <a:spcPts val="0"/>
+              </a:spcAft>
+              <a:buClrTx/>
+              <a:buSzTx/>
+              <a:buFontTx/>
+              <a:buNone/>
+              <a:tabLst/>
+              <a:defRPr/>
+            </a:pPr>
+            <a:r>
+              <a:rPr lang="en" altLang="zh-CN" dirty="0">
+                <a:hlinkClick r:id="rId9"/>
+              </a:rPr>
+              <a:t>https://zhengyinyong.com/coredns-basis.html</a:t>
+            </a:r>
+            <a:endParaRPr lang="en" altLang="zh-CN" dirty="0"/>
+          </a:p>
+          <a:p>
+            <a:pPr marL="0" marR="0" lvl="0" indent="0" algn="l" defTabSz="914400" rtl="0" eaLnBrk="1" fontAlgn="auto" latinLnBrk="0" hangingPunct="1">
+              <a:lnSpc>
+                <a:spcPct val="100000"/>
+              </a:lnSpc>
+              <a:spcBef>
+                <a:spcPts val="0"/>
+              </a:spcBef>
+              <a:spcAft>
+                <a:spcPts val="0"/>
+              </a:spcAft>
+              <a:buClrTx/>
+              <a:buSzTx/>
+              <a:buFontTx/>
+              <a:buNone/>
+              <a:tabLst/>
+              <a:defRPr/>
+            </a:pPr>
+            <a:r>
+              <a:rPr lang="en" altLang="zh-CN" dirty="0">
+                <a:hlinkClick r:id="rId10"/>
+              </a:rPr>
+              <a:t>https://draveness.me/dns-coredns</a:t>
+            </a:r>
+            <a:endParaRPr lang="en" altLang="zh-CN" dirty="0"/>
+          </a:p>
+          <a:p>
+            <a:pPr marL="0" marR="0" lvl="0" indent="0" algn="l" defTabSz="914400" rtl="0" eaLnBrk="1" fontAlgn="auto" latinLnBrk="0" hangingPunct="1">
+              <a:lnSpc>
+                <a:spcPct val="100000"/>
+              </a:lnSpc>
+              <a:spcBef>
+                <a:spcPts val="0"/>
+              </a:spcBef>
+              <a:spcAft>
+                <a:spcPts val="0"/>
+              </a:spcAft>
+              <a:buClrTx/>
+              <a:buSzTx/>
+              <a:buFontTx/>
+              <a:buNone/>
+              <a:tabLst/>
+              <a:defRPr/>
+            </a:pPr>
+            <a:endParaRPr lang="en" altLang="zh-CN" dirty="0"/>
+          </a:p>
+          <a:p>
+            <a:pPr marL="0" marR="0" lvl="0" indent="0" algn="l" defTabSz="914400" rtl="0" eaLnBrk="1" fontAlgn="auto" latinLnBrk="0" hangingPunct="1">
+              <a:lnSpc>
+                <a:spcPct val="100000"/>
+              </a:lnSpc>
+              <a:spcBef>
+                <a:spcPts val="0"/>
+              </a:spcBef>
+              <a:spcAft>
+                <a:spcPts val="0"/>
+              </a:spcAft>
+              <a:buClrTx/>
+              <a:buSzTx/>
+              <a:buFontTx/>
+              <a:buNone/>
+              <a:tabLst/>
+              <a:defRPr/>
+            </a:pPr>
+            <a:r>
+              <a:rPr lang="en" altLang="zh-CN" sz="1200" b="1" i="0" kern="1200" dirty="0" err="1">
+                <a:solidFill>
+                  <a:schemeClr val="tx1"/>
+                </a:solidFill>
+                <a:effectLst/>
+                <a:latin typeface="+mn-lt"/>
+                <a:ea typeface="+mn-ea"/>
+                <a:cs typeface="+mn-cs"/>
+              </a:rPr>
+              <a:t>Linkerd</a:t>
+            </a:r>
+            <a:endParaRPr lang="en" altLang="zh-CN" sz="1200" b="1" i="0" kern="1200" dirty="0">
+              <a:solidFill>
+                <a:schemeClr val="tx1"/>
+              </a:solidFill>
+              <a:effectLst/>
+              <a:latin typeface="+mn-lt"/>
+              <a:ea typeface="+mn-ea"/>
+              <a:cs typeface="+mn-cs"/>
+            </a:endParaRPr>
+          </a:p>
+          <a:p>
+            <a:pPr marL="0" marR="0" lvl="0" indent="0" algn="l" defTabSz="914400" rtl="0" eaLnBrk="1" fontAlgn="auto" latinLnBrk="0" hangingPunct="1">
+              <a:lnSpc>
+                <a:spcPct val="100000"/>
+              </a:lnSpc>
+              <a:spcBef>
+                <a:spcPts val="0"/>
+              </a:spcBef>
+              <a:spcAft>
+                <a:spcPts val="0"/>
+              </a:spcAft>
+              <a:buClrTx/>
+              <a:buSzTx/>
+              <a:buFontTx/>
+              <a:buNone/>
+              <a:tabLst/>
+              <a:defRPr/>
+            </a:pPr>
+            <a:r>
+              <a:rPr lang="en" altLang="zh-CN" dirty="0">
+                <a:hlinkClick r:id="rId11"/>
+              </a:rPr>
+              <a:t>https://jimmysong.io/posts/linkerd-introduction/</a:t>
+            </a:r>
+            <a:endParaRPr lang="en" altLang="zh-CN" dirty="0"/>
+          </a:p>
+          <a:p>
+            <a:pPr marL="0" marR="0" lvl="0" indent="0" algn="l" defTabSz="914400" rtl="0" eaLnBrk="1" fontAlgn="auto" latinLnBrk="0" hangingPunct="1">
+              <a:lnSpc>
+                <a:spcPct val="100000"/>
+              </a:lnSpc>
+              <a:spcBef>
+                <a:spcPts val="0"/>
+              </a:spcBef>
+              <a:spcAft>
+                <a:spcPts val="0"/>
+              </a:spcAft>
+              <a:buClrTx/>
+              <a:buSzTx/>
+              <a:buFontTx/>
+              <a:buNone/>
+              <a:tabLst/>
+              <a:defRPr/>
+            </a:pPr>
+            <a:endParaRPr lang="en" altLang="zh-CN" dirty="0"/>
+          </a:p>
+          <a:p>
+            <a:pPr marL="0" marR="0" lvl="0" indent="0" algn="l" defTabSz="914400" rtl="0" eaLnBrk="1" fontAlgn="auto" latinLnBrk="0" hangingPunct="1">
+              <a:lnSpc>
+                <a:spcPct val="100000"/>
+              </a:lnSpc>
+              <a:spcBef>
+                <a:spcPts val="0"/>
+              </a:spcBef>
+              <a:spcAft>
+                <a:spcPts val="0"/>
+              </a:spcAft>
+              <a:buClrTx/>
+              <a:buSzTx/>
+              <a:buFontTx/>
+              <a:buNone/>
+              <a:tabLst/>
+              <a:defRPr/>
+            </a:pPr>
+            <a:endParaRPr lang="en" altLang="zh-CN" dirty="0"/>
+          </a:p>
+          <a:p>
+            <a:pPr marL="0" marR="0" lvl="0" indent="0" algn="l" defTabSz="914400" rtl="0" eaLnBrk="1" fontAlgn="auto" latinLnBrk="0" hangingPunct="1">
+              <a:lnSpc>
+                <a:spcPct val="100000"/>
+              </a:lnSpc>
+              <a:spcBef>
+                <a:spcPts val="0"/>
+              </a:spcBef>
+              <a:spcAft>
+                <a:spcPts val="0"/>
+              </a:spcAft>
+              <a:buClrTx/>
+              <a:buSzTx/>
+              <a:buFontTx/>
+              <a:buNone/>
+              <a:tabLst/>
+              <a:defRPr/>
+            </a:pPr>
+            <a:endParaRPr lang="en" altLang="zh-CN" dirty="0"/>
+          </a:p>
+          <a:p>
+            <a:pPr marL="0" marR="0" lvl="0" indent="0" algn="l" defTabSz="914400" rtl="0" eaLnBrk="1" fontAlgn="auto" latinLnBrk="0" hangingPunct="1">
+              <a:lnSpc>
+                <a:spcPct val="100000"/>
+              </a:lnSpc>
+              <a:spcBef>
+                <a:spcPts val="0"/>
+              </a:spcBef>
+              <a:spcAft>
+                <a:spcPts val="0"/>
+              </a:spcAft>
+              <a:buClrTx/>
+              <a:buSzTx/>
+              <a:buFontTx/>
+              <a:buNone/>
+              <a:tabLst/>
+              <a:defRPr/>
+            </a:pPr>
+            <a:endParaRPr lang="en" altLang="zh-CN" dirty="0"/>
+          </a:p>
+          <a:p>
+            <a:pPr marL="0" marR="0" lvl="0" indent="0" algn="l" defTabSz="914400" rtl="0" eaLnBrk="1" fontAlgn="auto" latinLnBrk="0" hangingPunct="1">
+              <a:lnSpc>
+                <a:spcPct val="100000"/>
+              </a:lnSpc>
+              <a:spcBef>
+                <a:spcPts val="0"/>
+              </a:spcBef>
+              <a:spcAft>
+                <a:spcPts val="0"/>
+              </a:spcAft>
+              <a:buClrTx/>
+              <a:buSzTx/>
+              <a:buFontTx/>
+              <a:buNone/>
+              <a:tabLst/>
+              <a:defRPr/>
+            </a:pPr>
+            <a:endParaRPr lang="en" altLang="zh-CN" dirty="0"/>
+          </a:p>
+          <a:p>
+            <a:pPr marL="0" marR="0" lvl="0" indent="0" algn="l" defTabSz="914400" rtl="0" eaLnBrk="1" fontAlgn="auto" latinLnBrk="0" hangingPunct="1">
+              <a:lnSpc>
+                <a:spcPct val="100000"/>
+              </a:lnSpc>
+              <a:spcBef>
+                <a:spcPts val="0"/>
+              </a:spcBef>
+              <a:spcAft>
+                <a:spcPts val="0"/>
+              </a:spcAft>
+              <a:buClrTx/>
+              <a:buSzTx/>
+              <a:buFontTx/>
+              <a:buNone/>
+              <a:tabLst/>
+              <a:defRPr/>
+            </a:pPr>
+            <a:endParaRPr lang="zh-CN" altLang="en-US" sz="1200" b="1" i="0" kern="1200" dirty="0">
+              <a:solidFill>
+                <a:schemeClr val="tx1"/>
+              </a:solidFill>
+              <a:effectLst/>
+              <a:latin typeface="+mn-lt"/>
+              <a:ea typeface="+mn-ea"/>
+              <a:cs typeface="+mn-cs"/>
+            </a:endParaRPr>
+          </a:p>
+          <a:p>
+            <a:pPr marL="0" marR="0" lvl="0" indent="0" algn="l" defTabSz="914400" rtl="0" eaLnBrk="1" fontAlgn="auto" latinLnBrk="0" hangingPunct="1">
+              <a:lnSpc>
+                <a:spcPct val="100000"/>
+              </a:lnSpc>
+              <a:spcBef>
+                <a:spcPts val="0"/>
+              </a:spcBef>
+              <a:spcAft>
+                <a:spcPts val="0"/>
+              </a:spcAft>
+              <a:buClrTx/>
+              <a:buSzTx/>
+              <a:buFontTx/>
+              <a:buNone/>
+              <a:tabLst/>
+              <a:defRPr/>
+            </a:pPr>
+            <a:endParaRPr lang="en" altLang="zh-CN" dirty="0"/>
+          </a:p>
+          <a:p>
+            <a:pPr marL="0" marR="0" lvl="0" indent="0" algn="l" defTabSz="914400" rtl="0" eaLnBrk="1" fontAlgn="auto" latinLnBrk="0" hangingPunct="1">
+              <a:lnSpc>
+                <a:spcPct val="100000"/>
+              </a:lnSpc>
+              <a:spcBef>
+                <a:spcPts val="0"/>
+              </a:spcBef>
+              <a:spcAft>
+                <a:spcPts val="0"/>
+              </a:spcAft>
+              <a:buClrTx/>
+              <a:buSzTx/>
+              <a:buFontTx/>
+              <a:buNone/>
+              <a:tabLst/>
+              <a:defRPr/>
+            </a:pPr>
+            <a:endParaRPr kumimoji="1" lang="en" altLang="zh-CN" dirty="0"/>
           </a:p>
           <a:p>
             <a:pPr marL="0" marR="0" lvl="0" indent="0" algn="l" defTabSz="914400" rtl="0" eaLnBrk="1" fontAlgn="auto" latinLnBrk="0" hangingPunct="1">
@@ -7405,7 +7929,7 @@
           <a:effectLst/>
           <a:extLst>
             <a:ext uri="{91240B29-F687-4f45-9708-019B960494DF}">
-              <a14:hiddenLine xmlns="" xmlns:a14="http://schemas.microsoft.com/office/drawing/2010/main" w="9525">
+              <a14:hiddenLine xmlns:a14="http://schemas.microsoft.com/office/drawing/2010/main" xmlns="" w="9525">
                 <a:solidFill>
                   <a:srgbClr val="000000"/>
                 </a:solidFill>
@@ -7598,7 +8122,7 @@
             <a:fld id="{08B9EBBA-996F-894A-B54A-D6246ED52CEA}" type="datetimeFigureOut">
               <a:rPr lang="en-US" dirty="0"/>
               <a:pPr/>
-              <a:t>7/23/19</a:t>
+              <a:t>8/15/19</a:t>
             </a:fld>
             <a:endParaRPr lang="en-US" dirty="0"/>
           </a:p>
@@ -7913,7 +8437,7 @@
             <a:fld id="{18C79C5D-2A6F-F04D-97DA-BEF2467B64E4}" type="datetimeFigureOut">
               <a:rPr lang="en-US" dirty="0"/>
               <a:pPr/>
-              <a:t>7/23/19</a:t>
+              <a:t>8/15/19</a:t>
             </a:fld>
             <a:endParaRPr lang="en-US" dirty="0"/>
           </a:p>
@@ -8398,7 +8922,7 @@
             <a:fld id="{8DFA1846-DA80-1C48-A609-854EA85C59AD}" type="datetimeFigureOut">
               <a:rPr lang="en-US" dirty="0"/>
               <a:pPr/>
-              <a:t>7/23/19</a:t>
+              <a:t>8/15/19</a:t>
             </a:fld>
             <a:endParaRPr lang="en-US" dirty="0"/>
           </a:p>
@@ -8764,7 +9288,7 @@
             <a:fld id="{FBF54567-0DE4-3F47-BF90-CB84690072F9}" type="datetimeFigureOut">
               <a:rPr lang="en-US" dirty="0"/>
               <a:pPr/>
-              <a:t>7/23/19</a:t>
+              <a:t>8/15/19</a:t>
             </a:fld>
             <a:endParaRPr lang="en-US" dirty="0"/>
           </a:p>
@@ -8915,7 +9439,7 @@
           <a:ln/>
           <a:extLst>
             <a:ext uri="{91240B29-F687-4f45-9708-019B960494DF}">
-              <a14:hiddenLine xmlns="" xmlns:a14="http://schemas.microsoft.com/office/drawing/2010/main" w="9525">
+              <a14:hiddenLine xmlns:a14="http://schemas.microsoft.com/office/drawing/2010/main" xmlns="" w="9525">
                 <a:solidFill>
                   <a:srgbClr val="000000"/>
                 </a:solidFill>
@@ -9034,7 +9558,7 @@
             <a:fld id="{C6C52C72-DE31-F449-A4ED-4C594FD91407}" type="datetimeFigureOut">
               <a:rPr lang="en-US" dirty="0"/>
               <a:pPr/>
-              <a:t>7/23/19</a:t>
+              <a:t>8/15/19</a:t>
             </a:fld>
             <a:endParaRPr lang="en-US" dirty="0"/>
           </a:p>
@@ -9187,7 +9711,7 @@
           <a:ln/>
           <a:extLst>
             <a:ext uri="{91240B29-F687-4f45-9708-019B960494DF}">
-              <a14:hiddenLine xmlns="" xmlns:a14="http://schemas.microsoft.com/office/drawing/2010/main" w="9525">
+              <a14:hiddenLine xmlns:a14="http://schemas.microsoft.com/office/drawing/2010/main" xmlns="" w="9525">
                 <a:solidFill>
                   <a:srgbClr val="000000"/>
                 </a:solidFill>
@@ -9316,7 +9840,7 @@
             <a:fld id="{ED62726E-379B-B349-9EED-81ED093FA806}" type="datetimeFigureOut">
               <a:rPr lang="en-US" dirty="0"/>
               <a:pPr/>
-              <a:t>7/23/19</a:t>
+              <a:t>8/15/19</a:t>
             </a:fld>
             <a:endParaRPr lang="en-US" dirty="0"/>
           </a:p>
@@ -9467,7 +9991,7 @@
           <a:ln/>
           <a:extLst>
             <a:ext uri="{91240B29-F687-4f45-9708-019B960494DF}">
-              <a14:hiddenLine xmlns="" xmlns:a14="http://schemas.microsoft.com/office/drawing/2010/main" w="9525">
+              <a14:hiddenLine xmlns:a14="http://schemas.microsoft.com/office/drawing/2010/main" xmlns="" w="9525">
                 <a:solidFill>
                   <a:srgbClr val="000000"/>
                 </a:solidFill>
@@ -9596,7 +10120,7 @@
             <a:fld id="{9B3A1323-8D79-1946-B0D7-40001CF92E9D}" type="datetimeFigureOut">
               <a:rPr lang="en-US" dirty="0"/>
               <a:pPr/>
-              <a:t>7/23/19</a:t>
+              <a:t>8/15/19</a:t>
             </a:fld>
             <a:endParaRPr lang="en-US" dirty="0"/>
           </a:p>
@@ -9936,7 +10460,7 @@
             <a:fld id="{8DFA1846-DA80-1C48-A609-854EA85C59AD}" type="datetimeFigureOut">
               <a:rPr lang="en-US" dirty="0"/>
               <a:pPr/>
-              <a:t>7/23/19</a:t>
+              <a:t>8/15/19</a:t>
             </a:fld>
             <a:endParaRPr lang="en-US" dirty="0"/>
           </a:p>
@@ -10087,7 +10611,7 @@
           <a:ln/>
           <a:extLst>
             <a:ext uri="{91240B29-F687-4f45-9708-019B960494DF}">
-              <a14:hiddenLine xmlns="" xmlns:a14="http://schemas.microsoft.com/office/drawing/2010/main" w="9525">
+              <a14:hiddenLine xmlns:a14="http://schemas.microsoft.com/office/drawing/2010/main" xmlns="" w="9525">
                 <a:solidFill>
                   <a:srgbClr val="000000"/>
                 </a:solidFill>
@@ -10272,7 +10796,7 @@
             <a:fld id="{57302355-E14B-8545-A8F8-0FE83CC9D524}" type="datetimeFigureOut">
               <a:rPr lang="en-US" dirty="0"/>
               <a:pPr/>
-              <a:t>7/23/19</a:t>
+              <a:t>8/15/19</a:t>
             </a:fld>
             <a:endParaRPr lang="en-US" dirty="0"/>
           </a:p>
@@ -10423,7 +10947,7 @@
           <a:ln/>
           <a:extLst>
             <a:ext uri="{91240B29-F687-4f45-9708-019B960494DF}">
-              <a14:hiddenLine xmlns="" xmlns:a14="http://schemas.microsoft.com/office/drawing/2010/main" w="9525">
+              <a14:hiddenLine xmlns:a14="http://schemas.microsoft.com/office/drawing/2010/main" xmlns="" w="9525">
                 <a:solidFill>
                   <a:srgbClr val="000000"/>
                 </a:solidFill>
@@ -10746,7 +11270,7 @@
             <a:fld id="{02640F58-564D-2B4F-AE67-E407BA4FCF45}" type="datetimeFigureOut">
               <a:rPr lang="en-US" dirty="0"/>
               <a:pPr/>
-              <a:t>7/23/19</a:t>
+              <a:t>8/15/19</a:t>
             </a:fld>
             <a:endParaRPr lang="en-US" dirty="0"/>
           </a:p>
@@ -10897,7 +11421,7 @@
           <a:ln/>
           <a:extLst>
             <a:ext uri="{91240B29-F687-4f45-9708-019B960494DF}">
-              <a14:hiddenLine xmlns="" xmlns:a14="http://schemas.microsoft.com/office/drawing/2010/main" w="9525">
+              <a14:hiddenLine xmlns:a14="http://schemas.microsoft.com/office/drawing/2010/main" xmlns="" w="9525">
                 <a:solidFill>
                   <a:srgbClr val="000000"/>
                 </a:solidFill>
@@ -10964,7 +11488,7 @@
             <a:fld id="{F13A34C8-038E-2045-AF43-DF7DBB8E0E9E}" type="datetimeFigureOut">
               <a:rPr lang="en-US" dirty="0"/>
               <a:pPr/>
-              <a:t>7/23/19</a:t>
+              <a:t>8/15/19</a:t>
             </a:fld>
             <a:endParaRPr lang="en-US" dirty="0"/>
           </a:p>
@@ -11056,7 +11580,7 @@
             <a:fld id="{8818C68F-D26B-8F47-958C-23B49CF8A634}" type="datetimeFigureOut">
               <a:rPr lang="en-US" dirty="0"/>
               <a:pPr/>
-              <a:t>7/23/19</a:t>
+              <a:t>8/15/19</a:t>
             </a:fld>
             <a:endParaRPr lang="en-US" dirty="0"/>
           </a:p>
@@ -11320,7 +11844,7 @@
           <a:ln/>
           <a:extLst>
             <a:ext uri="{91240B29-F687-4f45-9708-019B960494DF}">
-              <a14:hiddenLine xmlns="" xmlns:a14="http://schemas.microsoft.com/office/drawing/2010/main" w="9525">
+              <a14:hiddenLine xmlns:a14="http://schemas.microsoft.com/office/drawing/2010/main" xmlns="" w="9525">
                 <a:solidFill>
                   <a:srgbClr val="000000"/>
                 </a:solidFill>
@@ -11520,7 +12044,7 @@
             <a:fld id="{D0DF5E60-9974-AC48-9591-99C2BB44B7CF}" type="datetimeFigureOut">
               <a:rPr lang="en-US" dirty="0"/>
               <a:pPr/>
-              <a:t>7/23/19</a:t>
+              <a:t>8/15/19</a:t>
             </a:fld>
             <a:endParaRPr lang="en-US" dirty="0"/>
           </a:p>
@@ -11830,7 +12354,7 @@
             <a:fld id="{18C79C5D-2A6F-F04D-97DA-BEF2467B64E4}" type="datetimeFigureOut">
               <a:rPr lang="en-US" dirty="0"/>
               <a:pPr/>
-              <a:t>7/23/19</a:t>
+              <a:t>8/15/19</a:t>
             </a:fld>
             <a:endParaRPr lang="en-US" dirty="0"/>
           </a:p>
@@ -12097,7 +12621,7 @@
             <a:fld id="{09B482E8-6E0E-1B4F-B1FD-C69DB9E858D9}" type="datetimeFigureOut">
               <a:rPr lang="en-US" dirty="0"/>
               <a:pPr/>
-              <a:t>7/23/19</a:t>
+              <a:t>8/15/19</a:t>
             </a:fld>
             <a:endParaRPr lang="en-US" dirty="0"/>
           </a:p>
